--- a/lecture1/lecture1.pptx
+++ b/lecture1/lecture1.pptx
@@ -4,9 +4,61 @@
   <p:sldMasterIdLst>
     <p:sldMasterId id="2147483919" r:id="rId1"/>
   </p:sldMasterIdLst>
+  <p:notesMasterIdLst>
+    <p:notesMasterId r:id="rId53"/>
+  </p:notesMasterIdLst>
   <p:sldIdLst>
     <p:sldId id="256" r:id="rId2"/>
-    <p:sldId id="257" r:id="rId3"/>
+    <p:sldId id="306" r:id="rId3"/>
+    <p:sldId id="257" r:id="rId4"/>
+    <p:sldId id="301" r:id="rId5"/>
+    <p:sldId id="258" r:id="rId6"/>
+    <p:sldId id="259" r:id="rId7"/>
+    <p:sldId id="260" r:id="rId8"/>
+    <p:sldId id="261" r:id="rId9"/>
+    <p:sldId id="262" r:id="rId10"/>
+    <p:sldId id="266" r:id="rId11"/>
+    <p:sldId id="267" r:id="rId12"/>
+    <p:sldId id="268" r:id="rId13"/>
+    <p:sldId id="269" r:id="rId14"/>
+    <p:sldId id="270" r:id="rId15"/>
+    <p:sldId id="271" r:id="rId16"/>
+    <p:sldId id="272" r:id="rId17"/>
+    <p:sldId id="273" r:id="rId18"/>
+    <p:sldId id="274" r:id="rId19"/>
+    <p:sldId id="302" r:id="rId20"/>
+    <p:sldId id="275" r:id="rId21"/>
+    <p:sldId id="276" r:id="rId22"/>
+    <p:sldId id="277" r:id="rId23"/>
+    <p:sldId id="278" r:id="rId24"/>
+    <p:sldId id="279" r:id="rId25"/>
+    <p:sldId id="280" r:id="rId26"/>
+    <p:sldId id="303" r:id="rId27"/>
+    <p:sldId id="281" r:id="rId28"/>
+    <p:sldId id="307" r:id="rId29"/>
+    <p:sldId id="308" r:id="rId30"/>
+    <p:sldId id="309" r:id="rId31"/>
+    <p:sldId id="310" r:id="rId32"/>
+    <p:sldId id="282" r:id="rId33"/>
+    <p:sldId id="283" r:id="rId34"/>
+    <p:sldId id="284" r:id="rId35"/>
+    <p:sldId id="285" r:id="rId36"/>
+    <p:sldId id="286" r:id="rId37"/>
+    <p:sldId id="288" r:id="rId38"/>
+    <p:sldId id="289" r:id="rId39"/>
+    <p:sldId id="290" r:id="rId40"/>
+    <p:sldId id="291" r:id="rId41"/>
+    <p:sldId id="292" r:id="rId42"/>
+    <p:sldId id="293" r:id="rId43"/>
+    <p:sldId id="294" r:id="rId44"/>
+    <p:sldId id="295" r:id="rId45"/>
+    <p:sldId id="296" r:id="rId46"/>
+    <p:sldId id="298" r:id="rId47"/>
+    <p:sldId id="297" r:id="rId48"/>
+    <p:sldId id="299" r:id="rId49"/>
+    <p:sldId id="300" r:id="rId50"/>
+    <p:sldId id="304" r:id="rId51"/>
+    <p:sldId id="305" r:id="rId52"/>
   </p:sldIdLst>
   <p:sldSz cx="12192000" cy="6858000"/>
   <p:notesSz cx="6858000" cy="9144000"/>
@@ -105,7 +157,445 @@
       </a:defRPr>
     </a:lvl9pPr>
   </p:defaultTextStyle>
+  <p:extLst>
+    <p:ext uri="{EFAFB233-063F-42B5-8137-9DF3F51BA10A}">
+      <p15:sldGuideLst xmlns:p15="http://schemas.microsoft.com/office/powerpoint/2012/main"/>
+    </p:ext>
+  </p:extLst>
 </p:presentation>
+</file>
+
+<file path=ppt/notesMasters/notesMaster1.xml><?xml version="1.0" encoding="utf-8"?>
+<p:notesMaster xmlns:a="http://schemas.openxmlformats.org/drawingml/2006/main" xmlns:r="http://schemas.openxmlformats.org/officeDocument/2006/relationships" xmlns:p="http://schemas.openxmlformats.org/presentationml/2006/main">
+  <p:cSld>
+    <p:bg>
+      <p:bgRef idx="1001">
+        <a:schemeClr val="bg1"/>
+      </p:bgRef>
+    </p:bg>
+    <p:spTree>
+      <p:nvGrpSpPr>
+        <p:cNvPr id="1" name=""/>
+        <p:cNvGrpSpPr/>
+        <p:nvPr/>
+      </p:nvGrpSpPr>
+      <p:grpSpPr>
+        <a:xfrm>
+          <a:off x="0" y="0"/>
+          <a:ext cx="0" cy="0"/>
+          <a:chOff x="0" y="0"/>
+          <a:chExt cx="0" cy="0"/>
+        </a:xfrm>
+      </p:grpSpPr>
+      <p:sp>
+        <p:nvSpPr>
+          <p:cNvPr id="2" name="Верхний колонтитул 1"/>
+          <p:cNvSpPr>
+            <a:spLocks noGrp="1"/>
+          </p:cNvSpPr>
+          <p:nvPr>
+            <p:ph type="hdr" sz="quarter"/>
+          </p:nvPr>
+        </p:nvSpPr>
+        <p:spPr>
+          <a:xfrm>
+            <a:off x="0" y="0"/>
+            <a:ext cx="2971800" cy="458788"/>
+          </a:xfrm>
+          <a:prstGeom prst="rect">
+            <a:avLst/>
+          </a:prstGeom>
+        </p:spPr>
+        <p:txBody>
+          <a:bodyPr vert="horz" lIns="91440" tIns="45720" rIns="91440" bIns="45720" rtlCol="0"/>
+          <a:lstStyle>
+            <a:lvl1pPr algn="l">
+              <a:defRPr sz="1200"/>
+            </a:lvl1pPr>
+          </a:lstStyle>
+          <a:p>
+            <a:endParaRPr lang="ru-RU"/>
+          </a:p>
+        </p:txBody>
+      </p:sp>
+      <p:sp>
+        <p:nvSpPr>
+          <p:cNvPr id="3" name="Дата 2"/>
+          <p:cNvSpPr>
+            <a:spLocks noGrp="1"/>
+          </p:cNvSpPr>
+          <p:nvPr>
+            <p:ph type="dt" idx="1"/>
+          </p:nvPr>
+        </p:nvSpPr>
+        <p:spPr>
+          <a:xfrm>
+            <a:off x="3884613" y="0"/>
+            <a:ext cx="2971800" cy="458788"/>
+          </a:xfrm>
+          <a:prstGeom prst="rect">
+            <a:avLst/>
+          </a:prstGeom>
+        </p:spPr>
+        <p:txBody>
+          <a:bodyPr vert="horz" lIns="91440" tIns="45720" rIns="91440" bIns="45720" rtlCol="0"/>
+          <a:lstStyle>
+            <a:lvl1pPr algn="r">
+              <a:defRPr sz="1200"/>
+            </a:lvl1pPr>
+          </a:lstStyle>
+          <a:p>
+            <a:fld id="{55CFB9DF-4F5C-604D-AD82-D8F651AECAD9}" type="datetimeFigureOut">
+              <a:rPr lang="ru-RU" smtClean="0"/>
+              <a:t>03.10.2023</a:t>
+            </a:fld>
+            <a:endParaRPr lang="ru-RU"/>
+          </a:p>
+        </p:txBody>
+      </p:sp>
+      <p:sp>
+        <p:nvSpPr>
+          <p:cNvPr id="4" name="Образ слайда 3"/>
+          <p:cNvSpPr>
+            <a:spLocks noGrp="1" noRot="1" noChangeAspect="1"/>
+          </p:cNvSpPr>
+          <p:nvPr>
+            <p:ph type="sldImg" idx="2"/>
+          </p:nvPr>
+        </p:nvSpPr>
+        <p:spPr>
+          <a:xfrm>
+            <a:off x="685800" y="1143000"/>
+            <a:ext cx="5486400" cy="3086100"/>
+          </a:xfrm>
+          <a:prstGeom prst="rect">
+            <a:avLst/>
+          </a:prstGeom>
+          <a:noFill/>
+          <a:ln w="12700">
+            <a:solidFill>
+              <a:prstClr val="black"/>
+            </a:solidFill>
+          </a:ln>
+        </p:spPr>
+        <p:txBody>
+          <a:bodyPr vert="horz" lIns="91440" tIns="45720" rIns="91440" bIns="45720" rtlCol="0" anchor="ctr"/>
+          <a:lstStyle/>
+          <a:p>
+            <a:endParaRPr lang="ru-RU"/>
+          </a:p>
+        </p:txBody>
+      </p:sp>
+      <p:sp>
+        <p:nvSpPr>
+          <p:cNvPr id="5" name="Заметки 4"/>
+          <p:cNvSpPr>
+            <a:spLocks noGrp="1"/>
+          </p:cNvSpPr>
+          <p:nvPr>
+            <p:ph type="body" sz="quarter" idx="3"/>
+          </p:nvPr>
+        </p:nvSpPr>
+        <p:spPr>
+          <a:xfrm>
+            <a:off x="685800" y="4400550"/>
+            <a:ext cx="5486400" cy="3600450"/>
+          </a:xfrm>
+          <a:prstGeom prst="rect">
+            <a:avLst/>
+          </a:prstGeom>
+        </p:spPr>
+        <p:txBody>
+          <a:bodyPr vert="horz" lIns="91440" tIns="45720" rIns="91440" bIns="45720" rtlCol="0"/>
+          <a:lstStyle/>
+          <a:p>
+            <a:pPr lvl="0"/>
+            <a:r>
+              <a:rPr lang="ru-RU"/>
+              <a:t>Образец текста</a:t>
+            </a:r>
+          </a:p>
+          <a:p>
+            <a:pPr lvl="1"/>
+            <a:r>
+              <a:rPr lang="ru-RU"/>
+              <a:t>Второй уровень</a:t>
+            </a:r>
+          </a:p>
+          <a:p>
+            <a:pPr lvl="2"/>
+            <a:r>
+              <a:rPr lang="ru-RU"/>
+              <a:t>Третий уровень</a:t>
+            </a:r>
+          </a:p>
+          <a:p>
+            <a:pPr lvl="3"/>
+            <a:r>
+              <a:rPr lang="ru-RU"/>
+              <a:t>Четвертый уровень</a:t>
+            </a:r>
+          </a:p>
+          <a:p>
+            <a:pPr lvl="4"/>
+            <a:r>
+              <a:rPr lang="ru-RU"/>
+              <a:t>Пятый уровень</a:t>
+            </a:r>
+          </a:p>
+        </p:txBody>
+      </p:sp>
+      <p:sp>
+        <p:nvSpPr>
+          <p:cNvPr id="6" name="Нижний колонтитул 5"/>
+          <p:cNvSpPr>
+            <a:spLocks noGrp="1"/>
+          </p:cNvSpPr>
+          <p:nvPr>
+            <p:ph type="ftr" sz="quarter" idx="4"/>
+          </p:nvPr>
+        </p:nvSpPr>
+        <p:spPr>
+          <a:xfrm>
+            <a:off x="0" y="8685213"/>
+            <a:ext cx="2971800" cy="458787"/>
+          </a:xfrm>
+          <a:prstGeom prst="rect">
+            <a:avLst/>
+          </a:prstGeom>
+        </p:spPr>
+        <p:txBody>
+          <a:bodyPr vert="horz" lIns="91440" tIns="45720" rIns="91440" bIns="45720" rtlCol="0" anchor="b"/>
+          <a:lstStyle>
+            <a:lvl1pPr algn="l">
+              <a:defRPr sz="1200"/>
+            </a:lvl1pPr>
+          </a:lstStyle>
+          <a:p>
+            <a:endParaRPr lang="ru-RU"/>
+          </a:p>
+        </p:txBody>
+      </p:sp>
+      <p:sp>
+        <p:nvSpPr>
+          <p:cNvPr id="7" name="Номер слайда 6"/>
+          <p:cNvSpPr>
+            <a:spLocks noGrp="1"/>
+          </p:cNvSpPr>
+          <p:nvPr>
+            <p:ph type="sldNum" sz="quarter" idx="5"/>
+          </p:nvPr>
+        </p:nvSpPr>
+        <p:spPr>
+          <a:xfrm>
+            <a:off x="3884613" y="8685213"/>
+            <a:ext cx="2971800" cy="458787"/>
+          </a:xfrm>
+          <a:prstGeom prst="rect">
+            <a:avLst/>
+          </a:prstGeom>
+        </p:spPr>
+        <p:txBody>
+          <a:bodyPr vert="horz" lIns="91440" tIns="45720" rIns="91440" bIns="45720" rtlCol="0" anchor="b"/>
+          <a:lstStyle>
+            <a:lvl1pPr algn="r">
+              <a:defRPr sz="1200"/>
+            </a:lvl1pPr>
+          </a:lstStyle>
+          <a:p>
+            <a:fld id="{8819413A-551D-9345-A9A1-3CE5553C35B4}" type="slidenum">
+              <a:rPr lang="ru-RU" smtClean="0"/>
+              <a:t>‹#›</a:t>
+            </a:fld>
+            <a:endParaRPr lang="ru-RU"/>
+          </a:p>
+        </p:txBody>
+      </p:sp>
+    </p:spTree>
+    <p:extLst>
+      <p:ext uri="{BB962C8B-B14F-4D97-AF65-F5344CB8AC3E}">
+        <p14:creationId xmlns:p14="http://schemas.microsoft.com/office/powerpoint/2010/main" val="3660066758"/>
+      </p:ext>
+    </p:extLst>
+  </p:cSld>
+  <p:clrMap bg1="lt1" tx1="dk1" bg2="lt2" tx2="dk2" accent1="accent1" accent2="accent2" accent3="accent3" accent4="accent4" accent5="accent5" accent6="accent6" hlink="hlink" folHlink="folHlink"/>
+  <p:notesStyle>
+    <a:lvl1pPr marL="0" algn="l" defTabSz="914400" rtl="0" eaLnBrk="1" latinLnBrk="0" hangingPunct="1">
+      <a:defRPr sz="1200" kern="1200">
+        <a:solidFill>
+          <a:schemeClr val="tx1"/>
+        </a:solidFill>
+        <a:latin typeface="+mn-lt"/>
+        <a:ea typeface="+mn-ea"/>
+        <a:cs typeface="+mn-cs"/>
+      </a:defRPr>
+    </a:lvl1pPr>
+    <a:lvl2pPr marL="457200" algn="l" defTabSz="914400" rtl="0" eaLnBrk="1" latinLnBrk="0" hangingPunct="1">
+      <a:defRPr sz="1200" kern="1200">
+        <a:solidFill>
+          <a:schemeClr val="tx1"/>
+        </a:solidFill>
+        <a:latin typeface="+mn-lt"/>
+        <a:ea typeface="+mn-ea"/>
+        <a:cs typeface="+mn-cs"/>
+      </a:defRPr>
+    </a:lvl2pPr>
+    <a:lvl3pPr marL="914400" algn="l" defTabSz="914400" rtl="0" eaLnBrk="1" latinLnBrk="0" hangingPunct="1">
+      <a:defRPr sz="1200" kern="1200">
+        <a:solidFill>
+          <a:schemeClr val="tx1"/>
+        </a:solidFill>
+        <a:latin typeface="+mn-lt"/>
+        <a:ea typeface="+mn-ea"/>
+        <a:cs typeface="+mn-cs"/>
+      </a:defRPr>
+    </a:lvl3pPr>
+    <a:lvl4pPr marL="1371600" algn="l" defTabSz="914400" rtl="0" eaLnBrk="1" latinLnBrk="0" hangingPunct="1">
+      <a:defRPr sz="1200" kern="1200">
+        <a:solidFill>
+          <a:schemeClr val="tx1"/>
+        </a:solidFill>
+        <a:latin typeface="+mn-lt"/>
+        <a:ea typeface="+mn-ea"/>
+        <a:cs typeface="+mn-cs"/>
+      </a:defRPr>
+    </a:lvl4pPr>
+    <a:lvl5pPr marL="1828800" algn="l" defTabSz="914400" rtl="0" eaLnBrk="1" latinLnBrk="0" hangingPunct="1">
+      <a:defRPr sz="1200" kern="1200">
+        <a:solidFill>
+          <a:schemeClr val="tx1"/>
+        </a:solidFill>
+        <a:latin typeface="+mn-lt"/>
+        <a:ea typeface="+mn-ea"/>
+        <a:cs typeface="+mn-cs"/>
+      </a:defRPr>
+    </a:lvl5pPr>
+    <a:lvl6pPr marL="2286000" algn="l" defTabSz="914400" rtl="0" eaLnBrk="1" latinLnBrk="0" hangingPunct="1">
+      <a:defRPr sz="1200" kern="1200">
+        <a:solidFill>
+          <a:schemeClr val="tx1"/>
+        </a:solidFill>
+        <a:latin typeface="+mn-lt"/>
+        <a:ea typeface="+mn-ea"/>
+        <a:cs typeface="+mn-cs"/>
+      </a:defRPr>
+    </a:lvl6pPr>
+    <a:lvl7pPr marL="2743200" algn="l" defTabSz="914400" rtl="0" eaLnBrk="1" latinLnBrk="0" hangingPunct="1">
+      <a:defRPr sz="1200" kern="1200">
+        <a:solidFill>
+          <a:schemeClr val="tx1"/>
+        </a:solidFill>
+        <a:latin typeface="+mn-lt"/>
+        <a:ea typeface="+mn-ea"/>
+        <a:cs typeface="+mn-cs"/>
+      </a:defRPr>
+    </a:lvl7pPr>
+    <a:lvl8pPr marL="3200400" algn="l" defTabSz="914400" rtl="0" eaLnBrk="1" latinLnBrk="0" hangingPunct="1">
+      <a:defRPr sz="1200" kern="1200">
+        <a:solidFill>
+          <a:schemeClr val="tx1"/>
+        </a:solidFill>
+        <a:latin typeface="+mn-lt"/>
+        <a:ea typeface="+mn-ea"/>
+        <a:cs typeface="+mn-cs"/>
+      </a:defRPr>
+    </a:lvl8pPr>
+    <a:lvl9pPr marL="3657600" algn="l" defTabSz="914400" rtl="0" eaLnBrk="1" latinLnBrk="0" hangingPunct="1">
+      <a:defRPr sz="1200" kern="1200">
+        <a:solidFill>
+          <a:schemeClr val="tx1"/>
+        </a:solidFill>
+        <a:latin typeface="+mn-lt"/>
+        <a:ea typeface="+mn-ea"/>
+        <a:cs typeface="+mn-cs"/>
+      </a:defRPr>
+    </a:lvl9pPr>
+  </p:notesStyle>
+</p:notesMaster>
+</file>
+
+<file path=ppt/notesSlides/notesSlide1.xml><?xml version="1.0" encoding="utf-8"?>
+<p:notes xmlns:a="http://schemas.openxmlformats.org/drawingml/2006/main" xmlns:r="http://schemas.openxmlformats.org/officeDocument/2006/relationships" xmlns:p="http://schemas.openxmlformats.org/presentationml/2006/main">
+  <p:cSld>
+    <p:spTree>
+      <p:nvGrpSpPr>
+        <p:cNvPr id="1" name=""/>
+        <p:cNvGrpSpPr/>
+        <p:nvPr/>
+      </p:nvGrpSpPr>
+      <p:grpSpPr>
+        <a:xfrm>
+          <a:off x="0" y="0"/>
+          <a:ext cx="0" cy="0"/>
+          <a:chOff x="0" y="0"/>
+          <a:chExt cx="0" cy="0"/>
+        </a:xfrm>
+      </p:grpSpPr>
+      <p:sp>
+        <p:nvSpPr>
+          <p:cNvPr id="2" name="Образ слайда 1"/>
+          <p:cNvSpPr>
+            <a:spLocks noGrp="1" noRot="1" noChangeAspect="1"/>
+          </p:cNvSpPr>
+          <p:nvPr>
+            <p:ph type="sldImg"/>
+          </p:nvPr>
+        </p:nvSpPr>
+        <p:spPr/>
+      </p:sp>
+      <p:sp>
+        <p:nvSpPr>
+          <p:cNvPr id="3" name="Заметки 2"/>
+          <p:cNvSpPr>
+            <a:spLocks noGrp="1"/>
+          </p:cNvSpPr>
+          <p:nvPr>
+            <p:ph type="body" idx="1"/>
+          </p:nvPr>
+        </p:nvSpPr>
+        <p:spPr/>
+        <p:txBody>
+          <a:bodyPr/>
+          <a:lstStyle/>
+          <a:p>
+            <a:endParaRPr lang="ru-RU" dirty="0"/>
+          </a:p>
+        </p:txBody>
+      </p:sp>
+      <p:sp>
+        <p:nvSpPr>
+          <p:cNvPr id="4" name="Номер слайда 3"/>
+          <p:cNvSpPr>
+            <a:spLocks noGrp="1"/>
+          </p:cNvSpPr>
+          <p:nvPr>
+            <p:ph type="sldNum" sz="quarter" idx="5"/>
+          </p:nvPr>
+        </p:nvSpPr>
+        <p:spPr/>
+        <p:txBody>
+          <a:bodyPr/>
+          <a:lstStyle/>
+          <a:p>
+            <a:fld id="{8819413A-551D-9345-A9A1-3CE5553C35B4}" type="slidenum">
+              <a:rPr lang="ru-RU" smtClean="0"/>
+              <a:t>50</a:t>
+            </a:fld>
+            <a:endParaRPr lang="ru-RU"/>
+          </a:p>
+        </p:txBody>
+      </p:sp>
+    </p:spTree>
+    <p:extLst>
+      <p:ext uri="{BB962C8B-B14F-4D97-AF65-F5344CB8AC3E}">
+        <p14:creationId xmlns:p14="http://schemas.microsoft.com/office/powerpoint/2010/main" val="1472055412"/>
+      </p:ext>
+    </p:extLst>
+  </p:cSld>
+  <p:clrMapOvr>
+    <a:masterClrMapping/>
+  </p:clrMapOvr>
+</p:notes>
 </file>
 
 <file path=ppt/slideLayouts/slideLayout1.xml><?xml version="1.0" encoding="utf-8"?>
@@ -255,7 +745,7 @@
           <a:p>
             <a:fld id="{0700ADEF-01A8-214F-B714-75928F653C3B}" type="datetimeFigureOut">
               <a:rPr lang="ru-RU" smtClean="0"/>
-              <a:t>19.09.2023</a:t>
+              <a:t>03.10.2023</a:t>
             </a:fld>
             <a:endParaRPr lang="ru-RU"/>
           </a:p>
@@ -453,7 +943,7 @@
           <a:p>
             <a:fld id="{0700ADEF-01A8-214F-B714-75928F653C3B}" type="datetimeFigureOut">
               <a:rPr lang="ru-RU" smtClean="0"/>
-              <a:t>19.09.2023</a:t>
+              <a:t>03.10.2023</a:t>
             </a:fld>
             <a:endParaRPr lang="ru-RU"/>
           </a:p>
@@ -661,7 +1151,7 @@
           <a:p>
             <a:fld id="{0700ADEF-01A8-214F-B714-75928F653C3B}" type="datetimeFigureOut">
               <a:rPr lang="ru-RU" smtClean="0"/>
-              <a:t>19.09.2023</a:t>
+              <a:t>03.10.2023</a:t>
             </a:fld>
             <a:endParaRPr lang="ru-RU"/>
           </a:p>
@@ -859,7 +1349,7 @@
           <a:p>
             <a:fld id="{0700ADEF-01A8-214F-B714-75928F653C3B}" type="datetimeFigureOut">
               <a:rPr lang="ru-RU" smtClean="0"/>
-              <a:t>19.09.2023</a:t>
+              <a:t>03.10.2023</a:t>
             </a:fld>
             <a:endParaRPr lang="ru-RU"/>
           </a:p>
@@ -1134,7 +1624,7 @@
           <a:p>
             <a:fld id="{0700ADEF-01A8-214F-B714-75928F653C3B}" type="datetimeFigureOut">
               <a:rPr lang="ru-RU" smtClean="0"/>
-              <a:t>19.09.2023</a:t>
+              <a:t>03.10.2023</a:t>
             </a:fld>
             <a:endParaRPr lang="ru-RU"/>
           </a:p>
@@ -1399,7 +1889,7 @@
           <a:p>
             <a:fld id="{0700ADEF-01A8-214F-B714-75928F653C3B}" type="datetimeFigureOut">
               <a:rPr lang="ru-RU" smtClean="0"/>
-              <a:t>19.09.2023</a:t>
+              <a:t>03.10.2023</a:t>
             </a:fld>
             <a:endParaRPr lang="ru-RU"/>
           </a:p>
@@ -1811,7 +2301,7 @@
           <a:p>
             <a:fld id="{0700ADEF-01A8-214F-B714-75928F653C3B}" type="datetimeFigureOut">
               <a:rPr lang="ru-RU" smtClean="0"/>
-              <a:t>19.09.2023</a:t>
+              <a:t>03.10.2023</a:t>
             </a:fld>
             <a:endParaRPr lang="ru-RU"/>
           </a:p>
@@ -1952,7 +2442,7 @@
           <a:p>
             <a:fld id="{0700ADEF-01A8-214F-B714-75928F653C3B}" type="datetimeFigureOut">
               <a:rPr lang="ru-RU" smtClean="0"/>
-              <a:t>19.09.2023</a:t>
+              <a:t>03.10.2023</a:t>
             </a:fld>
             <a:endParaRPr lang="ru-RU"/>
           </a:p>
@@ -2065,7 +2555,7 @@
           <a:p>
             <a:fld id="{0700ADEF-01A8-214F-B714-75928F653C3B}" type="datetimeFigureOut">
               <a:rPr lang="ru-RU" smtClean="0"/>
-              <a:t>19.09.2023</a:t>
+              <a:t>03.10.2023</a:t>
             </a:fld>
             <a:endParaRPr lang="ru-RU"/>
           </a:p>
@@ -2376,7 +2866,7 @@
           <a:p>
             <a:fld id="{0700ADEF-01A8-214F-B714-75928F653C3B}" type="datetimeFigureOut">
               <a:rPr lang="ru-RU" smtClean="0"/>
-              <a:t>19.09.2023</a:t>
+              <a:t>03.10.2023</a:t>
             </a:fld>
             <a:endParaRPr lang="ru-RU"/>
           </a:p>
@@ -2664,7 +3154,7 @@
           <a:p>
             <a:fld id="{0700ADEF-01A8-214F-B714-75928F653C3B}" type="datetimeFigureOut">
               <a:rPr lang="ru-RU" smtClean="0"/>
-              <a:t>19.09.2023</a:t>
+              <a:t>03.10.2023</a:t>
             </a:fld>
             <a:endParaRPr lang="ru-RU"/>
           </a:p>
@@ -2905,7 +3395,7 @@
           <a:p>
             <a:fld id="{0700ADEF-01A8-214F-B714-75928F653C3B}" type="datetimeFigureOut">
               <a:rPr lang="ru-RU" smtClean="0"/>
-              <a:t>19.09.2023</a:t>
+              <a:t>03.10.2023</a:t>
             </a:fld>
             <a:endParaRPr lang="ru-RU"/>
           </a:p>
@@ -3378,7 +3868,7 @@
         </p:nvSpPr>
         <p:spPr>
           <a:xfrm>
-            <a:off x="9527356" y="6387977"/>
+            <a:off x="9198542" y="6156535"/>
             <a:ext cx="2551522" cy="357220"/>
           </a:xfrm>
         </p:spPr>
@@ -3417,7 +3907,7 @@
         </p:blipFill>
         <p:spPr>
           <a:xfrm>
-            <a:off x="9837868" y="5912922"/>
+            <a:off x="9509054" y="5681480"/>
             <a:ext cx="475055" cy="475055"/>
           </a:xfrm>
           <a:prstGeom prst="rect">
@@ -3441,7 +3931,7 @@
         </p:nvSpPr>
         <p:spPr>
           <a:xfrm>
-            <a:off x="10312923" y="5971840"/>
+            <a:off x="9984109" y="5740398"/>
             <a:ext cx="1765955" cy="357220"/>
           </a:xfrm>
           <a:prstGeom prst="rect">
@@ -3629,10 +4119,1116 @@
           </a:p>
         </p:txBody>
       </p:sp>
+      <p:sp>
+        <p:nvSpPr>
+          <p:cNvPr id="4" name="Прямоугольник 3">
+            <a:extLst>
+              <a:ext uri="{FF2B5EF4-FFF2-40B4-BE49-F238E27FC236}">
+                <a16:creationId xmlns:a16="http://schemas.microsoft.com/office/drawing/2014/main" id="{BF5F01C2-CD78-3709-7D1A-2695AB40DE1E}"/>
+              </a:ext>
+            </a:extLst>
+          </p:cNvPr>
+          <p:cNvSpPr/>
+          <p:nvPr/>
+        </p:nvSpPr>
+        <p:spPr>
+          <a:xfrm>
+            <a:off x="268942" y="344245"/>
+            <a:ext cx="11654118" cy="6282466"/>
+          </a:xfrm>
+          <a:prstGeom prst="rect">
+            <a:avLst/>
+          </a:prstGeom>
+          <a:noFill/>
+          <a:ln w="127000">
+            <a:solidFill>
+              <a:schemeClr val="accent1">
+                <a:shade val="15000"/>
+                <a:alpha val="60000"/>
+              </a:schemeClr>
+            </a:solidFill>
+          </a:ln>
+        </p:spPr>
+        <p:style>
+          <a:lnRef idx="2">
+            <a:schemeClr val="accent1">
+              <a:shade val="15000"/>
+            </a:schemeClr>
+          </a:lnRef>
+          <a:fillRef idx="1">
+            <a:schemeClr val="accent1"/>
+          </a:fillRef>
+          <a:effectRef idx="0">
+            <a:schemeClr val="accent1"/>
+          </a:effectRef>
+          <a:fontRef idx="minor">
+            <a:schemeClr val="lt1"/>
+          </a:fontRef>
+        </p:style>
+        <p:txBody>
+          <a:bodyPr rtlCol="0" anchor="ctr"/>
+          <a:lstStyle/>
+          <a:p>
+            <a:pPr algn="ctr"/>
+            <a:endParaRPr lang="ru-RU"/>
+          </a:p>
+        </p:txBody>
+      </p:sp>
     </p:spTree>
     <p:extLst>
       <p:ext uri="{BB962C8B-B14F-4D97-AF65-F5344CB8AC3E}">
         <p14:creationId xmlns:p14="http://schemas.microsoft.com/office/powerpoint/2010/main" val="3602930330"/>
+      </p:ext>
+    </p:extLst>
+  </p:cSld>
+  <p:clrMapOvr>
+    <a:masterClrMapping/>
+  </p:clrMapOvr>
+</p:sld>
+</file>
+
+<file path=ppt/slides/slide10.xml><?xml version="1.0" encoding="utf-8"?>
+<p:sld xmlns:a="http://schemas.openxmlformats.org/drawingml/2006/main" xmlns:r="http://schemas.openxmlformats.org/officeDocument/2006/relationships" xmlns:p="http://schemas.openxmlformats.org/presentationml/2006/main">
+  <p:cSld>
+    <p:spTree>
+      <p:nvGrpSpPr>
+        <p:cNvPr id="1" name=""/>
+        <p:cNvGrpSpPr/>
+        <p:nvPr/>
+      </p:nvGrpSpPr>
+      <p:grpSpPr>
+        <a:xfrm>
+          <a:off x="0" y="0"/>
+          <a:ext cx="0" cy="0"/>
+          <a:chOff x="0" y="0"/>
+          <a:chExt cx="0" cy="0"/>
+        </a:xfrm>
+      </p:grpSpPr>
+      <p:sp>
+        <p:nvSpPr>
+          <p:cNvPr id="2" name="Заголовок 1">
+            <a:extLst>
+              <a:ext uri="{FF2B5EF4-FFF2-40B4-BE49-F238E27FC236}">
+                <a16:creationId xmlns:a16="http://schemas.microsoft.com/office/drawing/2014/main" id="{0C8A4686-D922-AA82-B045-219284CB5EA5}"/>
+              </a:ext>
+            </a:extLst>
+          </p:cNvPr>
+          <p:cNvSpPr>
+            <a:spLocks noGrp="1"/>
+          </p:cNvSpPr>
+          <p:nvPr>
+            <p:ph type="title"/>
+          </p:nvPr>
+        </p:nvSpPr>
+        <p:spPr/>
+        <p:txBody>
+          <a:bodyPr/>
+          <a:lstStyle/>
+          <a:p>
+            <a:r>
+              <a:rPr lang="ru-RU" dirty="0"/>
+              <a:t>Что пишут на С++?</a:t>
+            </a:r>
+          </a:p>
+        </p:txBody>
+      </p:sp>
+      <p:sp>
+        <p:nvSpPr>
+          <p:cNvPr id="3" name="Объект 2">
+            <a:extLst>
+              <a:ext uri="{FF2B5EF4-FFF2-40B4-BE49-F238E27FC236}">
+                <a16:creationId xmlns:a16="http://schemas.microsoft.com/office/drawing/2014/main" id="{B7AA3B04-5D4F-9ACE-4AD2-2963BB477C35}"/>
+              </a:ext>
+            </a:extLst>
+          </p:cNvPr>
+          <p:cNvSpPr>
+            <a:spLocks noGrp="1"/>
+          </p:cNvSpPr>
+          <p:nvPr>
+            <p:ph idx="1"/>
+          </p:nvPr>
+        </p:nvSpPr>
+        <p:spPr/>
+        <p:txBody>
+          <a:bodyPr/>
+          <a:lstStyle/>
+          <a:p>
+            <a:r>
+              <a:rPr lang="ru-RU" dirty="0"/>
+              <a:t>Поисковые движки</a:t>
+            </a:r>
+          </a:p>
+          <a:p>
+            <a:r>
+              <a:rPr lang="ru-RU" dirty="0"/>
+              <a:t>Игры</a:t>
+            </a:r>
+          </a:p>
+          <a:p>
+            <a:r>
+              <a:rPr lang="ru-RU" dirty="0"/>
+              <a:t>Браузеры</a:t>
+            </a:r>
+          </a:p>
+          <a:p>
+            <a:r>
+              <a:rPr lang="ru-RU" dirty="0"/>
+              <a:t>Компиляторы</a:t>
+            </a:r>
+          </a:p>
+          <a:p>
+            <a:r>
+              <a:rPr lang="ru-RU" dirty="0"/>
+              <a:t>Высоконагруженные программы</a:t>
+            </a:r>
+          </a:p>
+          <a:p>
+            <a:r>
+              <a:rPr lang="ru-RU" dirty="0"/>
+              <a:t>Части операционных систем</a:t>
+            </a:r>
+          </a:p>
+        </p:txBody>
+      </p:sp>
+    </p:spTree>
+    <p:extLst>
+      <p:ext uri="{BB962C8B-B14F-4D97-AF65-F5344CB8AC3E}">
+        <p14:creationId xmlns:p14="http://schemas.microsoft.com/office/powerpoint/2010/main" val="3298797020"/>
+      </p:ext>
+    </p:extLst>
+  </p:cSld>
+  <p:clrMapOvr>
+    <a:masterClrMapping/>
+  </p:clrMapOvr>
+</p:sld>
+</file>
+
+<file path=ppt/slides/slide11.xml><?xml version="1.0" encoding="utf-8"?>
+<p:sld xmlns:a="http://schemas.openxmlformats.org/drawingml/2006/main" xmlns:r="http://schemas.openxmlformats.org/officeDocument/2006/relationships" xmlns:p="http://schemas.openxmlformats.org/presentationml/2006/main">
+  <p:cSld>
+    <p:spTree>
+      <p:nvGrpSpPr>
+        <p:cNvPr id="1" name=""/>
+        <p:cNvGrpSpPr/>
+        <p:nvPr/>
+      </p:nvGrpSpPr>
+      <p:grpSpPr>
+        <a:xfrm>
+          <a:off x="0" y="0"/>
+          <a:ext cx="0" cy="0"/>
+          <a:chOff x="0" y="0"/>
+          <a:chExt cx="0" cy="0"/>
+        </a:xfrm>
+      </p:grpSpPr>
+      <p:sp>
+        <p:nvSpPr>
+          <p:cNvPr id="2" name="Заголовок 1">
+            <a:extLst>
+              <a:ext uri="{FF2B5EF4-FFF2-40B4-BE49-F238E27FC236}">
+                <a16:creationId xmlns:a16="http://schemas.microsoft.com/office/drawing/2014/main" id="{0C8A4686-D922-AA82-B045-219284CB5EA5}"/>
+              </a:ext>
+            </a:extLst>
+          </p:cNvPr>
+          <p:cNvSpPr>
+            <a:spLocks noGrp="1"/>
+          </p:cNvSpPr>
+          <p:nvPr>
+            <p:ph type="title"/>
+          </p:nvPr>
+        </p:nvSpPr>
+        <p:spPr/>
+        <p:txBody>
+          <a:bodyPr/>
+          <a:lstStyle/>
+          <a:p>
+            <a:r>
+              <a:rPr lang="ru-RU" dirty="0"/>
+              <a:t>Что пишут на С++?</a:t>
+            </a:r>
+          </a:p>
+        </p:txBody>
+      </p:sp>
+      <p:sp>
+        <p:nvSpPr>
+          <p:cNvPr id="3" name="Объект 2">
+            <a:extLst>
+              <a:ext uri="{FF2B5EF4-FFF2-40B4-BE49-F238E27FC236}">
+                <a16:creationId xmlns:a16="http://schemas.microsoft.com/office/drawing/2014/main" id="{B7AA3B04-5D4F-9ACE-4AD2-2963BB477C35}"/>
+              </a:ext>
+            </a:extLst>
+          </p:cNvPr>
+          <p:cNvSpPr>
+            <a:spLocks noGrp="1"/>
+          </p:cNvSpPr>
+          <p:nvPr>
+            <p:ph idx="1"/>
+          </p:nvPr>
+        </p:nvSpPr>
+        <p:spPr/>
+        <p:txBody>
+          <a:bodyPr/>
+          <a:lstStyle/>
+          <a:p>
+            <a:r>
+              <a:rPr lang="ru-RU" dirty="0"/>
+              <a:t>Поисковые движки</a:t>
+            </a:r>
+          </a:p>
+          <a:p>
+            <a:r>
+              <a:rPr lang="ru-RU" dirty="0"/>
+              <a:t>Игры</a:t>
+            </a:r>
+          </a:p>
+          <a:p>
+            <a:r>
+              <a:rPr lang="ru-RU" dirty="0"/>
+              <a:t>Браузеры</a:t>
+            </a:r>
+          </a:p>
+          <a:p>
+            <a:r>
+              <a:rPr lang="ru-RU" dirty="0"/>
+              <a:t>Компиляторы</a:t>
+            </a:r>
+          </a:p>
+          <a:p>
+            <a:r>
+              <a:rPr lang="ru-RU" dirty="0"/>
+              <a:t>Высоконагруженные программы</a:t>
+            </a:r>
+          </a:p>
+          <a:p>
+            <a:r>
+              <a:rPr lang="ru-RU" dirty="0"/>
+              <a:t>Части операционных систем</a:t>
+            </a:r>
+          </a:p>
+          <a:p>
+            <a:r>
+              <a:rPr lang="ru-RU" dirty="0"/>
+              <a:t>Офисные приложения</a:t>
+            </a:r>
+          </a:p>
+        </p:txBody>
+      </p:sp>
+    </p:spTree>
+    <p:extLst>
+      <p:ext uri="{BB962C8B-B14F-4D97-AF65-F5344CB8AC3E}">
+        <p14:creationId xmlns:p14="http://schemas.microsoft.com/office/powerpoint/2010/main" val="189617022"/>
+      </p:ext>
+    </p:extLst>
+  </p:cSld>
+  <p:clrMapOvr>
+    <a:masterClrMapping/>
+  </p:clrMapOvr>
+</p:sld>
+</file>
+
+<file path=ppt/slides/slide12.xml><?xml version="1.0" encoding="utf-8"?>
+<p:sld xmlns:a="http://schemas.openxmlformats.org/drawingml/2006/main" xmlns:r="http://schemas.openxmlformats.org/officeDocument/2006/relationships" xmlns:p="http://schemas.openxmlformats.org/presentationml/2006/main">
+  <p:cSld>
+    <p:spTree>
+      <p:nvGrpSpPr>
+        <p:cNvPr id="1" name=""/>
+        <p:cNvGrpSpPr/>
+        <p:nvPr/>
+      </p:nvGrpSpPr>
+      <p:grpSpPr>
+        <a:xfrm>
+          <a:off x="0" y="0"/>
+          <a:ext cx="0" cy="0"/>
+          <a:chOff x="0" y="0"/>
+          <a:chExt cx="0" cy="0"/>
+        </a:xfrm>
+      </p:grpSpPr>
+      <p:sp>
+        <p:nvSpPr>
+          <p:cNvPr id="2" name="Заголовок 1">
+            <a:extLst>
+              <a:ext uri="{FF2B5EF4-FFF2-40B4-BE49-F238E27FC236}">
+                <a16:creationId xmlns:a16="http://schemas.microsoft.com/office/drawing/2014/main" id="{0C8A4686-D922-AA82-B045-219284CB5EA5}"/>
+              </a:ext>
+            </a:extLst>
+          </p:cNvPr>
+          <p:cNvSpPr>
+            <a:spLocks noGrp="1"/>
+          </p:cNvSpPr>
+          <p:nvPr>
+            <p:ph type="title"/>
+          </p:nvPr>
+        </p:nvSpPr>
+        <p:spPr/>
+        <p:txBody>
+          <a:bodyPr/>
+          <a:lstStyle/>
+          <a:p>
+            <a:r>
+              <a:rPr lang="ru-RU" dirty="0"/>
+              <a:t>Что пишут на С++?</a:t>
+            </a:r>
+          </a:p>
+        </p:txBody>
+      </p:sp>
+      <p:sp>
+        <p:nvSpPr>
+          <p:cNvPr id="3" name="Объект 2">
+            <a:extLst>
+              <a:ext uri="{FF2B5EF4-FFF2-40B4-BE49-F238E27FC236}">
+                <a16:creationId xmlns:a16="http://schemas.microsoft.com/office/drawing/2014/main" id="{B7AA3B04-5D4F-9ACE-4AD2-2963BB477C35}"/>
+              </a:ext>
+            </a:extLst>
+          </p:cNvPr>
+          <p:cNvSpPr>
+            <a:spLocks noGrp="1"/>
+          </p:cNvSpPr>
+          <p:nvPr>
+            <p:ph idx="1"/>
+          </p:nvPr>
+        </p:nvSpPr>
+        <p:spPr/>
+        <p:txBody>
+          <a:bodyPr/>
+          <a:lstStyle/>
+          <a:p>
+            <a:r>
+              <a:rPr lang="ru-RU" dirty="0"/>
+              <a:t>Поисковые движки</a:t>
+            </a:r>
+          </a:p>
+          <a:p>
+            <a:r>
+              <a:rPr lang="ru-RU" dirty="0"/>
+              <a:t>Игры</a:t>
+            </a:r>
+          </a:p>
+          <a:p>
+            <a:r>
+              <a:rPr lang="ru-RU" dirty="0"/>
+              <a:t>Браузеры</a:t>
+            </a:r>
+          </a:p>
+          <a:p>
+            <a:r>
+              <a:rPr lang="ru-RU" dirty="0"/>
+              <a:t>Компиляторы</a:t>
+            </a:r>
+          </a:p>
+          <a:p>
+            <a:r>
+              <a:rPr lang="ru-RU" dirty="0"/>
+              <a:t>Высоконагруженные программы</a:t>
+            </a:r>
+          </a:p>
+          <a:p>
+            <a:r>
+              <a:rPr lang="ru-RU" dirty="0"/>
+              <a:t>Части операционных систем</a:t>
+            </a:r>
+          </a:p>
+          <a:p>
+            <a:r>
+              <a:rPr lang="ru-RU" dirty="0"/>
+              <a:t>Офисные приложения</a:t>
+            </a:r>
+          </a:p>
+          <a:p>
+            <a:r>
+              <a:rPr lang="ru-RU" dirty="0"/>
+              <a:t>Медицинское оборудование</a:t>
+            </a:r>
+          </a:p>
+        </p:txBody>
+      </p:sp>
+    </p:spTree>
+    <p:extLst>
+      <p:ext uri="{BB962C8B-B14F-4D97-AF65-F5344CB8AC3E}">
+        <p14:creationId xmlns:p14="http://schemas.microsoft.com/office/powerpoint/2010/main" val="2687145691"/>
+      </p:ext>
+    </p:extLst>
+  </p:cSld>
+  <p:clrMapOvr>
+    <a:masterClrMapping/>
+  </p:clrMapOvr>
+</p:sld>
+</file>
+
+<file path=ppt/slides/slide13.xml><?xml version="1.0" encoding="utf-8"?>
+<p:sld xmlns:a="http://schemas.openxmlformats.org/drawingml/2006/main" xmlns:r="http://schemas.openxmlformats.org/officeDocument/2006/relationships" xmlns:p="http://schemas.openxmlformats.org/presentationml/2006/main">
+  <p:cSld>
+    <p:bg>
+      <p:bgPr>
+        <a:solidFill>
+          <a:srgbClr val="7030A0"/>
+        </a:solidFill>
+        <a:effectLst/>
+      </p:bgPr>
+    </p:bg>
+    <p:spTree>
+      <p:nvGrpSpPr>
+        <p:cNvPr id="1" name=""/>
+        <p:cNvGrpSpPr/>
+        <p:nvPr/>
+      </p:nvGrpSpPr>
+      <p:grpSpPr>
+        <a:xfrm>
+          <a:off x="0" y="0"/>
+          <a:ext cx="0" cy="0"/>
+          <a:chOff x="0" y="0"/>
+          <a:chExt cx="0" cy="0"/>
+        </a:xfrm>
+      </p:grpSpPr>
+      <p:sp>
+        <p:nvSpPr>
+          <p:cNvPr id="2" name="Заголовок 1">
+            <a:extLst>
+              <a:ext uri="{FF2B5EF4-FFF2-40B4-BE49-F238E27FC236}">
+                <a16:creationId xmlns:a16="http://schemas.microsoft.com/office/drawing/2014/main" id="{1B304194-263A-D130-B9DC-B02D1E8EB9E9}"/>
+              </a:ext>
+            </a:extLst>
+          </p:cNvPr>
+          <p:cNvSpPr>
+            <a:spLocks noGrp="1"/>
+          </p:cNvSpPr>
+          <p:nvPr>
+            <p:ph type="title"/>
+          </p:nvPr>
+        </p:nvSpPr>
+        <p:spPr>
+          <a:xfrm>
+            <a:off x="3017856" y="2766218"/>
+            <a:ext cx="6156288" cy="1325563"/>
+          </a:xfrm>
+        </p:spPr>
+        <p:txBody>
+          <a:bodyPr>
+            <a:normAutofit/>
+          </a:bodyPr>
+          <a:lstStyle/>
+          <a:p>
+            <a:r>
+              <a:rPr lang="ru-RU" sz="5400" b="1" dirty="0">
+                <a:solidFill>
+                  <a:schemeClr val="bg1"/>
+                </a:solidFill>
+                <a:latin typeface="Arial" panose="020B0604020202020204" pitchFamily="34" charset="0"/>
+                <a:cs typeface="Arial" panose="020B0604020202020204" pitchFamily="34" charset="0"/>
+              </a:rPr>
+              <a:t>Плюсы и минусы</a:t>
+            </a:r>
+          </a:p>
+        </p:txBody>
+      </p:sp>
+    </p:spTree>
+    <p:extLst>
+      <p:ext uri="{BB962C8B-B14F-4D97-AF65-F5344CB8AC3E}">
+        <p14:creationId xmlns:p14="http://schemas.microsoft.com/office/powerpoint/2010/main" val="2957916306"/>
+      </p:ext>
+    </p:extLst>
+  </p:cSld>
+  <p:clrMapOvr>
+    <a:masterClrMapping/>
+  </p:clrMapOvr>
+</p:sld>
+</file>
+
+<file path=ppt/slides/slide14.xml><?xml version="1.0" encoding="utf-8"?>
+<p:sld xmlns:a="http://schemas.openxmlformats.org/drawingml/2006/main" xmlns:r="http://schemas.openxmlformats.org/officeDocument/2006/relationships" xmlns:p="http://schemas.openxmlformats.org/presentationml/2006/main">
+  <p:cSld>
+    <p:spTree>
+      <p:nvGrpSpPr>
+        <p:cNvPr id="1" name=""/>
+        <p:cNvGrpSpPr/>
+        <p:nvPr/>
+      </p:nvGrpSpPr>
+      <p:grpSpPr>
+        <a:xfrm>
+          <a:off x="0" y="0"/>
+          <a:ext cx="0" cy="0"/>
+          <a:chOff x="0" y="0"/>
+          <a:chExt cx="0" cy="0"/>
+        </a:xfrm>
+      </p:grpSpPr>
+      <p:sp>
+        <p:nvSpPr>
+          <p:cNvPr id="2" name="Заголовок 1">
+            <a:extLst>
+              <a:ext uri="{FF2B5EF4-FFF2-40B4-BE49-F238E27FC236}">
+                <a16:creationId xmlns:a16="http://schemas.microsoft.com/office/drawing/2014/main" id="{54ED1C0E-8E2E-A130-6367-ACDC45638D38}"/>
+              </a:ext>
+            </a:extLst>
+          </p:cNvPr>
+          <p:cNvSpPr>
+            <a:spLocks noGrp="1"/>
+          </p:cNvSpPr>
+          <p:nvPr>
+            <p:ph type="title"/>
+          </p:nvPr>
+        </p:nvSpPr>
+        <p:spPr/>
+        <p:txBody>
+          <a:bodyPr/>
+          <a:lstStyle/>
+          <a:p>
+            <a:r>
+              <a:rPr lang="ru-RU" dirty="0"/>
+              <a:t>Плюсы</a:t>
+            </a:r>
+          </a:p>
+        </p:txBody>
+      </p:sp>
+      <p:sp>
+        <p:nvSpPr>
+          <p:cNvPr id="3" name="Объект 2">
+            <a:extLst>
+              <a:ext uri="{FF2B5EF4-FFF2-40B4-BE49-F238E27FC236}">
+                <a16:creationId xmlns:a16="http://schemas.microsoft.com/office/drawing/2014/main" id="{7902C93F-5D0D-B149-B2E8-18C7BF44E3E9}"/>
+              </a:ext>
+            </a:extLst>
+          </p:cNvPr>
+          <p:cNvSpPr>
+            <a:spLocks noGrp="1"/>
+          </p:cNvSpPr>
+          <p:nvPr>
+            <p:ph idx="1"/>
+          </p:nvPr>
+        </p:nvSpPr>
+        <p:spPr/>
+        <p:txBody>
+          <a:bodyPr/>
+          <a:lstStyle/>
+          <a:p>
+            <a:r>
+              <a:rPr lang="ru-RU" dirty="0"/>
+              <a:t>Производительность</a:t>
+            </a:r>
+          </a:p>
+        </p:txBody>
+      </p:sp>
+    </p:spTree>
+    <p:extLst>
+      <p:ext uri="{BB962C8B-B14F-4D97-AF65-F5344CB8AC3E}">
+        <p14:creationId xmlns:p14="http://schemas.microsoft.com/office/powerpoint/2010/main" val="3168998141"/>
+      </p:ext>
+    </p:extLst>
+  </p:cSld>
+  <p:clrMapOvr>
+    <a:masterClrMapping/>
+  </p:clrMapOvr>
+</p:sld>
+</file>
+
+<file path=ppt/slides/slide15.xml><?xml version="1.0" encoding="utf-8"?>
+<p:sld xmlns:a="http://schemas.openxmlformats.org/drawingml/2006/main" xmlns:r="http://schemas.openxmlformats.org/officeDocument/2006/relationships" xmlns:p="http://schemas.openxmlformats.org/presentationml/2006/main">
+  <p:cSld>
+    <p:spTree>
+      <p:nvGrpSpPr>
+        <p:cNvPr id="1" name=""/>
+        <p:cNvGrpSpPr/>
+        <p:nvPr/>
+      </p:nvGrpSpPr>
+      <p:grpSpPr>
+        <a:xfrm>
+          <a:off x="0" y="0"/>
+          <a:ext cx="0" cy="0"/>
+          <a:chOff x="0" y="0"/>
+          <a:chExt cx="0" cy="0"/>
+        </a:xfrm>
+      </p:grpSpPr>
+      <p:sp>
+        <p:nvSpPr>
+          <p:cNvPr id="2" name="Заголовок 1">
+            <a:extLst>
+              <a:ext uri="{FF2B5EF4-FFF2-40B4-BE49-F238E27FC236}">
+                <a16:creationId xmlns:a16="http://schemas.microsoft.com/office/drawing/2014/main" id="{54ED1C0E-8E2E-A130-6367-ACDC45638D38}"/>
+              </a:ext>
+            </a:extLst>
+          </p:cNvPr>
+          <p:cNvSpPr>
+            <a:spLocks noGrp="1"/>
+          </p:cNvSpPr>
+          <p:nvPr>
+            <p:ph type="title"/>
+          </p:nvPr>
+        </p:nvSpPr>
+        <p:spPr/>
+        <p:txBody>
+          <a:bodyPr/>
+          <a:lstStyle/>
+          <a:p>
+            <a:r>
+              <a:rPr lang="ru-RU" dirty="0"/>
+              <a:t>Плюсы</a:t>
+            </a:r>
+          </a:p>
+        </p:txBody>
+      </p:sp>
+      <p:sp>
+        <p:nvSpPr>
+          <p:cNvPr id="3" name="Объект 2">
+            <a:extLst>
+              <a:ext uri="{FF2B5EF4-FFF2-40B4-BE49-F238E27FC236}">
+                <a16:creationId xmlns:a16="http://schemas.microsoft.com/office/drawing/2014/main" id="{7902C93F-5D0D-B149-B2E8-18C7BF44E3E9}"/>
+              </a:ext>
+            </a:extLst>
+          </p:cNvPr>
+          <p:cNvSpPr>
+            <a:spLocks noGrp="1"/>
+          </p:cNvSpPr>
+          <p:nvPr>
+            <p:ph idx="1"/>
+          </p:nvPr>
+        </p:nvSpPr>
+        <p:spPr/>
+        <p:txBody>
+          <a:bodyPr/>
+          <a:lstStyle/>
+          <a:p>
+            <a:r>
+              <a:rPr lang="ru-RU" dirty="0"/>
+              <a:t>Производительность</a:t>
+            </a:r>
+          </a:p>
+          <a:p>
+            <a:r>
+              <a:rPr lang="ru-RU" dirty="0"/>
+              <a:t>Близость к железу</a:t>
+            </a:r>
+          </a:p>
+        </p:txBody>
+      </p:sp>
+    </p:spTree>
+    <p:extLst>
+      <p:ext uri="{BB962C8B-B14F-4D97-AF65-F5344CB8AC3E}">
+        <p14:creationId xmlns:p14="http://schemas.microsoft.com/office/powerpoint/2010/main" val="656111194"/>
+      </p:ext>
+    </p:extLst>
+  </p:cSld>
+  <p:clrMapOvr>
+    <a:masterClrMapping/>
+  </p:clrMapOvr>
+</p:sld>
+</file>
+
+<file path=ppt/slides/slide16.xml><?xml version="1.0" encoding="utf-8"?>
+<p:sld xmlns:a="http://schemas.openxmlformats.org/drawingml/2006/main" xmlns:r="http://schemas.openxmlformats.org/officeDocument/2006/relationships" xmlns:p="http://schemas.openxmlformats.org/presentationml/2006/main">
+  <p:cSld>
+    <p:spTree>
+      <p:nvGrpSpPr>
+        <p:cNvPr id="1" name=""/>
+        <p:cNvGrpSpPr/>
+        <p:nvPr/>
+      </p:nvGrpSpPr>
+      <p:grpSpPr>
+        <a:xfrm>
+          <a:off x="0" y="0"/>
+          <a:ext cx="0" cy="0"/>
+          <a:chOff x="0" y="0"/>
+          <a:chExt cx="0" cy="0"/>
+        </a:xfrm>
+      </p:grpSpPr>
+      <p:sp>
+        <p:nvSpPr>
+          <p:cNvPr id="2" name="Заголовок 1">
+            <a:extLst>
+              <a:ext uri="{FF2B5EF4-FFF2-40B4-BE49-F238E27FC236}">
+                <a16:creationId xmlns:a16="http://schemas.microsoft.com/office/drawing/2014/main" id="{54ED1C0E-8E2E-A130-6367-ACDC45638D38}"/>
+              </a:ext>
+            </a:extLst>
+          </p:cNvPr>
+          <p:cNvSpPr>
+            <a:spLocks noGrp="1"/>
+          </p:cNvSpPr>
+          <p:nvPr>
+            <p:ph type="title"/>
+          </p:nvPr>
+        </p:nvSpPr>
+        <p:spPr/>
+        <p:txBody>
+          <a:bodyPr/>
+          <a:lstStyle/>
+          <a:p>
+            <a:r>
+              <a:rPr lang="ru-RU" dirty="0"/>
+              <a:t>Плюсы</a:t>
+            </a:r>
+          </a:p>
+        </p:txBody>
+      </p:sp>
+      <p:sp>
+        <p:nvSpPr>
+          <p:cNvPr id="3" name="Объект 2">
+            <a:extLst>
+              <a:ext uri="{FF2B5EF4-FFF2-40B4-BE49-F238E27FC236}">
+                <a16:creationId xmlns:a16="http://schemas.microsoft.com/office/drawing/2014/main" id="{7902C93F-5D0D-B149-B2E8-18C7BF44E3E9}"/>
+              </a:ext>
+            </a:extLst>
+          </p:cNvPr>
+          <p:cNvSpPr>
+            <a:spLocks noGrp="1"/>
+          </p:cNvSpPr>
+          <p:nvPr>
+            <p:ph idx="1"/>
+          </p:nvPr>
+        </p:nvSpPr>
+        <p:spPr/>
+        <p:txBody>
+          <a:bodyPr/>
+          <a:lstStyle/>
+          <a:p>
+            <a:r>
+              <a:rPr lang="ru-RU" dirty="0"/>
+              <a:t>Производительность</a:t>
+            </a:r>
+          </a:p>
+          <a:p>
+            <a:r>
+              <a:rPr lang="ru-RU" dirty="0"/>
+              <a:t>Близость к железу</a:t>
+            </a:r>
+          </a:p>
+          <a:p>
+            <a:r>
+              <a:rPr lang="ru-RU" dirty="0"/>
+              <a:t>Множество библиотек</a:t>
+            </a:r>
+          </a:p>
+        </p:txBody>
+      </p:sp>
+    </p:spTree>
+    <p:extLst>
+      <p:ext uri="{BB962C8B-B14F-4D97-AF65-F5344CB8AC3E}">
+        <p14:creationId xmlns:p14="http://schemas.microsoft.com/office/powerpoint/2010/main" val="88154875"/>
+      </p:ext>
+    </p:extLst>
+  </p:cSld>
+  <p:clrMapOvr>
+    <a:masterClrMapping/>
+  </p:clrMapOvr>
+</p:sld>
+</file>
+
+<file path=ppt/slides/slide17.xml><?xml version="1.0" encoding="utf-8"?>
+<p:sld xmlns:a="http://schemas.openxmlformats.org/drawingml/2006/main" xmlns:r="http://schemas.openxmlformats.org/officeDocument/2006/relationships" xmlns:p="http://schemas.openxmlformats.org/presentationml/2006/main">
+  <p:cSld>
+    <p:spTree>
+      <p:nvGrpSpPr>
+        <p:cNvPr id="1" name=""/>
+        <p:cNvGrpSpPr/>
+        <p:nvPr/>
+      </p:nvGrpSpPr>
+      <p:grpSpPr>
+        <a:xfrm>
+          <a:off x="0" y="0"/>
+          <a:ext cx="0" cy="0"/>
+          <a:chOff x="0" y="0"/>
+          <a:chExt cx="0" cy="0"/>
+        </a:xfrm>
+      </p:grpSpPr>
+      <p:sp>
+        <p:nvSpPr>
+          <p:cNvPr id="2" name="Заголовок 1">
+            <a:extLst>
+              <a:ext uri="{FF2B5EF4-FFF2-40B4-BE49-F238E27FC236}">
+                <a16:creationId xmlns:a16="http://schemas.microsoft.com/office/drawing/2014/main" id="{54ED1C0E-8E2E-A130-6367-ACDC45638D38}"/>
+              </a:ext>
+            </a:extLst>
+          </p:cNvPr>
+          <p:cNvSpPr>
+            <a:spLocks noGrp="1"/>
+          </p:cNvSpPr>
+          <p:nvPr>
+            <p:ph type="title"/>
+          </p:nvPr>
+        </p:nvSpPr>
+        <p:spPr/>
+        <p:txBody>
+          <a:bodyPr/>
+          <a:lstStyle/>
+          <a:p>
+            <a:r>
+              <a:rPr lang="ru-RU" dirty="0"/>
+              <a:t>Плюсы</a:t>
+            </a:r>
+          </a:p>
+        </p:txBody>
+      </p:sp>
+      <p:sp>
+        <p:nvSpPr>
+          <p:cNvPr id="3" name="Объект 2">
+            <a:extLst>
+              <a:ext uri="{FF2B5EF4-FFF2-40B4-BE49-F238E27FC236}">
+                <a16:creationId xmlns:a16="http://schemas.microsoft.com/office/drawing/2014/main" id="{7902C93F-5D0D-B149-B2E8-18C7BF44E3E9}"/>
+              </a:ext>
+            </a:extLst>
+          </p:cNvPr>
+          <p:cNvSpPr>
+            <a:spLocks noGrp="1"/>
+          </p:cNvSpPr>
+          <p:nvPr>
+            <p:ph idx="1"/>
+          </p:nvPr>
+        </p:nvSpPr>
+        <p:spPr/>
+        <p:txBody>
+          <a:bodyPr/>
+          <a:lstStyle/>
+          <a:p>
+            <a:r>
+              <a:rPr lang="ru-RU" dirty="0"/>
+              <a:t>Производительность</a:t>
+            </a:r>
+          </a:p>
+          <a:p>
+            <a:r>
+              <a:rPr lang="ru-RU" dirty="0"/>
+              <a:t>Близость к железу</a:t>
+            </a:r>
+          </a:p>
+          <a:p>
+            <a:r>
+              <a:rPr lang="ru-RU" dirty="0"/>
+              <a:t>Множество библиотек</a:t>
+            </a:r>
+          </a:p>
+          <a:p>
+            <a:r>
+              <a:rPr lang="ru-RU" dirty="0"/>
+              <a:t>Переносимость</a:t>
+            </a:r>
+          </a:p>
+        </p:txBody>
+      </p:sp>
+    </p:spTree>
+    <p:extLst>
+      <p:ext uri="{BB962C8B-B14F-4D97-AF65-F5344CB8AC3E}">
+        <p14:creationId xmlns:p14="http://schemas.microsoft.com/office/powerpoint/2010/main" val="1838993378"/>
+      </p:ext>
+    </p:extLst>
+  </p:cSld>
+  <p:clrMapOvr>
+    <a:masterClrMapping/>
+  </p:clrMapOvr>
+</p:sld>
+</file>
+
+<file path=ppt/slides/slide18.xml><?xml version="1.0" encoding="utf-8"?>
+<p:sld xmlns:a="http://schemas.openxmlformats.org/drawingml/2006/main" xmlns:r="http://schemas.openxmlformats.org/officeDocument/2006/relationships" xmlns:p="http://schemas.openxmlformats.org/presentationml/2006/main">
+  <p:cSld>
+    <p:spTree>
+      <p:nvGrpSpPr>
+        <p:cNvPr id="1" name=""/>
+        <p:cNvGrpSpPr/>
+        <p:nvPr/>
+      </p:nvGrpSpPr>
+      <p:grpSpPr>
+        <a:xfrm>
+          <a:off x="0" y="0"/>
+          <a:ext cx="0" cy="0"/>
+          <a:chOff x="0" y="0"/>
+          <a:chExt cx="0" cy="0"/>
+        </a:xfrm>
+      </p:grpSpPr>
+      <p:sp>
+        <p:nvSpPr>
+          <p:cNvPr id="2" name="Заголовок 1">
+            <a:extLst>
+              <a:ext uri="{FF2B5EF4-FFF2-40B4-BE49-F238E27FC236}">
+                <a16:creationId xmlns:a16="http://schemas.microsoft.com/office/drawing/2014/main" id="{54ED1C0E-8E2E-A130-6367-ACDC45638D38}"/>
+              </a:ext>
+            </a:extLst>
+          </p:cNvPr>
+          <p:cNvSpPr>
+            <a:spLocks noGrp="1"/>
+          </p:cNvSpPr>
+          <p:nvPr>
+            <p:ph type="title"/>
+          </p:nvPr>
+        </p:nvSpPr>
+        <p:spPr/>
+        <p:txBody>
+          <a:bodyPr/>
+          <a:lstStyle/>
+          <a:p>
+            <a:r>
+              <a:rPr lang="ru-RU" dirty="0"/>
+              <a:t>Плюсы</a:t>
+            </a:r>
+          </a:p>
+        </p:txBody>
+      </p:sp>
+      <p:sp>
+        <p:nvSpPr>
+          <p:cNvPr id="3" name="Объект 2">
+            <a:extLst>
+              <a:ext uri="{FF2B5EF4-FFF2-40B4-BE49-F238E27FC236}">
+                <a16:creationId xmlns:a16="http://schemas.microsoft.com/office/drawing/2014/main" id="{7902C93F-5D0D-B149-B2E8-18C7BF44E3E9}"/>
+              </a:ext>
+            </a:extLst>
+          </p:cNvPr>
+          <p:cNvSpPr>
+            <a:spLocks noGrp="1"/>
+          </p:cNvSpPr>
+          <p:nvPr>
+            <p:ph idx="1"/>
+          </p:nvPr>
+        </p:nvSpPr>
+        <p:spPr/>
+        <p:txBody>
+          <a:bodyPr/>
+          <a:lstStyle/>
+          <a:p>
+            <a:r>
+              <a:rPr lang="ru-RU" dirty="0"/>
+              <a:t>Производительность</a:t>
+            </a:r>
+          </a:p>
+          <a:p>
+            <a:r>
+              <a:rPr lang="ru-RU" dirty="0"/>
+              <a:t>Близость к железу</a:t>
+            </a:r>
+          </a:p>
+          <a:p>
+            <a:r>
+              <a:rPr lang="ru-RU" dirty="0"/>
+              <a:t>Множество библиотек</a:t>
+            </a:r>
+          </a:p>
+          <a:p>
+            <a:r>
+              <a:rPr lang="ru-RU" dirty="0"/>
+              <a:t>Переносимость</a:t>
+            </a:r>
+          </a:p>
+          <a:p>
+            <a:r>
+              <a:rPr lang="ru-RU" dirty="0"/>
+              <a:t>Множество библиотек</a:t>
+            </a:r>
+          </a:p>
+        </p:txBody>
+      </p:sp>
+    </p:spTree>
+    <p:extLst>
+      <p:ext uri="{BB962C8B-B14F-4D97-AF65-F5344CB8AC3E}">
+        <p14:creationId xmlns:p14="http://schemas.microsoft.com/office/powerpoint/2010/main" val="2521914010"/>
+      </p:ext>
+    </p:extLst>
+  </p:cSld>
+  <p:clrMapOvr>
+    <a:masterClrMapping/>
+  </p:clrMapOvr>
+</p:sld>
+</file>
+
+<file path=ppt/slides/slide19.xml><?xml version="1.0" encoding="utf-8"?>
+<p:sld xmlns:a="http://schemas.openxmlformats.org/drawingml/2006/main" xmlns:r="http://schemas.openxmlformats.org/officeDocument/2006/relationships" xmlns:p="http://schemas.openxmlformats.org/presentationml/2006/main">
+  <p:cSld>
+    <p:spTree>
+      <p:nvGrpSpPr>
+        <p:cNvPr id="1" name=""/>
+        <p:cNvGrpSpPr/>
+        <p:nvPr/>
+      </p:nvGrpSpPr>
+      <p:grpSpPr>
+        <a:xfrm>
+          <a:off x="0" y="0"/>
+          <a:ext cx="0" cy="0"/>
+          <a:chOff x="0" y="0"/>
+          <a:chExt cx="0" cy="0"/>
+        </a:xfrm>
+      </p:grpSpPr>
+      <p:sp>
+        <p:nvSpPr>
+          <p:cNvPr id="2" name="Заголовок 1">
+            <a:extLst>
+              <a:ext uri="{FF2B5EF4-FFF2-40B4-BE49-F238E27FC236}">
+                <a16:creationId xmlns:a16="http://schemas.microsoft.com/office/drawing/2014/main" id="{54ED1C0E-8E2E-A130-6367-ACDC45638D38}"/>
+              </a:ext>
+            </a:extLst>
+          </p:cNvPr>
+          <p:cNvSpPr>
+            <a:spLocks noGrp="1"/>
+          </p:cNvSpPr>
+          <p:nvPr>
+            <p:ph type="title"/>
+          </p:nvPr>
+        </p:nvSpPr>
+        <p:spPr/>
+        <p:txBody>
+          <a:bodyPr/>
+          <a:lstStyle/>
+          <a:p>
+            <a:r>
+              <a:rPr lang="ru-RU" dirty="0"/>
+              <a:t>Плюсы</a:t>
+            </a:r>
+          </a:p>
+        </p:txBody>
+      </p:sp>
+      <p:sp>
+        <p:nvSpPr>
+          <p:cNvPr id="3" name="Объект 2">
+            <a:extLst>
+              <a:ext uri="{FF2B5EF4-FFF2-40B4-BE49-F238E27FC236}">
+                <a16:creationId xmlns:a16="http://schemas.microsoft.com/office/drawing/2014/main" id="{7902C93F-5D0D-B149-B2E8-18C7BF44E3E9}"/>
+              </a:ext>
+            </a:extLst>
+          </p:cNvPr>
+          <p:cNvSpPr>
+            <a:spLocks noGrp="1"/>
+          </p:cNvSpPr>
+          <p:nvPr>
+            <p:ph idx="1"/>
+          </p:nvPr>
+        </p:nvSpPr>
+        <p:spPr/>
+        <p:txBody>
+          <a:bodyPr/>
+          <a:lstStyle/>
+          <a:p>
+            <a:r>
+              <a:rPr lang="ru-RU" dirty="0"/>
+              <a:t>Производительность</a:t>
+            </a:r>
+          </a:p>
+          <a:p>
+            <a:r>
+              <a:rPr lang="ru-RU" dirty="0"/>
+              <a:t>Близость к железу</a:t>
+            </a:r>
+          </a:p>
+          <a:p>
+            <a:r>
+              <a:rPr lang="ru-RU" dirty="0"/>
+              <a:t>Множество библиотек</a:t>
+            </a:r>
+          </a:p>
+          <a:p>
+            <a:r>
+              <a:rPr lang="ru-RU" dirty="0"/>
+              <a:t>Переносимость</a:t>
+            </a:r>
+          </a:p>
+          <a:p>
+            <a:r>
+              <a:rPr lang="ru-RU" dirty="0"/>
+              <a:t>Множество библиотек</a:t>
+            </a:r>
+          </a:p>
+          <a:p>
+            <a:r>
+              <a:rPr lang="ru-RU" dirty="0"/>
+              <a:t>Безопасность</a:t>
+            </a:r>
+          </a:p>
+        </p:txBody>
+      </p:sp>
+    </p:spTree>
+    <p:extLst>
+      <p:ext uri="{BB962C8B-B14F-4D97-AF65-F5344CB8AC3E}">
+        <p14:creationId xmlns:p14="http://schemas.microsoft.com/office/powerpoint/2010/main" val="562578944"/>
       </p:ext>
     </p:extLst>
   </p:cSld>
@@ -3664,6 +5260,869 @@
           <p:cNvPr id="2" name="Заголовок 1">
             <a:extLst>
               <a:ext uri="{FF2B5EF4-FFF2-40B4-BE49-F238E27FC236}">
+                <a16:creationId xmlns:a16="http://schemas.microsoft.com/office/drawing/2014/main" id="{B1AFA12E-9DF5-4EE1-C2CC-F6E2E7B55F0F}"/>
+              </a:ext>
+            </a:extLst>
+          </p:cNvPr>
+          <p:cNvSpPr>
+            <a:spLocks noGrp="1"/>
+          </p:cNvSpPr>
+          <p:nvPr>
+            <p:ph type="title"/>
+          </p:nvPr>
+        </p:nvSpPr>
+        <p:spPr/>
+        <p:txBody>
+          <a:bodyPr/>
+          <a:lstStyle/>
+          <a:p>
+            <a:r>
+              <a:rPr lang="en-US" dirty="0" err="1"/>
+              <a:t>К</a:t>
+            </a:r>
+            <a:r>
+              <a:rPr lang="ru-RU" dirty="0" err="1"/>
+              <a:t>онтакты</a:t>
+            </a:r>
+            <a:endParaRPr lang="ru-RU" dirty="0"/>
+          </a:p>
+        </p:txBody>
+      </p:sp>
+      <p:sp>
+        <p:nvSpPr>
+          <p:cNvPr id="3" name="Объект 2">
+            <a:extLst>
+              <a:ext uri="{FF2B5EF4-FFF2-40B4-BE49-F238E27FC236}">
+                <a16:creationId xmlns:a16="http://schemas.microsoft.com/office/drawing/2014/main" id="{8CEFA659-3400-50E9-65EF-7B6B9E1D166B}"/>
+              </a:ext>
+            </a:extLst>
+          </p:cNvPr>
+          <p:cNvSpPr>
+            <a:spLocks noGrp="1"/>
+          </p:cNvSpPr>
+          <p:nvPr>
+            <p:ph idx="1"/>
+          </p:nvPr>
+        </p:nvSpPr>
+        <p:spPr/>
+        <p:txBody>
+          <a:bodyPr/>
+          <a:lstStyle/>
+          <a:p>
+            <a:r>
+              <a:rPr lang="en-US" dirty="0"/>
+              <a:t>@</a:t>
+            </a:r>
+            <a:r>
+              <a:rPr lang="en-US" dirty="0" err="1"/>
+              <a:t>floyz_g</a:t>
+            </a:r>
+            <a:r>
+              <a:rPr lang="en-US" dirty="0"/>
+              <a:t> (Telegram)</a:t>
+            </a:r>
+          </a:p>
+          <a:p>
+            <a:r>
+              <a:rPr lang="en-US" dirty="0" err="1"/>
+              <a:t>FloyzenCode</a:t>
+            </a:r>
+            <a:r>
+              <a:rPr lang="en-US" dirty="0"/>
+              <a:t> (GitHub)</a:t>
+            </a:r>
+          </a:p>
+          <a:p>
+            <a:r>
+              <a:rPr lang="en-US" dirty="0" err="1"/>
+              <a:t>Floyzen</a:t>
+            </a:r>
+            <a:r>
+              <a:rPr lang="en-US" dirty="0"/>
+              <a:t> (Discord)</a:t>
+            </a:r>
+          </a:p>
+          <a:p>
+            <a:r>
+              <a:rPr lang="ru-RU" dirty="0"/>
+              <a:t>Вася </a:t>
+            </a:r>
+            <a:r>
+              <a:rPr lang="ru-RU" dirty="0" err="1"/>
+              <a:t>Морфилин</a:t>
+            </a:r>
+            <a:r>
+              <a:rPr lang="ru-RU" dirty="0"/>
+              <a:t> (ВКонтакте)</a:t>
+            </a:r>
+          </a:p>
+          <a:p>
+            <a:endParaRPr lang="ru-RU" dirty="0"/>
+          </a:p>
+          <a:p>
+            <a:pPr marL="0" indent="0">
+              <a:buNone/>
+            </a:pPr>
+            <a:r>
+              <a:rPr lang="ru-RU" dirty="0"/>
+              <a:t>Основная связь в </a:t>
+            </a:r>
+            <a:r>
+              <a:rPr lang="ru-RU" dirty="0" err="1"/>
+              <a:t>T</a:t>
+            </a:r>
+            <a:r>
+              <a:rPr lang="en-US" dirty="0" err="1"/>
+              <a:t>elegram</a:t>
+            </a:r>
+            <a:endParaRPr lang="ru-RU" dirty="0"/>
+          </a:p>
+        </p:txBody>
+      </p:sp>
+    </p:spTree>
+    <p:extLst>
+      <p:ext uri="{BB962C8B-B14F-4D97-AF65-F5344CB8AC3E}">
+        <p14:creationId xmlns:p14="http://schemas.microsoft.com/office/powerpoint/2010/main" val="680482252"/>
+      </p:ext>
+    </p:extLst>
+  </p:cSld>
+  <p:clrMapOvr>
+    <a:masterClrMapping/>
+  </p:clrMapOvr>
+</p:sld>
+</file>
+
+<file path=ppt/slides/slide20.xml><?xml version="1.0" encoding="utf-8"?>
+<p:sld xmlns:a="http://schemas.openxmlformats.org/drawingml/2006/main" xmlns:r="http://schemas.openxmlformats.org/officeDocument/2006/relationships" xmlns:p="http://schemas.openxmlformats.org/presentationml/2006/main">
+  <p:cSld>
+    <p:spTree>
+      <p:nvGrpSpPr>
+        <p:cNvPr id="1" name=""/>
+        <p:cNvGrpSpPr/>
+        <p:nvPr/>
+      </p:nvGrpSpPr>
+      <p:grpSpPr>
+        <a:xfrm>
+          <a:off x="0" y="0"/>
+          <a:ext cx="0" cy="0"/>
+          <a:chOff x="0" y="0"/>
+          <a:chExt cx="0" cy="0"/>
+        </a:xfrm>
+      </p:grpSpPr>
+      <p:sp>
+        <p:nvSpPr>
+          <p:cNvPr id="2" name="Заголовок 1">
+            <a:extLst>
+              <a:ext uri="{FF2B5EF4-FFF2-40B4-BE49-F238E27FC236}">
+                <a16:creationId xmlns:a16="http://schemas.microsoft.com/office/drawing/2014/main" id="{54ED1C0E-8E2E-A130-6367-ACDC45638D38}"/>
+              </a:ext>
+            </a:extLst>
+          </p:cNvPr>
+          <p:cNvSpPr>
+            <a:spLocks noGrp="1"/>
+          </p:cNvSpPr>
+          <p:nvPr>
+            <p:ph type="title"/>
+          </p:nvPr>
+        </p:nvSpPr>
+        <p:spPr/>
+        <p:txBody>
+          <a:bodyPr/>
+          <a:lstStyle/>
+          <a:p>
+            <a:r>
+              <a:rPr lang="ru-RU" dirty="0"/>
+              <a:t>Плюсы</a:t>
+            </a:r>
+          </a:p>
+        </p:txBody>
+      </p:sp>
+      <p:sp>
+        <p:nvSpPr>
+          <p:cNvPr id="3" name="Объект 2">
+            <a:extLst>
+              <a:ext uri="{FF2B5EF4-FFF2-40B4-BE49-F238E27FC236}">
+                <a16:creationId xmlns:a16="http://schemas.microsoft.com/office/drawing/2014/main" id="{7902C93F-5D0D-B149-B2E8-18C7BF44E3E9}"/>
+              </a:ext>
+            </a:extLst>
+          </p:cNvPr>
+          <p:cNvSpPr>
+            <a:spLocks noGrp="1"/>
+          </p:cNvSpPr>
+          <p:nvPr>
+            <p:ph idx="1"/>
+          </p:nvPr>
+        </p:nvSpPr>
+        <p:spPr/>
+        <p:txBody>
+          <a:bodyPr/>
+          <a:lstStyle/>
+          <a:p>
+            <a:r>
+              <a:rPr lang="ru-RU" dirty="0"/>
+              <a:t>Производительность</a:t>
+            </a:r>
+          </a:p>
+          <a:p>
+            <a:r>
+              <a:rPr lang="ru-RU" dirty="0"/>
+              <a:t>Близость к железу</a:t>
+            </a:r>
+          </a:p>
+          <a:p>
+            <a:r>
+              <a:rPr lang="ru-RU" dirty="0"/>
+              <a:t>Множество библиотек</a:t>
+            </a:r>
+          </a:p>
+          <a:p>
+            <a:r>
+              <a:rPr lang="ru-RU" dirty="0"/>
+              <a:t>Переносимость</a:t>
+            </a:r>
+          </a:p>
+          <a:p>
+            <a:r>
+              <a:rPr lang="ru-RU" dirty="0"/>
+              <a:t>Множество библиотек</a:t>
+            </a:r>
+          </a:p>
+          <a:p>
+            <a:r>
+              <a:rPr lang="ru-RU" dirty="0"/>
+              <a:t>Безопасность?</a:t>
+            </a:r>
+          </a:p>
+        </p:txBody>
+      </p:sp>
+    </p:spTree>
+    <p:extLst>
+      <p:ext uri="{BB962C8B-B14F-4D97-AF65-F5344CB8AC3E}">
+        <p14:creationId xmlns:p14="http://schemas.microsoft.com/office/powerpoint/2010/main" val="2494449233"/>
+      </p:ext>
+    </p:extLst>
+  </p:cSld>
+  <p:clrMapOvr>
+    <a:masterClrMapping/>
+  </p:clrMapOvr>
+</p:sld>
+</file>
+
+<file path=ppt/slides/slide21.xml><?xml version="1.0" encoding="utf-8"?>
+<p:sld xmlns:a="http://schemas.openxmlformats.org/drawingml/2006/main" xmlns:r="http://schemas.openxmlformats.org/officeDocument/2006/relationships" xmlns:p="http://schemas.openxmlformats.org/presentationml/2006/main">
+  <p:cSld>
+    <p:spTree>
+      <p:nvGrpSpPr>
+        <p:cNvPr id="1" name=""/>
+        <p:cNvGrpSpPr/>
+        <p:nvPr/>
+      </p:nvGrpSpPr>
+      <p:grpSpPr>
+        <a:xfrm>
+          <a:off x="0" y="0"/>
+          <a:ext cx="0" cy="0"/>
+          <a:chOff x="0" y="0"/>
+          <a:chExt cx="0" cy="0"/>
+        </a:xfrm>
+      </p:grpSpPr>
+      <p:sp>
+        <p:nvSpPr>
+          <p:cNvPr id="2" name="Заголовок 1">
+            <a:extLst>
+              <a:ext uri="{FF2B5EF4-FFF2-40B4-BE49-F238E27FC236}">
+                <a16:creationId xmlns:a16="http://schemas.microsoft.com/office/drawing/2014/main" id="{54ED1C0E-8E2E-A130-6367-ACDC45638D38}"/>
+              </a:ext>
+            </a:extLst>
+          </p:cNvPr>
+          <p:cNvSpPr>
+            <a:spLocks noGrp="1"/>
+          </p:cNvSpPr>
+          <p:nvPr>
+            <p:ph type="title"/>
+          </p:nvPr>
+        </p:nvSpPr>
+        <p:spPr/>
+        <p:txBody>
+          <a:bodyPr/>
+          <a:lstStyle/>
+          <a:p>
+            <a:r>
+              <a:rPr lang="ru-RU" dirty="0"/>
+              <a:t>Плюсы</a:t>
+            </a:r>
+          </a:p>
+        </p:txBody>
+      </p:sp>
+      <p:sp>
+        <p:nvSpPr>
+          <p:cNvPr id="3" name="Объект 2">
+            <a:extLst>
+              <a:ext uri="{FF2B5EF4-FFF2-40B4-BE49-F238E27FC236}">
+                <a16:creationId xmlns:a16="http://schemas.microsoft.com/office/drawing/2014/main" id="{7902C93F-5D0D-B149-B2E8-18C7BF44E3E9}"/>
+              </a:ext>
+            </a:extLst>
+          </p:cNvPr>
+          <p:cNvSpPr>
+            <a:spLocks noGrp="1"/>
+          </p:cNvSpPr>
+          <p:nvPr>
+            <p:ph idx="1"/>
+          </p:nvPr>
+        </p:nvSpPr>
+        <p:spPr/>
+        <p:txBody>
+          <a:bodyPr/>
+          <a:lstStyle/>
+          <a:p>
+            <a:r>
+              <a:rPr lang="ru-RU" dirty="0"/>
+              <a:t>Производительность</a:t>
+            </a:r>
+          </a:p>
+          <a:p>
+            <a:r>
+              <a:rPr lang="ru-RU" dirty="0"/>
+              <a:t>Близость к железу</a:t>
+            </a:r>
+          </a:p>
+          <a:p>
+            <a:r>
+              <a:rPr lang="ru-RU" dirty="0"/>
+              <a:t>Множество библиотек</a:t>
+            </a:r>
+          </a:p>
+          <a:p>
+            <a:r>
+              <a:rPr lang="ru-RU" dirty="0"/>
+              <a:t>Переносимость</a:t>
+            </a:r>
+          </a:p>
+          <a:p>
+            <a:r>
+              <a:rPr lang="ru-RU" dirty="0"/>
+              <a:t>Множество библиотек</a:t>
+            </a:r>
+          </a:p>
+          <a:p>
+            <a:r>
+              <a:rPr lang="ru-RU" dirty="0"/>
+              <a:t>Безопасность?</a:t>
+            </a:r>
+          </a:p>
+          <a:p>
+            <a:r>
+              <a:rPr lang="ru-RU" dirty="0"/>
+              <a:t>Поддержка</a:t>
+            </a:r>
+          </a:p>
+        </p:txBody>
+      </p:sp>
+    </p:spTree>
+    <p:extLst>
+      <p:ext uri="{BB962C8B-B14F-4D97-AF65-F5344CB8AC3E}">
+        <p14:creationId xmlns:p14="http://schemas.microsoft.com/office/powerpoint/2010/main" val="2946132948"/>
+      </p:ext>
+    </p:extLst>
+  </p:cSld>
+  <p:clrMapOvr>
+    <a:masterClrMapping/>
+  </p:clrMapOvr>
+</p:sld>
+</file>
+
+<file path=ppt/slides/slide22.xml><?xml version="1.0" encoding="utf-8"?>
+<p:sld xmlns:a="http://schemas.openxmlformats.org/drawingml/2006/main" xmlns:r="http://schemas.openxmlformats.org/officeDocument/2006/relationships" xmlns:p="http://schemas.openxmlformats.org/presentationml/2006/main">
+  <p:cSld>
+    <p:spTree>
+      <p:nvGrpSpPr>
+        <p:cNvPr id="1" name=""/>
+        <p:cNvGrpSpPr/>
+        <p:nvPr/>
+      </p:nvGrpSpPr>
+      <p:grpSpPr>
+        <a:xfrm>
+          <a:off x="0" y="0"/>
+          <a:ext cx="0" cy="0"/>
+          <a:chOff x="0" y="0"/>
+          <a:chExt cx="0" cy="0"/>
+        </a:xfrm>
+      </p:grpSpPr>
+      <p:sp>
+        <p:nvSpPr>
+          <p:cNvPr id="2" name="Заголовок 1">
+            <a:extLst>
+              <a:ext uri="{FF2B5EF4-FFF2-40B4-BE49-F238E27FC236}">
+                <a16:creationId xmlns:a16="http://schemas.microsoft.com/office/drawing/2014/main" id="{FCFFFE42-95BE-D59E-287F-93008DCEF4ED}"/>
+              </a:ext>
+            </a:extLst>
+          </p:cNvPr>
+          <p:cNvSpPr>
+            <a:spLocks noGrp="1"/>
+          </p:cNvSpPr>
+          <p:nvPr>
+            <p:ph type="title"/>
+          </p:nvPr>
+        </p:nvSpPr>
+        <p:spPr/>
+        <p:txBody>
+          <a:bodyPr/>
+          <a:lstStyle/>
+          <a:p>
+            <a:r>
+              <a:rPr lang="ru-RU" dirty="0"/>
+              <a:t>Минусы</a:t>
+            </a:r>
+          </a:p>
+        </p:txBody>
+      </p:sp>
+      <p:sp>
+        <p:nvSpPr>
+          <p:cNvPr id="3" name="Объект 2">
+            <a:extLst>
+              <a:ext uri="{FF2B5EF4-FFF2-40B4-BE49-F238E27FC236}">
+                <a16:creationId xmlns:a16="http://schemas.microsoft.com/office/drawing/2014/main" id="{A2E7CD80-0B61-B156-EA91-FC5011362526}"/>
+              </a:ext>
+            </a:extLst>
+          </p:cNvPr>
+          <p:cNvSpPr>
+            <a:spLocks noGrp="1"/>
+          </p:cNvSpPr>
+          <p:nvPr>
+            <p:ph idx="1"/>
+          </p:nvPr>
+        </p:nvSpPr>
+        <p:spPr/>
+        <p:txBody>
+          <a:bodyPr/>
+          <a:lstStyle/>
+          <a:p>
+            <a:endParaRPr lang="ru-RU" dirty="0"/>
+          </a:p>
+        </p:txBody>
+      </p:sp>
+    </p:spTree>
+    <p:extLst>
+      <p:ext uri="{BB962C8B-B14F-4D97-AF65-F5344CB8AC3E}">
+        <p14:creationId xmlns:p14="http://schemas.microsoft.com/office/powerpoint/2010/main" val="709986699"/>
+      </p:ext>
+    </p:extLst>
+  </p:cSld>
+  <p:clrMapOvr>
+    <a:masterClrMapping/>
+  </p:clrMapOvr>
+</p:sld>
+</file>
+
+<file path=ppt/slides/slide23.xml><?xml version="1.0" encoding="utf-8"?>
+<p:sld xmlns:a="http://schemas.openxmlformats.org/drawingml/2006/main" xmlns:r="http://schemas.openxmlformats.org/officeDocument/2006/relationships" xmlns:p="http://schemas.openxmlformats.org/presentationml/2006/main">
+  <p:cSld>
+    <p:spTree>
+      <p:nvGrpSpPr>
+        <p:cNvPr id="1" name=""/>
+        <p:cNvGrpSpPr/>
+        <p:nvPr/>
+      </p:nvGrpSpPr>
+      <p:grpSpPr>
+        <a:xfrm>
+          <a:off x="0" y="0"/>
+          <a:ext cx="0" cy="0"/>
+          <a:chOff x="0" y="0"/>
+          <a:chExt cx="0" cy="0"/>
+        </a:xfrm>
+      </p:grpSpPr>
+      <p:sp>
+        <p:nvSpPr>
+          <p:cNvPr id="2" name="Заголовок 1">
+            <a:extLst>
+              <a:ext uri="{FF2B5EF4-FFF2-40B4-BE49-F238E27FC236}">
+                <a16:creationId xmlns:a16="http://schemas.microsoft.com/office/drawing/2014/main" id="{FCFFFE42-95BE-D59E-287F-93008DCEF4ED}"/>
+              </a:ext>
+            </a:extLst>
+          </p:cNvPr>
+          <p:cNvSpPr>
+            <a:spLocks noGrp="1"/>
+          </p:cNvSpPr>
+          <p:nvPr>
+            <p:ph type="title"/>
+          </p:nvPr>
+        </p:nvSpPr>
+        <p:spPr/>
+        <p:txBody>
+          <a:bodyPr/>
+          <a:lstStyle/>
+          <a:p>
+            <a:r>
+              <a:rPr lang="ru-RU" dirty="0"/>
+              <a:t>Минусы</a:t>
+            </a:r>
+          </a:p>
+        </p:txBody>
+      </p:sp>
+      <p:sp>
+        <p:nvSpPr>
+          <p:cNvPr id="3" name="Объект 2">
+            <a:extLst>
+              <a:ext uri="{FF2B5EF4-FFF2-40B4-BE49-F238E27FC236}">
+                <a16:creationId xmlns:a16="http://schemas.microsoft.com/office/drawing/2014/main" id="{A2E7CD80-0B61-B156-EA91-FC5011362526}"/>
+              </a:ext>
+            </a:extLst>
+          </p:cNvPr>
+          <p:cNvSpPr>
+            <a:spLocks noGrp="1"/>
+          </p:cNvSpPr>
+          <p:nvPr>
+            <p:ph idx="1"/>
+          </p:nvPr>
+        </p:nvSpPr>
+        <p:spPr/>
+        <p:txBody>
+          <a:bodyPr/>
+          <a:lstStyle/>
+          <a:p>
+            <a:r>
+              <a:rPr lang="ru-RU" dirty="0"/>
+              <a:t>Сложность</a:t>
+            </a:r>
+          </a:p>
+        </p:txBody>
+      </p:sp>
+    </p:spTree>
+    <p:extLst>
+      <p:ext uri="{BB962C8B-B14F-4D97-AF65-F5344CB8AC3E}">
+        <p14:creationId xmlns:p14="http://schemas.microsoft.com/office/powerpoint/2010/main" val="694577747"/>
+      </p:ext>
+    </p:extLst>
+  </p:cSld>
+  <p:clrMapOvr>
+    <a:masterClrMapping/>
+  </p:clrMapOvr>
+</p:sld>
+</file>
+
+<file path=ppt/slides/slide24.xml><?xml version="1.0" encoding="utf-8"?>
+<p:sld xmlns:a="http://schemas.openxmlformats.org/drawingml/2006/main" xmlns:r="http://schemas.openxmlformats.org/officeDocument/2006/relationships" xmlns:p="http://schemas.openxmlformats.org/presentationml/2006/main">
+  <p:cSld>
+    <p:spTree>
+      <p:nvGrpSpPr>
+        <p:cNvPr id="1" name=""/>
+        <p:cNvGrpSpPr/>
+        <p:nvPr/>
+      </p:nvGrpSpPr>
+      <p:grpSpPr>
+        <a:xfrm>
+          <a:off x="0" y="0"/>
+          <a:ext cx="0" cy="0"/>
+          <a:chOff x="0" y="0"/>
+          <a:chExt cx="0" cy="0"/>
+        </a:xfrm>
+      </p:grpSpPr>
+      <p:sp>
+        <p:nvSpPr>
+          <p:cNvPr id="2" name="Заголовок 1">
+            <a:extLst>
+              <a:ext uri="{FF2B5EF4-FFF2-40B4-BE49-F238E27FC236}">
+                <a16:creationId xmlns:a16="http://schemas.microsoft.com/office/drawing/2014/main" id="{FCFFFE42-95BE-D59E-287F-93008DCEF4ED}"/>
+              </a:ext>
+            </a:extLst>
+          </p:cNvPr>
+          <p:cNvSpPr>
+            <a:spLocks noGrp="1"/>
+          </p:cNvSpPr>
+          <p:nvPr>
+            <p:ph type="title"/>
+          </p:nvPr>
+        </p:nvSpPr>
+        <p:spPr/>
+        <p:txBody>
+          <a:bodyPr/>
+          <a:lstStyle/>
+          <a:p>
+            <a:r>
+              <a:rPr lang="ru-RU" dirty="0"/>
+              <a:t>Минусы</a:t>
+            </a:r>
+          </a:p>
+        </p:txBody>
+      </p:sp>
+      <p:sp>
+        <p:nvSpPr>
+          <p:cNvPr id="3" name="Объект 2">
+            <a:extLst>
+              <a:ext uri="{FF2B5EF4-FFF2-40B4-BE49-F238E27FC236}">
+                <a16:creationId xmlns:a16="http://schemas.microsoft.com/office/drawing/2014/main" id="{A2E7CD80-0B61-B156-EA91-FC5011362526}"/>
+              </a:ext>
+            </a:extLst>
+          </p:cNvPr>
+          <p:cNvSpPr>
+            <a:spLocks noGrp="1"/>
+          </p:cNvSpPr>
+          <p:nvPr>
+            <p:ph idx="1"/>
+          </p:nvPr>
+        </p:nvSpPr>
+        <p:spPr/>
+        <p:txBody>
+          <a:bodyPr/>
+          <a:lstStyle/>
+          <a:p>
+            <a:r>
+              <a:rPr lang="ru-RU" dirty="0"/>
+              <a:t>Сложность</a:t>
+            </a:r>
+          </a:p>
+          <a:p>
+            <a:r>
+              <a:rPr lang="ru-RU" dirty="0"/>
+              <a:t>Риск ошибок</a:t>
+            </a:r>
+          </a:p>
+        </p:txBody>
+      </p:sp>
+    </p:spTree>
+    <p:extLst>
+      <p:ext uri="{BB962C8B-B14F-4D97-AF65-F5344CB8AC3E}">
+        <p14:creationId xmlns:p14="http://schemas.microsoft.com/office/powerpoint/2010/main" val="1665019610"/>
+      </p:ext>
+    </p:extLst>
+  </p:cSld>
+  <p:clrMapOvr>
+    <a:masterClrMapping/>
+  </p:clrMapOvr>
+</p:sld>
+</file>
+
+<file path=ppt/slides/slide25.xml><?xml version="1.0" encoding="utf-8"?>
+<p:sld xmlns:a="http://schemas.openxmlformats.org/drawingml/2006/main" xmlns:r="http://schemas.openxmlformats.org/officeDocument/2006/relationships" xmlns:p="http://schemas.openxmlformats.org/presentationml/2006/main">
+  <p:cSld>
+    <p:spTree>
+      <p:nvGrpSpPr>
+        <p:cNvPr id="1" name=""/>
+        <p:cNvGrpSpPr/>
+        <p:nvPr/>
+      </p:nvGrpSpPr>
+      <p:grpSpPr>
+        <a:xfrm>
+          <a:off x="0" y="0"/>
+          <a:ext cx="0" cy="0"/>
+          <a:chOff x="0" y="0"/>
+          <a:chExt cx="0" cy="0"/>
+        </a:xfrm>
+      </p:grpSpPr>
+      <p:sp>
+        <p:nvSpPr>
+          <p:cNvPr id="2" name="Заголовок 1">
+            <a:extLst>
+              <a:ext uri="{FF2B5EF4-FFF2-40B4-BE49-F238E27FC236}">
+                <a16:creationId xmlns:a16="http://schemas.microsoft.com/office/drawing/2014/main" id="{FCFFFE42-95BE-D59E-287F-93008DCEF4ED}"/>
+              </a:ext>
+            </a:extLst>
+          </p:cNvPr>
+          <p:cNvSpPr>
+            <a:spLocks noGrp="1"/>
+          </p:cNvSpPr>
+          <p:nvPr>
+            <p:ph type="title"/>
+          </p:nvPr>
+        </p:nvSpPr>
+        <p:spPr/>
+        <p:txBody>
+          <a:bodyPr/>
+          <a:lstStyle/>
+          <a:p>
+            <a:r>
+              <a:rPr lang="ru-RU" dirty="0"/>
+              <a:t>Минусы</a:t>
+            </a:r>
+          </a:p>
+        </p:txBody>
+      </p:sp>
+      <p:sp>
+        <p:nvSpPr>
+          <p:cNvPr id="3" name="Объект 2">
+            <a:extLst>
+              <a:ext uri="{FF2B5EF4-FFF2-40B4-BE49-F238E27FC236}">
+                <a16:creationId xmlns:a16="http://schemas.microsoft.com/office/drawing/2014/main" id="{A2E7CD80-0B61-B156-EA91-FC5011362526}"/>
+              </a:ext>
+            </a:extLst>
+          </p:cNvPr>
+          <p:cNvSpPr>
+            <a:spLocks noGrp="1"/>
+          </p:cNvSpPr>
+          <p:nvPr>
+            <p:ph idx="1"/>
+          </p:nvPr>
+        </p:nvSpPr>
+        <p:spPr/>
+        <p:txBody>
+          <a:bodyPr/>
+          <a:lstStyle/>
+          <a:p>
+            <a:r>
+              <a:rPr lang="ru-RU" dirty="0"/>
+              <a:t>Сложность</a:t>
+            </a:r>
+          </a:p>
+          <a:p>
+            <a:r>
+              <a:rPr lang="ru-RU" dirty="0"/>
+              <a:t>Риск ошибок</a:t>
+            </a:r>
+          </a:p>
+          <a:p>
+            <a:r>
+              <a:rPr lang="ru-RU" dirty="0"/>
+              <a:t>Объём кода</a:t>
+            </a:r>
+          </a:p>
+        </p:txBody>
+      </p:sp>
+    </p:spTree>
+    <p:extLst>
+      <p:ext uri="{BB962C8B-B14F-4D97-AF65-F5344CB8AC3E}">
+        <p14:creationId xmlns:p14="http://schemas.microsoft.com/office/powerpoint/2010/main" val="1067469115"/>
+      </p:ext>
+    </p:extLst>
+  </p:cSld>
+  <p:clrMapOvr>
+    <a:masterClrMapping/>
+  </p:clrMapOvr>
+</p:sld>
+</file>
+
+<file path=ppt/slides/slide26.xml><?xml version="1.0" encoding="utf-8"?>
+<p:sld xmlns:a="http://schemas.openxmlformats.org/drawingml/2006/main" xmlns:r="http://schemas.openxmlformats.org/officeDocument/2006/relationships" xmlns:p="http://schemas.openxmlformats.org/presentationml/2006/main">
+  <p:cSld>
+    <p:spTree>
+      <p:nvGrpSpPr>
+        <p:cNvPr id="1" name=""/>
+        <p:cNvGrpSpPr/>
+        <p:nvPr/>
+      </p:nvGrpSpPr>
+      <p:grpSpPr>
+        <a:xfrm>
+          <a:off x="0" y="0"/>
+          <a:ext cx="0" cy="0"/>
+          <a:chOff x="0" y="0"/>
+          <a:chExt cx="0" cy="0"/>
+        </a:xfrm>
+      </p:grpSpPr>
+      <p:sp>
+        <p:nvSpPr>
+          <p:cNvPr id="2" name="Заголовок 1">
+            <a:extLst>
+              <a:ext uri="{FF2B5EF4-FFF2-40B4-BE49-F238E27FC236}">
+                <a16:creationId xmlns:a16="http://schemas.microsoft.com/office/drawing/2014/main" id="{FCFFFE42-95BE-D59E-287F-93008DCEF4ED}"/>
+              </a:ext>
+            </a:extLst>
+          </p:cNvPr>
+          <p:cNvSpPr>
+            <a:spLocks noGrp="1"/>
+          </p:cNvSpPr>
+          <p:nvPr>
+            <p:ph type="title"/>
+          </p:nvPr>
+        </p:nvSpPr>
+        <p:spPr/>
+        <p:txBody>
+          <a:bodyPr/>
+          <a:lstStyle/>
+          <a:p>
+            <a:r>
+              <a:rPr lang="ru-RU" dirty="0"/>
+              <a:t>Минусы</a:t>
+            </a:r>
+          </a:p>
+        </p:txBody>
+      </p:sp>
+      <p:sp>
+        <p:nvSpPr>
+          <p:cNvPr id="3" name="Объект 2">
+            <a:extLst>
+              <a:ext uri="{FF2B5EF4-FFF2-40B4-BE49-F238E27FC236}">
+                <a16:creationId xmlns:a16="http://schemas.microsoft.com/office/drawing/2014/main" id="{A2E7CD80-0B61-B156-EA91-FC5011362526}"/>
+              </a:ext>
+            </a:extLst>
+          </p:cNvPr>
+          <p:cNvSpPr>
+            <a:spLocks noGrp="1"/>
+          </p:cNvSpPr>
+          <p:nvPr>
+            <p:ph idx="1"/>
+          </p:nvPr>
+        </p:nvSpPr>
+        <p:spPr/>
+        <p:txBody>
+          <a:bodyPr/>
+          <a:lstStyle/>
+          <a:p>
+            <a:r>
+              <a:rPr lang="ru-RU" dirty="0"/>
+              <a:t>Сложность</a:t>
+            </a:r>
+          </a:p>
+          <a:p>
+            <a:r>
+              <a:rPr lang="ru-RU" dirty="0"/>
+              <a:t>Риск ошибок</a:t>
+            </a:r>
+          </a:p>
+          <a:p>
+            <a:r>
+              <a:rPr lang="ru-RU" dirty="0"/>
+              <a:t>Объём кода</a:t>
+            </a:r>
+          </a:p>
+          <a:p>
+            <a:r>
+              <a:rPr lang="ru-RU" dirty="0"/>
+              <a:t>Зависимости</a:t>
+            </a:r>
+          </a:p>
+        </p:txBody>
+      </p:sp>
+    </p:spTree>
+    <p:extLst>
+      <p:ext uri="{BB962C8B-B14F-4D97-AF65-F5344CB8AC3E}">
+        <p14:creationId xmlns:p14="http://schemas.microsoft.com/office/powerpoint/2010/main" val="2620032948"/>
+      </p:ext>
+    </p:extLst>
+  </p:cSld>
+  <p:clrMapOvr>
+    <a:masterClrMapping/>
+  </p:clrMapOvr>
+</p:sld>
+</file>
+
+<file path=ppt/slides/slide27.xml><?xml version="1.0" encoding="utf-8"?>
+<p:sld xmlns:a="http://schemas.openxmlformats.org/drawingml/2006/main" xmlns:r="http://schemas.openxmlformats.org/officeDocument/2006/relationships" xmlns:p="http://schemas.openxmlformats.org/presentationml/2006/main">
+  <p:cSld>
+    <p:bg>
+      <p:bgPr>
+        <a:solidFill>
+          <a:srgbClr val="7030A0"/>
+        </a:solidFill>
+        <a:effectLst/>
+      </p:bgPr>
+    </p:bg>
+    <p:spTree>
+      <p:nvGrpSpPr>
+        <p:cNvPr id="1" name=""/>
+        <p:cNvGrpSpPr/>
+        <p:nvPr/>
+      </p:nvGrpSpPr>
+      <p:grpSpPr>
+        <a:xfrm>
+          <a:off x="0" y="0"/>
+          <a:ext cx="0" cy="0"/>
+          <a:chOff x="0" y="0"/>
+          <a:chExt cx="0" cy="0"/>
+        </a:xfrm>
+      </p:grpSpPr>
+      <p:sp>
+        <p:nvSpPr>
+          <p:cNvPr id="2" name="Заголовок 1">
+            <a:extLst>
+              <a:ext uri="{FF2B5EF4-FFF2-40B4-BE49-F238E27FC236}">
                 <a16:creationId xmlns:a16="http://schemas.microsoft.com/office/drawing/2014/main" id="{1B304194-263A-D130-B9DC-B02D1E8EB9E9}"/>
               </a:ext>
             </a:extLst>
@@ -3675,14 +6134,85 @@
             <p:ph type="title"/>
           </p:nvPr>
         </p:nvSpPr>
-        <p:spPr/>
-        <p:txBody>
-          <a:bodyPr/>
-          <a:lstStyle/>
-          <a:p>
-            <a:r>
-              <a:rPr lang="ru-RU" dirty="0"/>
-              <a:t>О себе</a:t>
+        <p:spPr>
+          <a:xfrm>
+            <a:off x="3834372" y="2766218"/>
+            <a:ext cx="4523255" cy="1325563"/>
+          </a:xfrm>
+        </p:spPr>
+        <p:txBody>
+          <a:bodyPr>
+            <a:normAutofit fontScale="90000"/>
+          </a:bodyPr>
+          <a:lstStyle/>
+          <a:p>
+            <a:r>
+              <a:rPr lang="ru-RU" sz="5400" b="1" dirty="0">
+                <a:solidFill>
+                  <a:schemeClr val="bg1"/>
+                </a:solidFill>
+                <a:latin typeface="Arial" panose="020B0604020202020204" pitchFamily="34" charset="0"/>
+                <a:cs typeface="Arial" panose="020B0604020202020204" pitchFamily="34" charset="0"/>
+              </a:rPr>
+              <a:t>Меньше слов, больше дела</a:t>
+            </a:r>
+          </a:p>
+        </p:txBody>
+      </p:sp>
+    </p:spTree>
+    <p:extLst>
+      <p:ext uri="{BB962C8B-B14F-4D97-AF65-F5344CB8AC3E}">
+        <p14:creationId xmlns:p14="http://schemas.microsoft.com/office/powerpoint/2010/main" val="2317812246"/>
+      </p:ext>
+    </p:extLst>
+  </p:cSld>
+  <p:clrMapOvr>
+    <a:masterClrMapping/>
+  </p:clrMapOvr>
+</p:sld>
+</file>
+
+<file path=ppt/slides/slide28.xml><?xml version="1.0" encoding="utf-8"?>
+<p:sld xmlns:a="http://schemas.openxmlformats.org/drawingml/2006/main" xmlns:r="http://schemas.openxmlformats.org/officeDocument/2006/relationships" xmlns:p="http://schemas.openxmlformats.org/presentationml/2006/main">
+  <p:cSld>
+    <p:spTree>
+      <p:nvGrpSpPr>
+        <p:cNvPr id="1" name=""/>
+        <p:cNvGrpSpPr/>
+        <p:nvPr/>
+      </p:nvGrpSpPr>
+      <p:grpSpPr>
+        <a:xfrm>
+          <a:off x="0" y="0"/>
+          <a:ext cx="0" cy="0"/>
+          <a:chOff x="0" y="0"/>
+          <a:chExt cx="0" cy="0"/>
+        </a:xfrm>
+      </p:grpSpPr>
+      <p:sp>
+        <p:nvSpPr>
+          <p:cNvPr id="2" name="Заголовок 1">
+            <a:extLst>
+              <a:ext uri="{FF2B5EF4-FFF2-40B4-BE49-F238E27FC236}">
+                <a16:creationId xmlns:a16="http://schemas.microsoft.com/office/drawing/2014/main" id="{944DAD93-84D2-C65F-C748-BFD0F3C5A6B2}"/>
+              </a:ext>
+            </a:extLst>
+          </p:cNvPr>
+          <p:cNvSpPr>
+            <a:spLocks noGrp="1"/>
+          </p:cNvSpPr>
+          <p:nvPr>
+            <p:ph type="title"/>
+          </p:nvPr>
+        </p:nvSpPr>
+        <p:spPr/>
+        <p:txBody>
+          <a:bodyPr/>
+          <a:lstStyle/>
+          <a:p>
+            <a:r>
+              <a:rPr lang="ru-RU" dirty="0"/>
+              <a:t>Компиляторы</a:t>
             </a:r>
           </a:p>
         </p:txBody>
@@ -3692,7 +6222,7 @@
           <p:cNvPr id="3" name="Объект 2">
             <a:extLst>
               <a:ext uri="{FF2B5EF4-FFF2-40B4-BE49-F238E27FC236}">
-                <a16:creationId xmlns:a16="http://schemas.microsoft.com/office/drawing/2014/main" id="{CD959406-3475-4060-569D-88341A958CBA}"/>
+                <a16:creationId xmlns:a16="http://schemas.microsoft.com/office/drawing/2014/main" id="{19904914-BE33-425D-7CEE-0597530E5C95}"/>
               </a:ext>
             </a:extLst>
           </p:cNvPr>
@@ -3708,10 +6238,188 @@
           <a:bodyPr/>
           <a:lstStyle/>
           <a:p>
-            <a:pPr marL="0" indent="0">
-              <a:buNone/>
-            </a:pPr>
             <a:endParaRPr lang="ru-RU" dirty="0"/>
+          </a:p>
+        </p:txBody>
+      </p:sp>
+    </p:spTree>
+    <p:extLst>
+      <p:ext uri="{BB962C8B-B14F-4D97-AF65-F5344CB8AC3E}">
+        <p14:creationId xmlns:p14="http://schemas.microsoft.com/office/powerpoint/2010/main" val="3868046781"/>
+      </p:ext>
+    </p:extLst>
+  </p:cSld>
+  <p:clrMapOvr>
+    <a:masterClrMapping/>
+  </p:clrMapOvr>
+</p:sld>
+</file>
+
+<file path=ppt/slides/slide29.xml><?xml version="1.0" encoding="utf-8"?>
+<p:sld xmlns:a="http://schemas.openxmlformats.org/drawingml/2006/main" xmlns:r="http://schemas.openxmlformats.org/officeDocument/2006/relationships" xmlns:p="http://schemas.openxmlformats.org/presentationml/2006/main">
+  <p:cSld>
+    <p:spTree>
+      <p:nvGrpSpPr>
+        <p:cNvPr id="1" name=""/>
+        <p:cNvGrpSpPr/>
+        <p:nvPr/>
+      </p:nvGrpSpPr>
+      <p:grpSpPr>
+        <a:xfrm>
+          <a:off x="0" y="0"/>
+          <a:ext cx="0" cy="0"/>
+          <a:chOff x="0" y="0"/>
+          <a:chExt cx="0" cy="0"/>
+        </a:xfrm>
+      </p:grpSpPr>
+      <p:sp>
+        <p:nvSpPr>
+          <p:cNvPr id="2" name="Заголовок 1">
+            <a:extLst>
+              <a:ext uri="{FF2B5EF4-FFF2-40B4-BE49-F238E27FC236}">
+                <a16:creationId xmlns:a16="http://schemas.microsoft.com/office/drawing/2014/main" id="{944DAD93-84D2-C65F-C748-BFD0F3C5A6B2}"/>
+              </a:ext>
+            </a:extLst>
+          </p:cNvPr>
+          <p:cNvSpPr>
+            <a:spLocks noGrp="1"/>
+          </p:cNvSpPr>
+          <p:nvPr>
+            <p:ph type="title"/>
+          </p:nvPr>
+        </p:nvSpPr>
+        <p:spPr/>
+        <p:txBody>
+          <a:bodyPr/>
+          <a:lstStyle/>
+          <a:p>
+            <a:r>
+              <a:rPr lang="ru-RU" dirty="0"/>
+              <a:t>Компиляторы</a:t>
+            </a:r>
+          </a:p>
+        </p:txBody>
+      </p:sp>
+      <p:sp>
+        <p:nvSpPr>
+          <p:cNvPr id="3" name="Объект 2">
+            <a:extLst>
+              <a:ext uri="{FF2B5EF4-FFF2-40B4-BE49-F238E27FC236}">
+                <a16:creationId xmlns:a16="http://schemas.microsoft.com/office/drawing/2014/main" id="{19904914-BE33-425D-7CEE-0597530E5C95}"/>
+              </a:ext>
+            </a:extLst>
+          </p:cNvPr>
+          <p:cNvSpPr>
+            <a:spLocks noGrp="1"/>
+          </p:cNvSpPr>
+          <p:nvPr>
+            <p:ph idx="1"/>
+          </p:nvPr>
+        </p:nvSpPr>
+        <p:spPr/>
+        <p:txBody>
+          <a:bodyPr/>
+          <a:lstStyle/>
+          <a:p>
+            <a:r>
+              <a:rPr lang="ru-RU" dirty="0"/>
+              <a:t>Компилятор – это инструмент,</a:t>
+            </a:r>
+            <a:r>
+              <a:rPr lang="en-US" dirty="0"/>
+              <a:t> </a:t>
+            </a:r>
+            <a:r>
+              <a:rPr lang="ru-RU" dirty="0"/>
+              <a:t>который позволяет переводить код,</a:t>
+            </a:r>
+            <a:r>
+              <a:rPr lang="en-US" dirty="0"/>
+              <a:t> </a:t>
+            </a:r>
+            <a:r>
+              <a:rPr lang="ru-RU" dirty="0"/>
+              <a:t>написанный на компилируемом языке программирования в машинный код.</a:t>
+            </a:r>
+          </a:p>
+        </p:txBody>
+      </p:sp>
+    </p:spTree>
+    <p:extLst>
+      <p:ext uri="{BB962C8B-B14F-4D97-AF65-F5344CB8AC3E}">
+        <p14:creationId xmlns:p14="http://schemas.microsoft.com/office/powerpoint/2010/main" val="3757927637"/>
+      </p:ext>
+    </p:extLst>
+  </p:cSld>
+  <p:clrMapOvr>
+    <a:masterClrMapping/>
+  </p:clrMapOvr>
+</p:sld>
+</file>
+
+<file path=ppt/slides/slide3.xml><?xml version="1.0" encoding="utf-8"?>
+<p:sld xmlns:a="http://schemas.openxmlformats.org/drawingml/2006/main" xmlns:r="http://schemas.openxmlformats.org/officeDocument/2006/relationships" xmlns:p="http://schemas.openxmlformats.org/presentationml/2006/main">
+  <p:cSld>
+    <p:bg>
+      <p:bgPr>
+        <a:solidFill>
+          <a:srgbClr val="7030A0"/>
+        </a:solidFill>
+        <a:effectLst/>
+      </p:bgPr>
+    </p:bg>
+    <p:spTree>
+      <p:nvGrpSpPr>
+        <p:cNvPr id="1" name=""/>
+        <p:cNvGrpSpPr/>
+        <p:nvPr/>
+      </p:nvGrpSpPr>
+      <p:grpSpPr>
+        <a:xfrm>
+          <a:off x="0" y="0"/>
+          <a:ext cx="0" cy="0"/>
+          <a:chOff x="0" y="0"/>
+          <a:chExt cx="0" cy="0"/>
+        </a:xfrm>
+      </p:grpSpPr>
+      <p:sp>
+        <p:nvSpPr>
+          <p:cNvPr id="2" name="Заголовок 1">
+            <a:extLst>
+              <a:ext uri="{FF2B5EF4-FFF2-40B4-BE49-F238E27FC236}">
+                <a16:creationId xmlns:a16="http://schemas.microsoft.com/office/drawing/2014/main" id="{1B304194-263A-D130-B9DC-B02D1E8EB9E9}"/>
+              </a:ext>
+            </a:extLst>
+          </p:cNvPr>
+          <p:cNvSpPr>
+            <a:spLocks noGrp="1"/>
+          </p:cNvSpPr>
+          <p:nvPr>
+            <p:ph type="title"/>
+          </p:nvPr>
+        </p:nvSpPr>
+        <p:spPr>
+          <a:xfrm>
+            <a:off x="2873636" y="2766218"/>
+            <a:ext cx="6444728" cy="1325563"/>
+          </a:xfrm>
+        </p:spPr>
+        <p:txBody>
+          <a:bodyPr>
+            <a:normAutofit/>
+          </a:bodyPr>
+          <a:lstStyle/>
+          <a:p>
+            <a:r>
+              <a:rPr lang="ru-RU" sz="5400" b="1" dirty="0">
+                <a:solidFill>
+                  <a:schemeClr val="bg1"/>
+                </a:solidFill>
+                <a:latin typeface="Arial" panose="020B0604020202020204" pitchFamily="34" charset="0"/>
+                <a:cs typeface="Arial" panose="020B0604020202020204" pitchFamily="34" charset="0"/>
+              </a:rPr>
+              <a:t>Зачем нужен С++?</a:t>
+            </a:r>
           </a:p>
         </p:txBody>
       </p:sp>
@@ -3719,6 +6427,4823 @@
     <p:extLst>
       <p:ext uri="{BB962C8B-B14F-4D97-AF65-F5344CB8AC3E}">
         <p14:creationId xmlns:p14="http://schemas.microsoft.com/office/powerpoint/2010/main" val="2923242749"/>
+      </p:ext>
+    </p:extLst>
+  </p:cSld>
+  <p:clrMapOvr>
+    <a:masterClrMapping/>
+  </p:clrMapOvr>
+</p:sld>
+</file>
+
+<file path=ppt/slides/slide30.xml><?xml version="1.0" encoding="utf-8"?>
+<p:sld xmlns:a="http://schemas.openxmlformats.org/drawingml/2006/main" xmlns:r="http://schemas.openxmlformats.org/officeDocument/2006/relationships" xmlns:p="http://schemas.openxmlformats.org/presentationml/2006/main">
+  <p:cSld>
+    <p:spTree>
+      <p:nvGrpSpPr>
+        <p:cNvPr id="1" name=""/>
+        <p:cNvGrpSpPr/>
+        <p:nvPr/>
+      </p:nvGrpSpPr>
+      <p:grpSpPr>
+        <a:xfrm>
+          <a:off x="0" y="0"/>
+          <a:ext cx="0" cy="0"/>
+          <a:chOff x="0" y="0"/>
+          <a:chExt cx="0" cy="0"/>
+        </a:xfrm>
+      </p:grpSpPr>
+      <p:sp>
+        <p:nvSpPr>
+          <p:cNvPr id="2" name="Заголовок 1">
+            <a:extLst>
+              <a:ext uri="{FF2B5EF4-FFF2-40B4-BE49-F238E27FC236}">
+                <a16:creationId xmlns:a16="http://schemas.microsoft.com/office/drawing/2014/main" id="{944DAD93-84D2-C65F-C748-BFD0F3C5A6B2}"/>
+              </a:ext>
+            </a:extLst>
+          </p:cNvPr>
+          <p:cNvSpPr>
+            <a:spLocks noGrp="1"/>
+          </p:cNvSpPr>
+          <p:nvPr>
+            <p:ph type="title"/>
+          </p:nvPr>
+        </p:nvSpPr>
+        <p:spPr/>
+        <p:txBody>
+          <a:bodyPr/>
+          <a:lstStyle/>
+          <a:p>
+            <a:r>
+              <a:rPr lang="ru-RU" dirty="0"/>
+              <a:t>Компиляторы</a:t>
+            </a:r>
+          </a:p>
+        </p:txBody>
+      </p:sp>
+      <p:sp>
+        <p:nvSpPr>
+          <p:cNvPr id="3" name="Объект 2">
+            <a:extLst>
+              <a:ext uri="{FF2B5EF4-FFF2-40B4-BE49-F238E27FC236}">
+                <a16:creationId xmlns:a16="http://schemas.microsoft.com/office/drawing/2014/main" id="{19904914-BE33-425D-7CEE-0597530E5C95}"/>
+              </a:ext>
+            </a:extLst>
+          </p:cNvPr>
+          <p:cNvSpPr>
+            <a:spLocks noGrp="1"/>
+          </p:cNvSpPr>
+          <p:nvPr>
+            <p:ph idx="1"/>
+          </p:nvPr>
+        </p:nvSpPr>
+        <p:spPr/>
+        <p:txBody>
+          <a:bodyPr/>
+          <a:lstStyle/>
+          <a:p>
+            <a:r>
+              <a:rPr lang="ru-RU" dirty="0"/>
+              <a:t>Компилятор – это инструмент,</a:t>
+            </a:r>
+            <a:r>
+              <a:rPr lang="en-US" dirty="0"/>
+              <a:t> </a:t>
+            </a:r>
+            <a:r>
+              <a:rPr lang="ru-RU" dirty="0"/>
+              <a:t>который позволяет переводить код,</a:t>
+            </a:r>
+            <a:r>
+              <a:rPr lang="en-US" dirty="0"/>
+              <a:t> </a:t>
+            </a:r>
+            <a:r>
+              <a:rPr lang="ru-RU" dirty="0"/>
+              <a:t>написанный на компилируемом языке программирования в машинный код.</a:t>
+            </a:r>
+          </a:p>
+          <a:p>
+            <a:endParaRPr lang="ru-RU" dirty="0"/>
+          </a:p>
+          <a:p>
+            <a:r>
+              <a:rPr lang="ru-RU" dirty="0" err="1"/>
+              <a:t>M</a:t>
+            </a:r>
+            <a:r>
+              <a:rPr lang="en-US" dirty="0"/>
+              <a:t>SVC (</a:t>
+            </a:r>
+            <a:r>
+              <a:rPr lang="en-US" dirty="0" err="1"/>
+              <a:t>MicroSoft</a:t>
+            </a:r>
+            <a:r>
+              <a:rPr lang="en-US" dirty="0"/>
+              <a:t> Visual C++)</a:t>
+            </a:r>
+            <a:endParaRPr lang="ru-RU" dirty="0"/>
+          </a:p>
+        </p:txBody>
+      </p:sp>
+    </p:spTree>
+    <p:extLst>
+      <p:ext uri="{BB962C8B-B14F-4D97-AF65-F5344CB8AC3E}">
+        <p14:creationId xmlns:p14="http://schemas.microsoft.com/office/powerpoint/2010/main" val="3886746897"/>
+      </p:ext>
+    </p:extLst>
+  </p:cSld>
+  <p:clrMapOvr>
+    <a:masterClrMapping/>
+  </p:clrMapOvr>
+</p:sld>
+</file>
+
+<file path=ppt/slides/slide31.xml><?xml version="1.0" encoding="utf-8"?>
+<p:sld xmlns:a="http://schemas.openxmlformats.org/drawingml/2006/main" xmlns:r="http://schemas.openxmlformats.org/officeDocument/2006/relationships" xmlns:p="http://schemas.openxmlformats.org/presentationml/2006/main">
+  <p:cSld>
+    <p:spTree>
+      <p:nvGrpSpPr>
+        <p:cNvPr id="1" name=""/>
+        <p:cNvGrpSpPr/>
+        <p:nvPr/>
+      </p:nvGrpSpPr>
+      <p:grpSpPr>
+        <a:xfrm>
+          <a:off x="0" y="0"/>
+          <a:ext cx="0" cy="0"/>
+          <a:chOff x="0" y="0"/>
+          <a:chExt cx="0" cy="0"/>
+        </a:xfrm>
+      </p:grpSpPr>
+      <p:sp>
+        <p:nvSpPr>
+          <p:cNvPr id="2" name="Заголовок 1">
+            <a:extLst>
+              <a:ext uri="{FF2B5EF4-FFF2-40B4-BE49-F238E27FC236}">
+                <a16:creationId xmlns:a16="http://schemas.microsoft.com/office/drawing/2014/main" id="{944DAD93-84D2-C65F-C748-BFD0F3C5A6B2}"/>
+              </a:ext>
+            </a:extLst>
+          </p:cNvPr>
+          <p:cNvSpPr>
+            <a:spLocks noGrp="1"/>
+          </p:cNvSpPr>
+          <p:nvPr>
+            <p:ph type="title"/>
+          </p:nvPr>
+        </p:nvSpPr>
+        <p:spPr/>
+        <p:txBody>
+          <a:bodyPr/>
+          <a:lstStyle/>
+          <a:p>
+            <a:r>
+              <a:rPr lang="ru-RU" dirty="0"/>
+              <a:t>Компиляторы</a:t>
+            </a:r>
+          </a:p>
+        </p:txBody>
+      </p:sp>
+      <p:sp>
+        <p:nvSpPr>
+          <p:cNvPr id="3" name="Объект 2">
+            <a:extLst>
+              <a:ext uri="{FF2B5EF4-FFF2-40B4-BE49-F238E27FC236}">
+                <a16:creationId xmlns:a16="http://schemas.microsoft.com/office/drawing/2014/main" id="{19904914-BE33-425D-7CEE-0597530E5C95}"/>
+              </a:ext>
+            </a:extLst>
+          </p:cNvPr>
+          <p:cNvSpPr>
+            <a:spLocks noGrp="1"/>
+          </p:cNvSpPr>
+          <p:nvPr>
+            <p:ph idx="1"/>
+          </p:nvPr>
+        </p:nvSpPr>
+        <p:spPr/>
+        <p:txBody>
+          <a:bodyPr/>
+          <a:lstStyle/>
+          <a:p>
+            <a:r>
+              <a:rPr lang="ru-RU" dirty="0"/>
+              <a:t>Компилятор – это инструмент,</a:t>
+            </a:r>
+            <a:r>
+              <a:rPr lang="en-US" dirty="0"/>
+              <a:t> </a:t>
+            </a:r>
+            <a:r>
+              <a:rPr lang="ru-RU" dirty="0"/>
+              <a:t>который позволяет переводить код,</a:t>
+            </a:r>
+            <a:r>
+              <a:rPr lang="en-US" dirty="0"/>
+              <a:t> </a:t>
+            </a:r>
+            <a:r>
+              <a:rPr lang="ru-RU" dirty="0"/>
+              <a:t>написанный на компилируемом языке программирования в машинный код.</a:t>
+            </a:r>
+          </a:p>
+          <a:p>
+            <a:endParaRPr lang="ru-RU" dirty="0"/>
+          </a:p>
+          <a:p>
+            <a:r>
+              <a:rPr lang="ru-RU" dirty="0" err="1"/>
+              <a:t>M</a:t>
+            </a:r>
+            <a:r>
+              <a:rPr lang="en-US" dirty="0"/>
+              <a:t>SVC (</a:t>
+            </a:r>
+            <a:r>
+              <a:rPr lang="en-US" dirty="0" err="1"/>
+              <a:t>MicroSoft</a:t>
+            </a:r>
+            <a:r>
+              <a:rPr lang="en-US" dirty="0"/>
+              <a:t> Visual C++)</a:t>
+            </a:r>
+          </a:p>
+          <a:p>
+            <a:r>
+              <a:rPr lang="en-US" dirty="0"/>
+              <a:t>GCC (</a:t>
+            </a:r>
+            <a:r>
+              <a:rPr lang="en" dirty="0"/>
+              <a:t>GNU Compiler Collection</a:t>
+            </a:r>
+            <a:r>
+              <a:rPr lang="en-US"/>
+              <a:t>)</a:t>
+            </a:r>
+            <a:endParaRPr lang="ru-RU" dirty="0"/>
+          </a:p>
+        </p:txBody>
+      </p:sp>
+    </p:spTree>
+    <p:extLst>
+      <p:ext uri="{BB962C8B-B14F-4D97-AF65-F5344CB8AC3E}">
+        <p14:creationId xmlns:p14="http://schemas.microsoft.com/office/powerpoint/2010/main" val="1832230061"/>
+      </p:ext>
+    </p:extLst>
+  </p:cSld>
+  <p:clrMapOvr>
+    <a:masterClrMapping/>
+  </p:clrMapOvr>
+</p:sld>
+</file>
+
+<file path=ppt/slides/slide32.xml><?xml version="1.0" encoding="utf-8"?>
+<p:sld xmlns:a="http://schemas.openxmlformats.org/drawingml/2006/main" xmlns:r="http://schemas.openxmlformats.org/officeDocument/2006/relationships" xmlns:p="http://schemas.openxmlformats.org/presentationml/2006/main">
+  <p:cSld>
+    <p:spTree>
+      <p:nvGrpSpPr>
+        <p:cNvPr id="1" name=""/>
+        <p:cNvGrpSpPr/>
+        <p:nvPr/>
+      </p:nvGrpSpPr>
+      <p:grpSpPr>
+        <a:xfrm>
+          <a:off x="0" y="0"/>
+          <a:ext cx="0" cy="0"/>
+          <a:chOff x="0" y="0"/>
+          <a:chExt cx="0" cy="0"/>
+        </a:xfrm>
+      </p:grpSpPr>
+      <p:sp>
+        <p:nvSpPr>
+          <p:cNvPr id="2" name="Заголовок 1">
+            <a:extLst>
+              <a:ext uri="{FF2B5EF4-FFF2-40B4-BE49-F238E27FC236}">
+                <a16:creationId xmlns:a16="http://schemas.microsoft.com/office/drawing/2014/main" id="{AAB7E86C-0281-BE27-5AF8-57D131118341}"/>
+              </a:ext>
+            </a:extLst>
+          </p:cNvPr>
+          <p:cNvSpPr>
+            <a:spLocks noGrp="1"/>
+          </p:cNvSpPr>
+          <p:nvPr>
+            <p:ph type="title"/>
+          </p:nvPr>
+        </p:nvSpPr>
+        <p:spPr/>
+        <p:txBody>
+          <a:bodyPr/>
+          <a:lstStyle/>
+          <a:p>
+            <a:r>
+              <a:rPr lang="en-US" dirty="0"/>
+              <a:t>Hello world!</a:t>
+            </a:r>
+            <a:endParaRPr lang="ru-RU" dirty="0"/>
+          </a:p>
+        </p:txBody>
+      </p:sp>
+      <p:sp>
+        <p:nvSpPr>
+          <p:cNvPr id="3" name="Объект 2">
+            <a:extLst>
+              <a:ext uri="{FF2B5EF4-FFF2-40B4-BE49-F238E27FC236}">
+                <a16:creationId xmlns:a16="http://schemas.microsoft.com/office/drawing/2014/main" id="{34E3A073-490F-EFC6-2E8F-0DCACB6BD78C}"/>
+              </a:ext>
+            </a:extLst>
+          </p:cNvPr>
+          <p:cNvSpPr>
+            <a:spLocks noGrp="1"/>
+          </p:cNvSpPr>
+          <p:nvPr>
+            <p:ph idx="1"/>
+          </p:nvPr>
+        </p:nvSpPr>
+        <p:spPr/>
+        <p:txBody>
+          <a:bodyPr/>
+          <a:lstStyle/>
+          <a:p>
+            <a:pPr marL="0" indent="0">
+              <a:buNone/>
+            </a:pPr>
+            <a:r>
+              <a:rPr lang="en" b="0" dirty="0">
+                <a:solidFill>
+                  <a:srgbClr val="C586C0"/>
+                </a:solidFill>
+                <a:effectLst/>
+                <a:latin typeface="Menlo" panose="020B0609030804020204" pitchFamily="49" charset="0"/>
+              </a:rPr>
+              <a:t>#include</a:t>
+            </a:r>
+            <a:r>
+              <a:rPr lang="en" b="0" dirty="0">
+                <a:solidFill>
+                  <a:srgbClr val="569CD6"/>
+                </a:solidFill>
+                <a:effectLst/>
+                <a:latin typeface="Menlo" panose="020B0609030804020204" pitchFamily="49" charset="0"/>
+              </a:rPr>
+              <a:t> </a:t>
+            </a:r>
+            <a:r>
+              <a:rPr lang="en" b="0" dirty="0">
+                <a:solidFill>
+                  <a:srgbClr val="CE9178"/>
+                </a:solidFill>
+                <a:effectLst/>
+                <a:latin typeface="Menlo" panose="020B0609030804020204" pitchFamily="49" charset="0"/>
+              </a:rPr>
+              <a:t>&lt;iostream&gt;</a:t>
+            </a:r>
+            <a:r>
+              <a:rPr lang="en" b="0" dirty="0">
+                <a:solidFill>
+                  <a:srgbClr val="569CD6"/>
+                </a:solidFill>
+                <a:effectLst/>
+                <a:latin typeface="Menlo" panose="020B0609030804020204" pitchFamily="49" charset="0"/>
+              </a:rPr>
+              <a:t> </a:t>
+            </a:r>
+            <a:r>
+              <a:rPr lang="en" b="0" dirty="0">
+                <a:solidFill>
+                  <a:srgbClr val="6A9955"/>
+                </a:solidFill>
+                <a:effectLst/>
+                <a:latin typeface="Menlo" panose="020B0609030804020204" pitchFamily="49" charset="0"/>
+              </a:rPr>
+              <a:t>// </a:t>
+            </a:r>
+            <a:r>
+              <a:rPr lang="ru-RU" b="0" dirty="0">
+                <a:solidFill>
+                  <a:srgbClr val="6A9955"/>
+                </a:solidFill>
+                <a:effectLst/>
+                <a:latin typeface="Menlo" panose="020B0609030804020204" pitchFamily="49" charset="0"/>
+              </a:rPr>
+              <a:t>Подключение библиотеки ввода-вывода</a:t>
+            </a:r>
+            <a:endParaRPr lang="ru-RU" b="0" dirty="0">
+              <a:solidFill>
+                <a:srgbClr val="D4D4D4"/>
+              </a:solidFill>
+              <a:effectLst/>
+              <a:latin typeface="Menlo" panose="020B0609030804020204" pitchFamily="49" charset="0"/>
+            </a:endParaRPr>
+          </a:p>
+          <a:p>
+            <a:pPr marL="0" indent="0">
+              <a:buNone/>
+            </a:pPr>
+            <a:br>
+              <a:rPr lang="ru-RU" b="0" dirty="0">
+                <a:solidFill>
+                  <a:srgbClr val="D4D4D4"/>
+                </a:solidFill>
+                <a:effectLst/>
+                <a:latin typeface="Menlo" panose="020B0609030804020204" pitchFamily="49" charset="0"/>
+              </a:rPr>
+            </a:br>
+            <a:r>
+              <a:rPr lang="en" b="0" dirty="0">
+                <a:solidFill>
+                  <a:srgbClr val="569CD6"/>
+                </a:solidFill>
+                <a:effectLst/>
+                <a:latin typeface="Menlo" panose="020B0609030804020204" pitchFamily="49" charset="0"/>
+              </a:rPr>
+              <a:t>int</a:t>
+            </a:r>
+            <a:r>
+              <a:rPr lang="en" b="0" dirty="0">
+                <a:solidFill>
+                  <a:srgbClr val="D4D4D4"/>
+                </a:solidFill>
+                <a:effectLst/>
+                <a:latin typeface="Menlo" panose="020B0609030804020204" pitchFamily="49" charset="0"/>
+              </a:rPr>
+              <a:t> </a:t>
+            </a:r>
+            <a:r>
+              <a:rPr lang="en" b="0" dirty="0">
+                <a:solidFill>
+                  <a:srgbClr val="DCDCAA"/>
+                </a:solidFill>
+                <a:effectLst/>
+                <a:latin typeface="Menlo" panose="020B0609030804020204" pitchFamily="49" charset="0"/>
+              </a:rPr>
+              <a:t>main</a:t>
+            </a:r>
+            <a:r>
+              <a:rPr lang="en" b="0" dirty="0">
+                <a:solidFill>
+                  <a:srgbClr val="D4D4D4"/>
+                </a:solidFill>
+                <a:effectLst/>
+                <a:latin typeface="Menlo" panose="020B0609030804020204" pitchFamily="49" charset="0"/>
+              </a:rPr>
+              <a:t>()</a:t>
+            </a:r>
+          </a:p>
+          <a:p>
+            <a:pPr marL="0" indent="0">
+              <a:buNone/>
+            </a:pPr>
+            <a:r>
+              <a:rPr lang="en" b="0" dirty="0">
+                <a:solidFill>
+                  <a:srgbClr val="D4D4D4"/>
+                </a:solidFill>
+                <a:effectLst/>
+                <a:latin typeface="Menlo" panose="020B0609030804020204" pitchFamily="49" charset="0"/>
+              </a:rPr>
+              <a:t>{</a:t>
+            </a:r>
+          </a:p>
+          <a:p>
+            <a:pPr marL="0" indent="0">
+              <a:buNone/>
+            </a:pPr>
+            <a:r>
+              <a:rPr lang="en" dirty="0">
+                <a:solidFill>
+                  <a:srgbClr val="D4D4D4"/>
+                </a:solidFill>
+                <a:latin typeface="Menlo" panose="020B0609030804020204" pitchFamily="49" charset="0"/>
+              </a:rPr>
+              <a:t>	</a:t>
+            </a:r>
+            <a:r>
+              <a:rPr lang="en" b="0" dirty="0">
+                <a:solidFill>
+                  <a:srgbClr val="6A9955"/>
+                </a:solidFill>
+                <a:effectLst/>
+                <a:latin typeface="Menlo" panose="020B0609030804020204" pitchFamily="49" charset="0"/>
+              </a:rPr>
+              <a:t>// </a:t>
+            </a:r>
+            <a:r>
+              <a:rPr lang="ru-RU" b="0" dirty="0">
+                <a:solidFill>
+                  <a:srgbClr val="6A9955"/>
+                </a:solidFill>
+                <a:effectLst/>
+                <a:latin typeface="Menlo" panose="020B0609030804020204" pitchFamily="49" charset="0"/>
+              </a:rPr>
+              <a:t>выводим сообщение в консоль</a:t>
+            </a:r>
+            <a:endParaRPr lang="en" b="0" dirty="0">
+              <a:solidFill>
+                <a:srgbClr val="D4D4D4"/>
+              </a:solidFill>
+              <a:effectLst/>
+              <a:latin typeface="Menlo" panose="020B0609030804020204" pitchFamily="49" charset="0"/>
+            </a:endParaRPr>
+          </a:p>
+          <a:p>
+            <a:pPr marL="0" indent="0">
+              <a:buNone/>
+            </a:pPr>
+            <a:r>
+              <a:rPr lang="en" b="0" dirty="0">
+                <a:solidFill>
+                  <a:srgbClr val="4EC9B0"/>
+                </a:solidFill>
+                <a:effectLst/>
+                <a:latin typeface="Menlo" panose="020B0609030804020204" pitchFamily="49" charset="0"/>
+              </a:rPr>
+              <a:t>	std</a:t>
+            </a:r>
+            <a:r>
+              <a:rPr lang="en" b="0" dirty="0">
+                <a:solidFill>
+                  <a:srgbClr val="D4D4D4"/>
+                </a:solidFill>
+                <a:effectLst/>
+                <a:latin typeface="Menlo" panose="020B0609030804020204" pitchFamily="49" charset="0"/>
+              </a:rPr>
+              <a:t>::cout &lt;&lt; </a:t>
+            </a:r>
+            <a:r>
+              <a:rPr lang="en" b="0" dirty="0">
+                <a:solidFill>
+                  <a:srgbClr val="CE9178"/>
+                </a:solidFill>
+                <a:effectLst/>
+                <a:latin typeface="Menlo" panose="020B0609030804020204" pitchFamily="49" charset="0"/>
+              </a:rPr>
+              <a:t>"Hello world!"</a:t>
+            </a:r>
+            <a:r>
+              <a:rPr lang="en" b="0" dirty="0">
+                <a:solidFill>
+                  <a:srgbClr val="D4D4D4"/>
+                </a:solidFill>
+                <a:effectLst/>
+                <a:latin typeface="Menlo" panose="020B0609030804020204" pitchFamily="49" charset="0"/>
+              </a:rPr>
+              <a:t> &lt;&lt; </a:t>
+            </a:r>
+            <a:r>
+              <a:rPr lang="en" b="0" dirty="0">
+                <a:solidFill>
+                  <a:srgbClr val="4EC9B0"/>
+                </a:solidFill>
+                <a:effectLst/>
+                <a:latin typeface="Menlo" panose="020B0609030804020204" pitchFamily="49" charset="0"/>
+              </a:rPr>
+              <a:t>std</a:t>
+            </a:r>
+            <a:r>
+              <a:rPr lang="en" b="0" dirty="0">
+                <a:solidFill>
+                  <a:srgbClr val="D4D4D4"/>
+                </a:solidFill>
+                <a:effectLst/>
+                <a:latin typeface="Menlo" panose="020B0609030804020204" pitchFamily="49" charset="0"/>
+              </a:rPr>
+              <a:t>::</a:t>
+            </a:r>
+            <a:r>
+              <a:rPr lang="en" b="0" dirty="0" err="1">
+                <a:solidFill>
+                  <a:srgbClr val="D4D4D4"/>
+                </a:solidFill>
+                <a:effectLst/>
+                <a:latin typeface="Menlo" panose="020B0609030804020204" pitchFamily="49" charset="0"/>
+              </a:rPr>
+              <a:t>endl</a:t>
+            </a:r>
+            <a:r>
+              <a:rPr lang="en" b="0" dirty="0">
+                <a:solidFill>
+                  <a:srgbClr val="D4D4D4"/>
+                </a:solidFill>
+                <a:effectLst/>
+                <a:latin typeface="Menlo" panose="020B0609030804020204" pitchFamily="49" charset="0"/>
+              </a:rPr>
+              <a:t>;</a:t>
+            </a:r>
+            <a:r>
+              <a:rPr lang="en" b="0" dirty="0">
+                <a:solidFill>
+                  <a:srgbClr val="6A9955"/>
+                </a:solidFill>
+                <a:effectLst/>
+                <a:latin typeface="Menlo" panose="020B0609030804020204" pitchFamily="49" charset="0"/>
+              </a:rPr>
+              <a:t> </a:t>
+            </a:r>
+            <a:endParaRPr lang="ru-RU" b="0" dirty="0">
+              <a:solidFill>
+                <a:srgbClr val="D4D4D4"/>
+              </a:solidFill>
+              <a:effectLst/>
+              <a:latin typeface="Menlo" panose="020B0609030804020204" pitchFamily="49" charset="0"/>
+            </a:endParaRPr>
+          </a:p>
+          <a:p>
+            <a:pPr marL="0" indent="0">
+              <a:buNone/>
+            </a:pPr>
+            <a:r>
+              <a:rPr lang="en" b="0" dirty="0">
+                <a:solidFill>
+                  <a:srgbClr val="C586C0"/>
+                </a:solidFill>
+                <a:effectLst/>
+                <a:latin typeface="Menlo" panose="020B0609030804020204" pitchFamily="49" charset="0"/>
+              </a:rPr>
+              <a:t>	return</a:t>
+            </a:r>
+            <a:r>
+              <a:rPr lang="en" b="0" dirty="0">
+                <a:solidFill>
+                  <a:srgbClr val="D4D4D4"/>
+                </a:solidFill>
+                <a:effectLst/>
+                <a:latin typeface="Menlo" panose="020B0609030804020204" pitchFamily="49" charset="0"/>
+              </a:rPr>
+              <a:t> </a:t>
+            </a:r>
+            <a:r>
+              <a:rPr lang="en" b="0" dirty="0">
+                <a:solidFill>
+                  <a:srgbClr val="B5CEA8"/>
+                </a:solidFill>
+                <a:effectLst/>
+                <a:latin typeface="Menlo" panose="020B0609030804020204" pitchFamily="49" charset="0"/>
+              </a:rPr>
+              <a:t>0</a:t>
+            </a:r>
+            <a:r>
+              <a:rPr lang="en" b="0" dirty="0">
+                <a:solidFill>
+                  <a:srgbClr val="D4D4D4"/>
+                </a:solidFill>
+                <a:effectLst/>
+                <a:latin typeface="Menlo" panose="020B0609030804020204" pitchFamily="49" charset="0"/>
+              </a:rPr>
+              <a:t>;</a:t>
+            </a:r>
+          </a:p>
+          <a:p>
+            <a:pPr marL="0" indent="0">
+              <a:buNone/>
+            </a:pPr>
+            <a:r>
+              <a:rPr lang="en" b="0" dirty="0">
+                <a:solidFill>
+                  <a:srgbClr val="D4D4D4"/>
+                </a:solidFill>
+                <a:effectLst/>
+                <a:latin typeface="Menlo" panose="020B0609030804020204" pitchFamily="49" charset="0"/>
+              </a:rPr>
+              <a:t>}</a:t>
+            </a:r>
+          </a:p>
+        </p:txBody>
+      </p:sp>
+    </p:spTree>
+    <p:extLst>
+      <p:ext uri="{BB962C8B-B14F-4D97-AF65-F5344CB8AC3E}">
+        <p14:creationId xmlns:p14="http://schemas.microsoft.com/office/powerpoint/2010/main" val="3394768595"/>
+      </p:ext>
+    </p:extLst>
+  </p:cSld>
+  <p:clrMapOvr>
+    <a:masterClrMapping/>
+  </p:clrMapOvr>
+</p:sld>
+</file>
+
+<file path=ppt/slides/slide33.xml><?xml version="1.0" encoding="utf-8"?>
+<p:sld xmlns:a="http://schemas.openxmlformats.org/drawingml/2006/main" xmlns:r="http://schemas.openxmlformats.org/officeDocument/2006/relationships" xmlns:p="http://schemas.openxmlformats.org/presentationml/2006/main">
+  <p:cSld>
+    <p:spTree>
+      <p:nvGrpSpPr>
+        <p:cNvPr id="1" name=""/>
+        <p:cNvGrpSpPr/>
+        <p:nvPr/>
+      </p:nvGrpSpPr>
+      <p:grpSpPr>
+        <a:xfrm>
+          <a:off x="0" y="0"/>
+          <a:ext cx="0" cy="0"/>
+          <a:chOff x="0" y="0"/>
+          <a:chExt cx="0" cy="0"/>
+        </a:xfrm>
+      </p:grpSpPr>
+      <p:sp>
+        <p:nvSpPr>
+          <p:cNvPr id="2" name="Заголовок 1">
+            <a:extLst>
+              <a:ext uri="{FF2B5EF4-FFF2-40B4-BE49-F238E27FC236}">
+                <a16:creationId xmlns:a16="http://schemas.microsoft.com/office/drawing/2014/main" id="{373944ED-9153-8165-26BE-814E41903C95}"/>
+              </a:ext>
+            </a:extLst>
+          </p:cNvPr>
+          <p:cNvSpPr>
+            <a:spLocks noGrp="1"/>
+          </p:cNvSpPr>
+          <p:nvPr>
+            <p:ph type="title"/>
+          </p:nvPr>
+        </p:nvSpPr>
+        <p:spPr/>
+        <p:txBody>
+          <a:bodyPr/>
+          <a:lstStyle/>
+          <a:p>
+            <a:r>
+              <a:rPr lang="ru-RU" dirty="0"/>
+              <a:t>Подключение библиотеки</a:t>
+            </a:r>
+          </a:p>
+        </p:txBody>
+      </p:sp>
+      <p:sp>
+        <p:nvSpPr>
+          <p:cNvPr id="3" name="Объект 2">
+            <a:extLst>
+              <a:ext uri="{FF2B5EF4-FFF2-40B4-BE49-F238E27FC236}">
+                <a16:creationId xmlns:a16="http://schemas.microsoft.com/office/drawing/2014/main" id="{D9FA1065-FBAE-5BBA-A442-3A32AB50143C}"/>
+              </a:ext>
+            </a:extLst>
+          </p:cNvPr>
+          <p:cNvSpPr>
+            <a:spLocks noGrp="1"/>
+          </p:cNvSpPr>
+          <p:nvPr>
+            <p:ph idx="1"/>
+          </p:nvPr>
+        </p:nvSpPr>
+        <p:spPr>
+          <a:xfrm>
+            <a:off x="838200" y="1825625"/>
+            <a:ext cx="10515600" cy="2036370"/>
+          </a:xfrm>
+        </p:spPr>
+        <p:txBody>
+          <a:bodyPr/>
+          <a:lstStyle/>
+          <a:p>
+            <a:pPr marL="0" indent="0">
+              <a:buNone/>
+            </a:pPr>
+            <a:r>
+              <a:rPr lang="en" b="0" dirty="0">
+                <a:solidFill>
+                  <a:srgbClr val="C586C0"/>
+                </a:solidFill>
+                <a:effectLst/>
+                <a:latin typeface="Menlo" panose="020B0609030804020204" pitchFamily="49" charset="0"/>
+              </a:rPr>
+              <a:t>#include</a:t>
+            </a:r>
+            <a:r>
+              <a:rPr lang="en" b="0" dirty="0">
+                <a:solidFill>
+                  <a:srgbClr val="569CD6"/>
+                </a:solidFill>
+                <a:effectLst/>
+                <a:latin typeface="Menlo" panose="020B0609030804020204" pitchFamily="49" charset="0"/>
+              </a:rPr>
+              <a:t> </a:t>
+            </a:r>
+            <a:r>
+              <a:rPr lang="en" b="0" dirty="0">
+                <a:solidFill>
+                  <a:srgbClr val="CE9178"/>
+                </a:solidFill>
+                <a:effectLst/>
+                <a:latin typeface="Menlo" panose="020B0609030804020204" pitchFamily="49" charset="0"/>
+              </a:rPr>
+              <a:t>&lt;iostream&gt;</a:t>
+            </a:r>
+            <a:endParaRPr lang="ru-RU" b="0" dirty="0">
+              <a:solidFill>
+                <a:srgbClr val="CE9178"/>
+              </a:solidFill>
+              <a:effectLst/>
+              <a:latin typeface="Menlo" panose="020B0609030804020204" pitchFamily="49" charset="0"/>
+            </a:endParaRPr>
+          </a:p>
+          <a:p>
+            <a:endParaRPr lang="en" dirty="0">
+              <a:solidFill>
+                <a:srgbClr val="D4D4D4"/>
+              </a:solidFill>
+              <a:latin typeface="Menlo" panose="020B0609030804020204" pitchFamily="49" charset="0"/>
+            </a:endParaRPr>
+          </a:p>
+          <a:p>
+            <a:pPr marL="0" indent="0">
+              <a:buNone/>
+            </a:pPr>
+            <a:r>
+              <a:rPr lang="ru-RU" dirty="0">
+                <a:latin typeface="Menlo" panose="020B0609030804020204" pitchFamily="49" charset="0"/>
+              </a:rPr>
+              <a:t>Подключение нужных библиотек происходит в самом начале файла</a:t>
+            </a:r>
+            <a:r>
+              <a:rPr lang="en-US" dirty="0">
+                <a:latin typeface="Menlo" panose="020B0609030804020204" pitchFamily="49" charset="0"/>
+              </a:rPr>
+              <a:t> </a:t>
+            </a:r>
+            <a:r>
+              <a:rPr lang="ru-RU" dirty="0">
+                <a:latin typeface="Menlo" panose="020B0609030804020204" pitchFamily="49" charset="0"/>
+              </a:rPr>
+              <a:t>с кодом</a:t>
+            </a:r>
+            <a:r>
+              <a:rPr lang="en-US" dirty="0">
+                <a:latin typeface="Menlo" panose="020B0609030804020204" pitchFamily="49" charset="0"/>
+              </a:rPr>
+              <a:t>.</a:t>
+            </a:r>
+            <a:endParaRPr lang="ru-RU" dirty="0">
+              <a:latin typeface="Menlo" panose="020B0609030804020204" pitchFamily="49" charset="0"/>
+            </a:endParaRPr>
+          </a:p>
+        </p:txBody>
+      </p:sp>
+    </p:spTree>
+    <p:extLst>
+      <p:ext uri="{BB962C8B-B14F-4D97-AF65-F5344CB8AC3E}">
+        <p14:creationId xmlns:p14="http://schemas.microsoft.com/office/powerpoint/2010/main" val="3777215491"/>
+      </p:ext>
+    </p:extLst>
+  </p:cSld>
+  <p:clrMapOvr>
+    <a:masterClrMapping/>
+  </p:clrMapOvr>
+</p:sld>
+</file>
+
+<file path=ppt/slides/slide34.xml><?xml version="1.0" encoding="utf-8"?>
+<p:sld xmlns:a="http://schemas.openxmlformats.org/drawingml/2006/main" xmlns:r="http://schemas.openxmlformats.org/officeDocument/2006/relationships" xmlns:p="http://schemas.openxmlformats.org/presentationml/2006/main">
+  <p:cSld>
+    <p:spTree>
+      <p:nvGrpSpPr>
+        <p:cNvPr id="1" name=""/>
+        <p:cNvGrpSpPr/>
+        <p:nvPr/>
+      </p:nvGrpSpPr>
+      <p:grpSpPr>
+        <a:xfrm>
+          <a:off x="0" y="0"/>
+          <a:ext cx="0" cy="0"/>
+          <a:chOff x="0" y="0"/>
+          <a:chExt cx="0" cy="0"/>
+        </a:xfrm>
+      </p:grpSpPr>
+      <p:sp>
+        <p:nvSpPr>
+          <p:cNvPr id="2" name="Заголовок 1">
+            <a:extLst>
+              <a:ext uri="{FF2B5EF4-FFF2-40B4-BE49-F238E27FC236}">
+                <a16:creationId xmlns:a16="http://schemas.microsoft.com/office/drawing/2014/main" id="{FE1B9588-E7B5-5413-C8D5-8E0111FA8D73}"/>
+              </a:ext>
+            </a:extLst>
+          </p:cNvPr>
+          <p:cNvSpPr>
+            <a:spLocks noGrp="1"/>
+          </p:cNvSpPr>
+          <p:nvPr>
+            <p:ph type="title"/>
+          </p:nvPr>
+        </p:nvSpPr>
+        <p:spPr/>
+        <p:txBody>
+          <a:bodyPr/>
+          <a:lstStyle/>
+          <a:p>
+            <a:r>
+              <a:rPr lang="ru-RU" dirty="0"/>
+              <a:t>Основная точка входа</a:t>
+            </a:r>
+          </a:p>
+        </p:txBody>
+      </p:sp>
+      <p:sp>
+        <p:nvSpPr>
+          <p:cNvPr id="3" name="Объект 2">
+            <a:extLst>
+              <a:ext uri="{FF2B5EF4-FFF2-40B4-BE49-F238E27FC236}">
+                <a16:creationId xmlns:a16="http://schemas.microsoft.com/office/drawing/2014/main" id="{AA25E2C0-BFA4-A74E-0C7F-6EFBA9D82F51}"/>
+              </a:ext>
+            </a:extLst>
+          </p:cNvPr>
+          <p:cNvSpPr>
+            <a:spLocks noGrp="1"/>
+          </p:cNvSpPr>
+          <p:nvPr>
+            <p:ph idx="1"/>
+          </p:nvPr>
+        </p:nvSpPr>
+        <p:spPr>
+          <a:xfrm>
+            <a:off x="838200" y="1825625"/>
+            <a:ext cx="10515600" cy="2821679"/>
+          </a:xfrm>
+        </p:spPr>
+        <p:txBody>
+          <a:bodyPr/>
+          <a:lstStyle/>
+          <a:p>
+            <a:pPr marL="0" indent="0">
+              <a:buNone/>
+            </a:pPr>
+            <a:r>
+              <a:rPr lang="en" b="0" dirty="0">
+                <a:solidFill>
+                  <a:srgbClr val="569CD6"/>
+                </a:solidFill>
+                <a:effectLst/>
+                <a:latin typeface="Menlo" panose="020B0609030804020204" pitchFamily="49" charset="0"/>
+              </a:rPr>
+              <a:t>int</a:t>
+            </a:r>
+            <a:r>
+              <a:rPr lang="en" b="0" dirty="0">
+                <a:solidFill>
+                  <a:srgbClr val="D4D4D4"/>
+                </a:solidFill>
+                <a:effectLst/>
+                <a:latin typeface="Menlo" panose="020B0609030804020204" pitchFamily="49" charset="0"/>
+              </a:rPr>
+              <a:t> </a:t>
+            </a:r>
+            <a:r>
+              <a:rPr lang="en" b="0" dirty="0">
+                <a:solidFill>
+                  <a:srgbClr val="DCDCAA"/>
+                </a:solidFill>
+                <a:effectLst/>
+                <a:latin typeface="Menlo" panose="020B0609030804020204" pitchFamily="49" charset="0"/>
+              </a:rPr>
+              <a:t>main</a:t>
+            </a:r>
+            <a:r>
+              <a:rPr lang="en" b="0" dirty="0">
+                <a:solidFill>
+                  <a:srgbClr val="D4D4D4"/>
+                </a:solidFill>
+                <a:effectLst/>
+                <a:latin typeface="Menlo" panose="020B0609030804020204" pitchFamily="49" charset="0"/>
+              </a:rPr>
+              <a:t>()</a:t>
+            </a:r>
+          </a:p>
+          <a:p>
+            <a:pPr marL="0" indent="0">
+              <a:buNone/>
+            </a:pPr>
+            <a:r>
+              <a:rPr lang="en" b="0" dirty="0">
+                <a:solidFill>
+                  <a:srgbClr val="D4D4D4"/>
+                </a:solidFill>
+                <a:effectLst/>
+                <a:latin typeface="Menlo" panose="020B0609030804020204" pitchFamily="49" charset="0"/>
+              </a:rPr>
+              <a:t>{</a:t>
+            </a:r>
+          </a:p>
+          <a:p>
+            <a:endParaRPr lang="ru-RU" dirty="0"/>
+          </a:p>
+          <a:p>
+            <a:pPr marL="0" indent="0">
+              <a:buNone/>
+            </a:pPr>
+            <a:r>
+              <a:rPr lang="ru-RU" dirty="0"/>
+              <a:t>В каждой С++ программе должна быть своя точка входа</a:t>
+            </a:r>
+            <a:r>
+              <a:rPr lang="en-US" dirty="0"/>
+              <a:t>. </a:t>
+            </a:r>
+            <a:r>
+              <a:rPr lang="ru-RU" dirty="0"/>
+              <a:t>Точка входа – это функция,</a:t>
+            </a:r>
+            <a:r>
+              <a:rPr lang="en-US" dirty="0"/>
+              <a:t> </a:t>
+            </a:r>
+            <a:r>
+              <a:rPr lang="ru-RU" dirty="0"/>
+              <a:t>в которой начинает работать программа. Обычно точкой входа является </a:t>
+            </a:r>
+            <a:r>
+              <a:rPr lang="ru-RU" dirty="0" err="1"/>
+              <a:t>m</a:t>
+            </a:r>
+            <a:r>
+              <a:rPr lang="en-US" dirty="0" err="1"/>
+              <a:t>ain</a:t>
+            </a:r>
+            <a:r>
+              <a:rPr lang="en-US" dirty="0"/>
+              <a:t>();</a:t>
+            </a:r>
+            <a:endParaRPr lang="ru-RU" dirty="0"/>
+          </a:p>
+        </p:txBody>
+      </p:sp>
+    </p:spTree>
+    <p:extLst>
+      <p:ext uri="{BB962C8B-B14F-4D97-AF65-F5344CB8AC3E}">
+        <p14:creationId xmlns:p14="http://schemas.microsoft.com/office/powerpoint/2010/main" val="430563116"/>
+      </p:ext>
+    </p:extLst>
+  </p:cSld>
+  <p:clrMapOvr>
+    <a:masterClrMapping/>
+  </p:clrMapOvr>
+</p:sld>
+</file>
+
+<file path=ppt/slides/slide35.xml><?xml version="1.0" encoding="utf-8"?>
+<p:sld xmlns:a="http://schemas.openxmlformats.org/drawingml/2006/main" xmlns:r="http://schemas.openxmlformats.org/officeDocument/2006/relationships" xmlns:p="http://schemas.openxmlformats.org/presentationml/2006/main">
+  <p:cSld>
+    <p:spTree>
+      <p:nvGrpSpPr>
+        <p:cNvPr id="1" name=""/>
+        <p:cNvGrpSpPr/>
+        <p:nvPr/>
+      </p:nvGrpSpPr>
+      <p:grpSpPr>
+        <a:xfrm>
+          <a:off x="0" y="0"/>
+          <a:ext cx="0" cy="0"/>
+          <a:chOff x="0" y="0"/>
+          <a:chExt cx="0" cy="0"/>
+        </a:xfrm>
+      </p:grpSpPr>
+      <p:sp>
+        <p:nvSpPr>
+          <p:cNvPr id="2" name="Заголовок 1">
+            <a:extLst>
+              <a:ext uri="{FF2B5EF4-FFF2-40B4-BE49-F238E27FC236}">
+                <a16:creationId xmlns:a16="http://schemas.microsoft.com/office/drawing/2014/main" id="{E757F611-4493-A0B8-509A-6805FAB2B184}"/>
+              </a:ext>
+            </a:extLst>
+          </p:cNvPr>
+          <p:cNvSpPr>
+            <a:spLocks noGrp="1"/>
+          </p:cNvSpPr>
+          <p:nvPr>
+            <p:ph type="title"/>
+          </p:nvPr>
+        </p:nvSpPr>
+        <p:spPr/>
+        <p:txBody>
+          <a:bodyPr/>
+          <a:lstStyle/>
+          <a:p>
+            <a:r>
+              <a:rPr lang="ru-RU" dirty="0"/>
+              <a:t>Вывод текстового сообщения в консоль</a:t>
+            </a:r>
+          </a:p>
+        </p:txBody>
+      </p:sp>
+      <p:sp>
+        <p:nvSpPr>
+          <p:cNvPr id="3" name="Объект 2">
+            <a:extLst>
+              <a:ext uri="{FF2B5EF4-FFF2-40B4-BE49-F238E27FC236}">
+                <a16:creationId xmlns:a16="http://schemas.microsoft.com/office/drawing/2014/main" id="{7BFE7F1F-9DDF-5637-02B9-C13F89E5F276}"/>
+              </a:ext>
+            </a:extLst>
+          </p:cNvPr>
+          <p:cNvSpPr>
+            <a:spLocks noGrp="1"/>
+          </p:cNvSpPr>
+          <p:nvPr>
+            <p:ph idx="1"/>
+          </p:nvPr>
+        </p:nvSpPr>
+        <p:spPr>
+          <a:xfrm>
+            <a:off x="838200" y="1825625"/>
+            <a:ext cx="10515600" cy="2036370"/>
+          </a:xfrm>
+        </p:spPr>
+        <p:txBody>
+          <a:bodyPr/>
+          <a:lstStyle/>
+          <a:p>
+            <a:pPr marL="0" indent="0">
+              <a:buNone/>
+            </a:pPr>
+            <a:r>
+              <a:rPr lang="en" b="0" dirty="0">
+                <a:solidFill>
+                  <a:srgbClr val="4EC9B0"/>
+                </a:solidFill>
+                <a:effectLst/>
+                <a:latin typeface="Menlo" panose="020B0609030804020204" pitchFamily="49" charset="0"/>
+              </a:rPr>
+              <a:t>std</a:t>
+            </a:r>
+            <a:r>
+              <a:rPr lang="en" b="0" dirty="0">
+                <a:solidFill>
+                  <a:srgbClr val="D4D4D4"/>
+                </a:solidFill>
+                <a:effectLst/>
+                <a:latin typeface="Menlo" panose="020B0609030804020204" pitchFamily="49" charset="0"/>
+              </a:rPr>
+              <a:t>::cout &lt;&lt; </a:t>
+            </a:r>
+            <a:r>
+              <a:rPr lang="en" b="0" dirty="0">
+                <a:solidFill>
+                  <a:srgbClr val="CE9178"/>
+                </a:solidFill>
+                <a:effectLst/>
+                <a:latin typeface="Menlo" panose="020B0609030804020204" pitchFamily="49" charset="0"/>
+              </a:rPr>
+              <a:t>"Hello world!"</a:t>
+            </a:r>
+            <a:r>
+              <a:rPr lang="en" b="0" dirty="0">
+                <a:solidFill>
+                  <a:srgbClr val="D4D4D4"/>
+                </a:solidFill>
+                <a:effectLst/>
+                <a:latin typeface="Menlo" panose="020B0609030804020204" pitchFamily="49" charset="0"/>
+              </a:rPr>
+              <a:t> &lt;&lt; </a:t>
+            </a:r>
+            <a:r>
+              <a:rPr lang="en" b="0" dirty="0">
+                <a:solidFill>
+                  <a:srgbClr val="4EC9B0"/>
+                </a:solidFill>
+                <a:effectLst/>
+                <a:latin typeface="Menlo" panose="020B0609030804020204" pitchFamily="49" charset="0"/>
+              </a:rPr>
+              <a:t>std</a:t>
+            </a:r>
+            <a:r>
+              <a:rPr lang="en" b="0" dirty="0">
+                <a:solidFill>
+                  <a:srgbClr val="D4D4D4"/>
+                </a:solidFill>
+                <a:effectLst/>
+                <a:latin typeface="Menlo" panose="020B0609030804020204" pitchFamily="49" charset="0"/>
+              </a:rPr>
+              <a:t>::</a:t>
+            </a:r>
+            <a:r>
+              <a:rPr lang="en" b="0" dirty="0" err="1">
+                <a:solidFill>
+                  <a:srgbClr val="D4D4D4"/>
+                </a:solidFill>
+                <a:effectLst/>
+                <a:latin typeface="Menlo" panose="020B0609030804020204" pitchFamily="49" charset="0"/>
+              </a:rPr>
+              <a:t>endl</a:t>
+            </a:r>
+            <a:r>
+              <a:rPr lang="en" b="0" dirty="0">
+                <a:solidFill>
+                  <a:srgbClr val="D4D4D4"/>
+                </a:solidFill>
+                <a:effectLst/>
+                <a:latin typeface="Menlo" panose="020B0609030804020204" pitchFamily="49" charset="0"/>
+              </a:rPr>
+              <a:t>;</a:t>
+            </a:r>
+            <a:endParaRPr lang="ru-RU" dirty="0">
+              <a:solidFill>
+                <a:srgbClr val="6A9955"/>
+              </a:solidFill>
+              <a:latin typeface="Menlo" panose="020B0609030804020204" pitchFamily="49" charset="0"/>
+            </a:endParaRPr>
+          </a:p>
+          <a:p>
+            <a:pPr marL="0" indent="0">
+              <a:buNone/>
+            </a:pPr>
+            <a:endParaRPr lang="en-US" b="0" dirty="0">
+              <a:solidFill>
+                <a:srgbClr val="D4D4D4"/>
+              </a:solidFill>
+              <a:effectLst/>
+              <a:latin typeface="Menlo" panose="020B0609030804020204" pitchFamily="49" charset="0"/>
+            </a:endParaRPr>
+          </a:p>
+          <a:p>
+            <a:pPr marL="0" indent="0">
+              <a:buNone/>
+            </a:pPr>
+            <a:r>
+              <a:rPr lang="en-US" b="0" i="0" u="none" strike="noStrike" dirty="0">
+                <a:effectLst/>
+                <a:latin typeface="Google Sans"/>
+              </a:rPr>
+              <a:t>cout</a:t>
+            </a:r>
+            <a:r>
+              <a:rPr lang="ru-RU" b="0" i="0" u="none" strike="noStrike" dirty="0">
+                <a:effectLst/>
+                <a:latin typeface="Google Sans"/>
+              </a:rPr>
+              <a:t> - это объект выходного потока пространства имен </a:t>
+            </a:r>
+            <a:r>
+              <a:rPr lang="en" b="0" i="0" u="none" strike="noStrike" dirty="0">
+                <a:effectLst/>
+                <a:latin typeface="Google Sans"/>
+              </a:rPr>
+              <a:t>std.</a:t>
+            </a:r>
+            <a:r>
+              <a:rPr lang="ru-RU" b="0" i="0" u="none" strike="noStrike" dirty="0">
+                <a:effectLst/>
+                <a:latin typeface="Google Sans"/>
+              </a:rPr>
+              <a:t> С помощью него,</a:t>
+            </a:r>
+            <a:r>
+              <a:rPr lang="en-US" b="0" i="0" u="none" strike="noStrike" dirty="0">
+                <a:effectLst/>
+                <a:latin typeface="Google Sans"/>
+              </a:rPr>
+              <a:t> </a:t>
+            </a:r>
+            <a:r>
+              <a:rPr lang="ru-RU" b="0" i="0" u="none" strike="noStrike" dirty="0">
+                <a:effectLst/>
+                <a:latin typeface="Google Sans"/>
+              </a:rPr>
+              <a:t>мы можем выводить данные.</a:t>
+            </a:r>
+            <a:endParaRPr lang="ru-RU" b="0" dirty="0">
+              <a:effectLst/>
+              <a:latin typeface="Menlo" panose="020B0609030804020204" pitchFamily="49" charset="0"/>
+            </a:endParaRPr>
+          </a:p>
+        </p:txBody>
+      </p:sp>
+    </p:spTree>
+    <p:extLst>
+      <p:ext uri="{BB962C8B-B14F-4D97-AF65-F5344CB8AC3E}">
+        <p14:creationId xmlns:p14="http://schemas.microsoft.com/office/powerpoint/2010/main" val="1171286109"/>
+      </p:ext>
+    </p:extLst>
+  </p:cSld>
+  <p:clrMapOvr>
+    <a:masterClrMapping/>
+  </p:clrMapOvr>
+</p:sld>
+</file>
+
+<file path=ppt/slides/slide36.xml><?xml version="1.0" encoding="utf-8"?>
+<p:sld xmlns:a="http://schemas.openxmlformats.org/drawingml/2006/main" xmlns:r="http://schemas.openxmlformats.org/officeDocument/2006/relationships" xmlns:p="http://schemas.openxmlformats.org/presentationml/2006/main">
+  <p:cSld>
+    <p:spTree>
+      <p:nvGrpSpPr>
+        <p:cNvPr id="1" name=""/>
+        <p:cNvGrpSpPr/>
+        <p:nvPr/>
+      </p:nvGrpSpPr>
+      <p:grpSpPr>
+        <a:xfrm>
+          <a:off x="0" y="0"/>
+          <a:ext cx="0" cy="0"/>
+          <a:chOff x="0" y="0"/>
+          <a:chExt cx="0" cy="0"/>
+        </a:xfrm>
+      </p:grpSpPr>
+      <p:sp>
+        <p:nvSpPr>
+          <p:cNvPr id="2" name="Заголовок 1">
+            <a:extLst>
+              <a:ext uri="{FF2B5EF4-FFF2-40B4-BE49-F238E27FC236}">
+                <a16:creationId xmlns:a16="http://schemas.microsoft.com/office/drawing/2014/main" id="{60800165-270C-CC12-FC9A-97743B0BD8BF}"/>
+              </a:ext>
+            </a:extLst>
+          </p:cNvPr>
+          <p:cNvSpPr>
+            <a:spLocks noGrp="1"/>
+          </p:cNvSpPr>
+          <p:nvPr>
+            <p:ph type="title"/>
+          </p:nvPr>
+        </p:nvSpPr>
+        <p:spPr/>
+        <p:txBody>
+          <a:bodyPr/>
+          <a:lstStyle/>
+          <a:p>
+            <a:r>
+              <a:rPr lang="ru-RU" dirty="0"/>
+              <a:t>Завершение функции</a:t>
+            </a:r>
+          </a:p>
+        </p:txBody>
+      </p:sp>
+      <p:sp>
+        <p:nvSpPr>
+          <p:cNvPr id="3" name="Объект 2">
+            <a:extLst>
+              <a:ext uri="{FF2B5EF4-FFF2-40B4-BE49-F238E27FC236}">
+                <a16:creationId xmlns:a16="http://schemas.microsoft.com/office/drawing/2014/main" id="{AE1E226A-3D97-F36E-07DE-E6FA1D03078C}"/>
+              </a:ext>
+            </a:extLst>
+          </p:cNvPr>
+          <p:cNvSpPr>
+            <a:spLocks noGrp="1"/>
+          </p:cNvSpPr>
+          <p:nvPr>
+            <p:ph idx="1"/>
+          </p:nvPr>
+        </p:nvSpPr>
+        <p:spPr>
+          <a:xfrm>
+            <a:off x="838200" y="1825625"/>
+            <a:ext cx="10515600" cy="3488653"/>
+          </a:xfrm>
+        </p:spPr>
+        <p:txBody>
+          <a:bodyPr/>
+          <a:lstStyle/>
+          <a:p>
+            <a:pPr marL="0" indent="0">
+              <a:buNone/>
+            </a:pPr>
+            <a:r>
+              <a:rPr lang="en" b="0" dirty="0">
+                <a:solidFill>
+                  <a:srgbClr val="C586C0"/>
+                </a:solidFill>
+                <a:effectLst/>
+                <a:latin typeface="Menlo" panose="020B0609030804020204" pitchFamily="49" charset="0"/>
+              </a:rPr>
+              <a:t>return</a:t>
+            </a:r>
+            <a:r>
+              <a:rPr lang="en" b="0" dirty="0">
+                <a:solidFill>
+                  <a:srgbClr val="D4D4D4"/>
+                </a:solidFill>
+                <a:effectLst/>
+                <a:latin typeface="Menlo" panose="020B0609030804020204" pitchFamily="49" charset="0"/>
+              </a:rPr>
+              <a:t> </a:t>
+            </a:r>
+            <a:r>
+              <a:rPr lang="en" b="0" dirty="0">
+                <a:solidFill>
+                  <a:srgbClr val="B5CEA8"/>
+                </a:solidFill>
+                <a:effectLst/>
+                <a:latin typeface="Menlo" panose="020B0609030804020204" pitchFamily="49" charset="0"/>
+              </a:rPr>
+              <a:t>0</a:t>
+            </a:r>
+            <a:r>
+              <a:rPr lang="en" b="0" dirty="0">
+                <a:solidFill>
+                  <a:srgbClr val="D4D4D4"/>
+                </a:solidFill>
+                <a:effectLst/>
+                <a:latin typeface="Menlo" panose="020B0609030804020204" pitchFamily="49" charset="0"/>
+              </a:rPr>
+              <a:t>;</a:t>
+            </a:r>
+            <a:endParaRPr lang="ru-RU" dirty="0"/>
+          </a:p>
+          <a:p>
+            <a:pPr marL="0" indent="0">
+              <a:buNone/>
+            </a:pPr>
+            <a:endParaRPr lang="ru-RU" dirty="0"/>
+          </a:p>
+          <a:p>
+            <a:pPr marL="0" indent="0">
+              <a:buNone/>
+            </a:pPr>
+            <a:r>
+              <a:rPr lang="ru-RU" b="0" i="0" u="none" strike="noStrike" dirty="0">
+                <a:effectLst/>
+                <a:latin typeface="Google Sans"/>
+              </a:rPr>
+              <a:t>Инструкция </a:t>
+            </a:r>
+            <a:r>
+              <a:rPr lang="en" b="0" i="0" u="none" strike="noStrike" dirty="0">
+                <a:effectLst/>
+                <a:latin typeface="Google Sans"/>
+              </a:rPr>
+              <a:t>return </a:t>
+            </a:r>
+            <a:r>
+              <a:rPr lang="ru-RU" b="0" i="0" u="none" strike="noStrike" dirty="0">
+                <a:effectLst/>
+                <a:latin typeface="Google Sans"/>
+              </a:rPr>
+              <a:t>обеспечивает механизм завершения работы функции. Если оператор </a:t>
+            </a:r>
+            <a:r>
+              <a:rPr lang="en" b="0" i="0" u="none" strike="noStrike" dirty="0">
+                <a:effectLst/>
+                <a:latin typeface="Google Sans"/>
+              </a:rPr>
+              <a:t>return </a:t>
+            </a:r>
+            <a:r>
+              <a:rPr lang="ru-RU" b="0" i="0" u="none" strike="noStrike" dirty="0">
+                <a:effectLst/>
+                <a:latin typeface="Google Sans"/>
+              </a:rPr>
+              <a:t>сопровождается некоторым значением (в данном примере 0), это значение становится возвращаемым значением функции. В нашем примере возвращаемое значение 0 говорит об успешном выполнении функции </a:t>
+            </a:r>
+            <a:r>
+              <a:rPr lang="en" b="0" i="0" u="none" strike="noStrike" dirty="0">
+                <a:effectLst/>
+                <a:latin typeface="Google Sans"/>
+              </a:rPr>
+              <a:t>main().</a:t>
+            </a:r>
+            <a:endParaRPr lang="ru-RU" dirty="0"/>
+          </a:p>
+        </p:txBody>
+      </p:sp>
+    </p:spTree>
+    <p:extLst>
+      <p:ext uri="{BB962C8B-B14F-4D97-AF65-F5344CB8AC3E}">
+        <p14:creationId xmlns:p14="http://schemas.microsoft.com/office/powerpoint/2010/main" val="2117744522"/>
+      </p:ext>
+    </p:extLst>
+  </p:cSld>
+  <p:clrMapOvr>
+    <a:masterClrMapping/>
+  </p:clrMapOvr>
+</p:sld>
+</file>
+
+<file path=ppt/slides/slide37.xml><?xml version="1.0" encoding="utf-8"?>
+<p:sld xmlns:a="http://schemas.openxmlformats.org/drawingml/2006/main" xmlns:r="http://schemas.openxmlformats.org/officeDocument/2006/relationships" xmlns:p="http://schemas.openxmlformats.org/presentationml/2006/main">
+  <p:cSld>
+    <p:bg>
+      <p:bgPr>
+        <a:solidFill>
+          <a:srgbClr val="7030A0"/>
+        </a:solidFill>
+        <a:effectLst/>
+      </p:bgPr>
+    </p:bg>
+    <p:spTree>
+      <p:nvGrpSpPr>
+        <p:cNvPr id="1" name=""/>
+        <p:cNvGrpSpPr/>
+        <p:nvPr/>
+      </p:nvGrpSpPr>
+      <p:grpSpPr>
+        <a:xfrm>
+          <a:off x="0" y="0"/>
+          <a:ext cx="0" cy="0"/>
+          <a:chOff x="0" y="0"/>
+          <a:chExt cx="0" cy="0"/>
+        </a:xfrm>
+      </p:grpSpPr>
+      <p:sp>
+        <p:nvSpPr>
+          <p:cNvPr id="2" name="Заголовок 1">
+            <a:extLst>
+              <a:ext uri="{FF2B5EF4-FFF2-40B4-BE49-F238E27FC236}">
+                <a16:creationId xmlns:a16="http://schemas.microsoft.com/office/drawing/2014/main" id="{1B304194-263A-D130-B9DC-B02D1E8EB9E9}"/>
+              </a:ext>
+            </a:extLst>
+          </p:cNvPr>
+          <p:cNvSpPr>
+            <a:spLocks noGrp="1"/>
+          </p:cNvSpPr>
+          <p:nvPr>
+            <p:ph type="title"/>
+          </p:nvPr>
+        </p:nvSpPr>
+        <p:spPr>
+          <a:xfrm>
+            <a:off x="2290118" y="2766218"/>
+            <a:ext cx="7611764" cy="1325563"/>
+          </a:xfrm>
+        </p:spPr>
+        <p:txBody>
+          <a:bodyPr>
+            <a:normAutofit fontScale="90000"/>
+          </a:bodyPr>
+          <a:lstStyle/>
+          <a:p>
+            <a:r>
+              <a:rPr lang="ru-RU" sz="5400" b="1" dirty="0">
+                <a:solidFill>
+                  <a:schemeClr val="bg1"/>
+                </a:solidFill>
+                <a:latin typeface="Arial" panose="020B0604020202020204" pitchFamily="34" charset="0"/>
+                <a:cs typeface="Arial" panose="020B0604020202020204" pitchFamily="34" charset="0"/>
+              </a:rPr>
+              <a:t>Управляющие символы</a:t>
+            </a:r>
+          </a:p>
+        </p:txBody>
+      </p:sp>
+    </p:spTree>
+    <p:extLst>
+      <p:ext uri="{BB962C8B-B14F-4D97-AF65-F5344CB8AC3E}">
+        <p14:creationId xmlns:p14="http://schemas.microsoft.com/office/powerpoint/2010/main" val="844139298"/>
+      </p:ext>
+    </p:extLst>
+  </p:cSld>
+  <p:clrMapOvr>
+    <a:masterClrMapping/>
+  </p:clrMapOvr>
+</p:sld>
+</file>
+
+<file path=ppt/slides/slide38.xml><?xml version="1.0" encoding="utf-8"?>
+<p:sld xmlns:a="http://schemas.openxmlformats.org/drawingml/2006/main" xmlns:r="http://schemas.openxmlformats.org/officeDocument/2006/relationships" xmlns:p="http://schemas.openxmlformats.org/presentationml/2006/main">
+  <p:cSld>
+    <p:spTree>
+      <p:nvGrpSpPr>
+        <p:cNvPr id="1" name=""/>
+        <p:cNvGrpSpPr/>
+        <p:nvPr/>
+      </p:nvGrpSpPr>
+      <p:grpSpPr>
+        <a:xfrm>
+          <a:off x="0" y="0"/>
+          <a:ext cx="0" cy="0"/>
+          <a:chOff x="0" y="0"/>
+          <a:chExt cx="0" cy="0"/>
+        </a:xfrm>
+      </p:grpSpPr>
+      <p:sp>
+        <p:nvSpPr>
+          <p:cNvPr id="2" name="Заголовок 1">
+            <a:extLst>
+              <a:ext uri="{FF2B5EF4-FFF2-40B4-BE49-F238E27FC236}">
+                <a16:creationId xmlns:a16="http://schemas.microsoft.com/office/drawing/2014/main" id="{FC5A93C0-71E3-99EB-8465-8CEC5388A283}"/>
+              </a:ext>
+            </a:extLst>
+          </p:cNvPr>
+          <p:cNvSpPr>
+            <a:spLocks noGrp="1"/>
+          </p:cNvSpPr>
+          <p:nvPr>
+            <p:ph type="title"/>
+          </p:nvPr>
+        </p:nvSpPr>
+        <p:spPr/>
+        <p:txBody>
+          <a:bodyPr/>
+          <a:lstStyle/>
+          <a:p>
+            <a:r>
+              <a:rPr lang="ru-RU" dirty="0"/>
+              <a:t>Управляющие символы в С++</a:t>
+            </a:r>
+          </a:p>
+        </p:txBody>
+      </p:sp>
+      <p:sp>
+        <p:nvSpPr>
+          <p:cNvPr id="3" name="Объект 2">
+            <a:extLst>
+              <a:ext uri="{FF2B5EF4-FFF2-40B4-BE49-F238E27FC236}">
+                <a16:creationId xmlns:a16="http://schemas.microsoft.com/office/drawing/2014/main" id="{3875CDF5-B6EC-B71B-9849-128DFE9CAB5C}"/>
+              </a:ext>
+            </a:extLst>
+          </p:cNvPr>
+          <p:cNvSpPr>
+            <a:spLocks noGrp="1"/>
+          </p:cNvSpPr>
+          <p:nvPr>
+            <p:ph idx="1"/>
+          </p:nvPr>
+        </p:nvSpPr>
+        <p:spPr/>
+        <p:txBody>
+          <a:bodyPr/>
+          <a:lstStyle/>
+          <a:p>
+            <a:endParaRPr lang="ru-RU" dirty="0"/>
+          </a:p>
+        </p:txBody>
+      </p:sp>
+    </p:spTree>
+    <p:extLst>
+      <p:ext uri="{BB962C8B-B14F-4D97-AF65-F5344CB8AC3E}">
+        <p14:creationId xmlns:p14="http://schemas.microsoft.com/office/powerpoint/2010/main" val="2898741548"/>
+      </p:ext>
+    </p:extLst>
+  </p:cSld>
+  <p:clrMapOvr>
+    <a:masterClrMapping/>
+  </p:clrMapOvr>
+</p:sld>
+</file>
+
+<file path=ppt/slides/slide39.xml><?xml version="1.0" encoding="utf-8"?>
+<p:sld xmlns:a="http://schemas.openxmlformats.org/drawingml/2006/main" xmlns:r="http://schemas.openxmlformats.org/officeDocument/2006/relationships" xmlns:p="http://schemas.openxmlformats.org/presentationml/2006/main">
+  <p:cSld>
+    <p:spTree>
+      <p:nvGrpSpPr>
+        <p:cNvPr id="1" name=""/>
+        <p:cNvGrpSpPr/>
+        <p:nvPr/>
+      </p:nvGrpSpPr>
+      <p:grpSpPr>
+        <a:xfrm>
+          <a:off x="0" y="0"/>
+          <a:ext cx="0" cy="0"/>
+          <a:chOff x="0" y="0"/>
+          <a:chExt cx="0" cy="0"/>
+        </a:xfrm>
+      </p:grpSpPr>
+      <p:sp>
+        <p:nvSpPr>
+          <p:cNvPr id="2" name="Заголовок 1">
+            <a:extLst>
+              <a:ext uri="{FF2B5EF4-FFF2-40B4-BE49-F238E27FC236}">
+                <a16:creationId xmlns:a16="http://schemas.microsoft.com/office/drawing/2014/main" id="{FC5A93C0-71E3-99EB-8465-8CEC5388A283}"/>
+              </a:ext>
+            </a:extLst>
+          </p:cNvPr>
+          <p:cNvSpPr>
+            <a:spLocks noGrp="1"/>
+          </p:cNvSpPr>
+          <p:nvPr>
+            <p:ph type="title"/>
+          </p:nvPr>
+        </p:nvSpPr>
+        <p:spPr/>
+        <p:txBody>
+          <a:bodyPr/>
+          <a:lstStyle/>
+          <a:p>
+            <a:r>
+              <a:rPr lang="ru-RU" dirty="0"/>
+              <a:t>Управляющие символы в С++</a:t>
+            </a:r>
+          </a:p>
+        </p:txBody>
+      </p:sp>
+      <p:sp>
+        <p:nvSpPr>
+          <p:cNvPr id="3" name="Объект 2">
+            <a:extLst>
+              <a:ext uri="{FF2B5EF4-FFF2-40B4-BE49-F238E27FC236}">
+                <a16:creationId xmlns:a16="http://schemas.microsoft.com/office/drawing/2014/main" id="{3875CDF5-B6EC-B71B-9849-128DFE9CAB5C}"/>
+              </a:ext>
+            </a:extLst>
+          </p:cNvPr>
+          <p:cNvSpPr>
+            <a:spLocks noGrp="1"/>
+          </p:cNvSpPr>
+          <p:nvPr>
+            <p:ph idx="1"/>
+          </p:nvPr>
+        </p:nvSpPr>
+        <p:spPr/>
+        <p:txBody>
+          <a:bodyPr/>
+          <a:lstStyle/>
+          <a:p>
+            <a:r>
+              <a:rPr lang="ru-RU" dirty="0"/>
+              <a:t>\</a:t>
+            </a:r>
+            <a:r>
+              <a:rPr lang="en-US" dirty="0"/>
+              <a:t>n – </a:t>
+            </a:r>
+            <a:r>
+              <a:rPr lang="en-US" dirty="0" err="1"/>
+              <a:t>п</a:t>
+            </a:r>
+            <a:r>
+              <a:rPr lang="ru-RU" dirty="0" err="1"/>
+              <a:t>еренос</a:t>
+            </a:r>
+            <a:r>
+              <a:rPr lang="ru-RU" dirty="0"/>
+              <a:t> строки</a:t>
+            </a:r>
+          </a:p>
+        </p:txBody>
+      </p:sp>
+    </p:spTree>
+    <p:extLst>
+      <p:ext uri="{BB962C8B-B14F-4D97-AF65-F5344CB8AC3E}">
+        <p14:creationId xmlns:p14="http://schemas.microsoft.com/office/powerpoint/2010/main" val="1118647056"/>
+      </p:ext>
+    </p:extLst>
+  </p:cSld>
+  <p:clrMapOvr>
+    <a:masterClrMapping/>
+  </p:clrMapOvr>
+</p:sld>
+</file>
+
+<file path=ppt/slides/slide4.xml><?xml version="1.0" encoding="utf-8"?>
+<p:sld xmlns:a="http://schemas.openxmlformats.org/drawingml/2006/main" xmlns:r="http://schemas.openxmlformats.org/officeDocument/2006/relationships" xmlns:p="http://schemas.openxmlformats.org/presentationml/2006/main">
+  <p:cSld>
+    <p:spTree>
+      <p:nvGrpSpPr>
+        <p:cNvPr id="1" name=""/>
+        <p:cNvGrpSpPr/>
+        <p:nvPr/>
+      </p:nvGrpSpPr>
+      <p:grpSpPr>
+        <a:xfrm>
+          <a:off x="0" y="0"/>
+          <a:ext cx="0" cy="0"/>
+          <a:chOff x="0" y="0"/>
+          <a:chExt cx="0" cy="0"/>
+        </a:xfrm>
+      </p:grpSpPr>
+      <p:sp>
+        <p:nvSpPr>
+          <p:cNvPr id="2" name="Заголовок 1">
+            <a:extLst>
+              <a:ext uri="{FF2B5EF4-FFF2-40B4-BE49-F238E27FC236}">
+                <a16:creationId xmlns:a16="http://schemas.microsoft.com/office/drawing/2014/main" id="{0C8A4686-D922-AA82-B045-219284CB5EA5}"/>
+              </a:ext>
+            </a:extLst>
+          </p:cNvPr>
+          <p:cNvSpPr>
+            <a:spLocks noGrp="1"/>
+          </p:cNvSpPr>
+          <p:nvPr>
+            <p:ph type="title"/>
+          </p:nvPr>
+        </p:nvSpPr>
+        <p:spPr/>
+        <p:txBody>
+          <a:bodyPr/>
+          <a:lstStyle/>
+          <a:p>
+            <a:r>
+              <a:rPr lang="ru-RU" dirty="0"/>
+              <a:t>Что пишут на С++?</a:t>
+            </a:r>
+          </a:p>
+        </p:txBody>
+      </p:sp>
+      <p:sp>
+        <p:nvSpPr>
+          <p:cNvPr id="3" name="Объект 2">
+            <a:extLst>
+              <a:ext uri="{FF2B5EF4-FFF2-40B4-BE49-F238E27FC236}">
+                <a16:creationId xmlns:a16="http://schemas.microsoft.com/office/drawing/2014/main" id="{B7AA3B04-5D4F-9ACE-4AD2-2963BB477C35}"/>
+              </a:ext>
+            </a:extLst>
+          </p:cNvPr>
+          <p:cNvSpPr>
+            <a:spLocks noGrp="1"/>
+          </p:cNvSpPr>
+          <p:nvPr>
+            <p:ph idx="1"/>
+          </p:nvPr>
+        </p:nvSpPr>
+        <p:spPr/>
+        <p:txBody>
+          <a:bodyPr/>
+          <a:lstStyle/>
+          <a:p>
+            <a:pPr marL="0" indent="0">
+              <a:buNone/>
+            </a:pPr>
+            <a:endParaRPr lang="ru-RU" dirty="0"/>
+          </a:p>
+        </p:txBody>
+      </p:sp>
+    </p:spTree>
+    <p:extLst>
+      <p:ext uri="{BB962C8B-B14F-4D97-AF65-F5344CB8AC3E}">
+        <p14:creationId xmlns:p14="http://schemas.microsoft.com/office/powerpoint/2010/main" val="2684269393"/>
+      </p:ext>
+    </p:extLst>
+  </p:cSld>
+  <p:clrMapOvr>
+    <a:masterClrMapping/>
+  </p:clrMapOvr>
+</p:sld>
+</file>
+
+<file path=ppt/slides/slide40.xml><?xml version="1.0" encoding="utf-8"?>
+<p:sld xmlns:a="http://schemas.openxmlformats.org/drawingml/2006/main" xmlns:r="http://schemas.openxmlformats.org/officeDocument/2006/relationships" xmlns:p="http://schemas.openxmlformats.org/presentationml/2006/main">
+  <p:cSld>
+    <p:spTree>
+      <p:nvGrpSpPr>
+        <p:cNvPr id="1" name=""/>
+        <p:cNvGrpSpPr/>
+        <p:nvPr/>
+      </p:nvGrpSpPr>
+      <p:grpSpPr>
+        <a:xfrm>
+          <a:off x="0" y="0"/>
+          <a:ext cx="0" cy="0"/>
+          <a:chOff x="0" y="0"/>
+          <a:chExt cx="0" cy="0"/>
+        </a:xfrm>
+      </p:grpSpPr>
+      <p:sp>
+        <p:nvSpPr>
+          <p:cNvPr id="2" name="Заголовок 1">
+            <a:extLst>
+              <a:ext uri="{FF2B5EF4-FFF2-40B4-BE49-F238E27FC236}">
+                <a16:creationId xmlns:a16="http://schemas.microsoft.com/office/drawing/2014/main" id="{FC5A93C0-71E3-99EB-8465-8CEC5388A283}"/>
+              </a:ext>
+            </a:extLst>
+          </p:cNvPr>
+          <p:cNvSpPr>
+            <a:spLocks noGrp="1"/>
+          </p:cNvSpPr>
+          <p:nvPr>
+            <p:ph type="title"/>
+          </p:nvPr>
+        </p:nvSpPr>
+        <p:spPr/>
+        <p:txBody>
+          <a:bodyPr/>
+          <a:lstStyle/>
+          <a:p>
+            <a:r>
+              <a:rPr lang="ru-RU" dirty="0"/>
+              <a:t>Управляющие символы в С++</a:t>
+            </a:r>
+          </a:p>
+        </p:txBody>
+      </p:sp>
+      <p:sp>
+        <p:nvSpPr>
+          <p:cNvPr id="3" name="Объект 2">
+            <a:extLst>
+              <a:ext uri="{FF2B5EF4-FFF2-40B4-BE49-F238E27FC236}">
+                <a16:creationId xmlns:a16="http://schemas.microsoft.com/office/drawing/2014/main" id="{3875CDF5-B6EC-B71B-9849-128DFE9CAB5C}"/>
+              </a:ext>
+            </a:extLst>
+          </p:cNvPr>
+          <p:cNvSpPr>
+            <a:spLocks noGrp="1"/>
+          </p:cNvSpPr>
+          <p:nvPr>
+            <p:ph idx="1"/>
+          </p:nvPr>
+        </p:nvSpPr>
+        <p:spPr/>
+        <p:txBody>
+          <a:bodyPr/>
+          <a:lstStyle/>
+          <a:p>
+            <a:r>
+              <a:rPr lang="ru-RU" dirty="0"/>
+              <a:t>\</a:t>
+            </a:r>
+            <a:r>
+              <a:rPr lang="en-US" dirty="0"/>
+              <a:t>n – </a:t>
+            </a:r>
+            <a:r>
+              <a:rPr lang="en-US" dirty="0" err="1"/>
+              <a:t>п</a:t>
+            </a:r>
+            <a:r>
+              <a:rPr lang="ru-RU" dirty="0" err="1"/>
+              <a:t>еренос</a:t>
+            </a:r>
+            <a:r>
+              <a:rPr lang="ru-RU" dirty="0"/>
+              <a:t> строки</a:t>
+            </a:r>
+            <a:r>
+              <a:rPr lang="en-US" dirty="0"/>
+              <a:t> (</a:t>
+            </a:r>
+            <a:r>
+              <a:rPr lang="ru-RU" dirty="0" err="1"/>
+              <a:t>s</a:t>
+            </a:r>
+            <a:r>
+              <a:rPr lang="en-US" dirty="0"/>
+              <a:t>td::</a:t>
+            </a:r>
+            <a:r>
+              <a:rPr lang="en-US" dirty="0" err="1"/>
+              <a:t>endl</a:t>
+            </a:r>
+            <a:r>
+              <a:rPr lang="en-US" dirty="0"/>
+              <a:t>)</a:t>
+            </a:r>
+            <a:endParaRPr lang="ru-RU" dirty="0"/>
+          </a:p>
+        </p:txBody>
+      </p:sp>
+    </p:spTree>
+    <p:extLst>
+      <p:ext uri="{BB962C8B-B14F-4D97-AF65-F5344CB8AC3E}">
+        <p14:creationId xmlns:p14="http://schemas.microsoft.com/office/powerpoint/2010/main" val="2766219870"/>
+      </p:ext>
+    </p:extLst>
+  </p:cSld>
+  <p:clrMapOvr>
+    <a:masterClrMapping/>
+  </p:clrMapOvr>
+</p:sld>
+</file>
+
+<file path=ppt/slides/slide41.xml><?xml version="1.0" encoding="utf-8"?>
+<p:sld xmlns:a="http://schemas.openxmlformats.org/drawingml/2006/main" xmlns:r="http://schemas.openxmlformats.org/officeDocument/2006/relationships" xmlns:p="http://schemas.openxmlformats.org/presentationml/2006/main">
+  <p:cSld>
+    <p:spTree>
+      <p:nvGrpSpPr>
+        <p:cNvPr id="1" name=""/>
+        <p:cNvGrpSpPr/>
+        <p:nvPr/>
+      </p:nvGrpSpPr>
+      <p:grpSpPr>
+        <a:xfrm>
+          <a:off x="0" y="0"/>
+          <a:ext cx="0" cy="0"/>
+          <a:chOff x="0" y="0"/>
+          <a:chExt cx="0" cy="0"/>
+        </a:xfrm>
+      </p:grpSpPr>
+      <p:sp>
+        <p:nvSpPr>
+          <p:cNvPr id="2" name="Заголовок 1">
+            <a:extLst>
+              <a:ext uri="{FF2B5EF4-FFF2-40B4-BE49-F238E27FC236}">
+                <a16:creationId xmlns:a16="http://schemas.microsoft.com/office/drawing/2014/main" id="{FC5A93C0-71E3-99EB-8465-8CEC5388A283}"/>
+              </a:ext>
+            </a:extLst>
+          </p:cNvPr>
+          <p:cNvSpPr>
+            <a:spLocks noGrp="1"/>
+          </p:cNvSpPr>
+          <p:nvPr>
+            <p:ph type="title"/>
+          </p:nvPr>
+        </p:nvSpPr>
+        <p:spPr/>
+        <p:txBody>
+          <a:bodyPr/>
+          <a:lstStyle/>
+          <a:p>
+            <a:r>
+              <a:rPr lang="ru-RU" dirty="0"/>
+              <a:t>Управляющие символы в С++</a:t>
+            </a:r>
+          </a:p>
+        </p:txBody>
+      </p:sp>
+      <p:sp>
+        <p:nvSpPr>
+          <p:cNvPr id="3" name="Объект 2">
+            <a:extLst>
+              <a:ext uri="{FF2B5EF4-FFF2-40B4-BE49-F238E27FC236}">
+                <a16:creationId xmlns:a16="http://schemas.microsoft.com/office/drawing/2014/main" id="{3875CDF5-B6EC-B71B-9849-128DFE9CAB5C}"/>
+              </a:ext>
+            </a:extLst>
+          </p:cNvPr>
+          <p:cNvSpPr>
+            <a:spLocks noGrp="1"/>
+          </p:cNvSpPr>
+          <p:nvPr>
+            <p:ph idx="1"/>
+          </p:nvPr>
+        </p:nvSpPr>
+        <p:spPr/>
+        <p:txBody>
+          <a:bodyPr/>
+          <a:lstStyle/>
+          <a:p>
+            <a:r>
+              <a:rPr lang="ru-RU" dirty="0"/>
+              <a:t>\</a:t>
+            </a:r>
+            <a:r>
+              <a:rPr lang="en-US" dirty="0"/>
+              <a:t>n – </a:t>
+            </a:r>
+            <a:r>
+              <a:rPr lang="en-US" dirty="0" err="1"/>
+              <a:t>п</a:t>
+            </a:r>
+            <a:r>
+              <a:rPr lang="ru-RU" dirty="0" err="1"/>
+              <a:t>еренос</a:t>
+            </a:r>
+            <a:r>
+              <a:rPr lang="ru-RU" dirty="0"/>
+              <a:t> строки</a:t>
+            </a:r>
+            <a:r>
+              <a:rPr lang="en-US" dirty="0"/>
+              <a:t> (</a:t>
+            </a:r>
+            <a:r>
+              <a:rPr lang="ru-RU" dirty="0" err="1"/>
+              <a:t>s</a:t>
+            </a:r>
+            <a:r>
+              <a:rPr lang="en-US" dirty="0"/>
+              <a:t>td::</a:t>
+            </a:r>
+            <a:r>
+              <a:rPr lang="en-US" dirty="0" err="1"/>
+              <a:t>endl</a:t>
+            </a:r>
+            <a:r>
+              <a:rPr lang="en-US" dirty="0"/>
+              <a:t>)</a:t>
+            </a:r>
+          </a:p>
+          <a:p>
+            <a:r>
+              <a:rPr lang="en-US" dirty="0"/>
+              <a:t>\t – </a:t>
+            </a:r>
+            <a:r>
+              <a:rPr lang="ru-RU" dirty="0"/>
+              <a:t>горизонтальная табуляция</a:t>
+            </a:r>
+          </a:p>
+        </p:txBody>
+      </p:sp>
+    </p:spTree>
+    <p:extLst>
+      <p:ext uri="{BB962C8B-B14F-4D97-AF65-F5344CB8AC3E}">
+        <p14:creationId xmlns:p14="http://schemas.microsoft.com/office/powerpoint/2010/main" val="1994796863"/>
+      </p:ext>
+    </p:extLst>
+  </p:cSld>
+  <p:clrMapOvr>
+    <a:masterClrMapping/>
+  </p:clrMapOvr>
+</p:sld>
+</file>
+
+<file path=ppt/slides/slide42.xml><?xml version="1.0" encoding="utf-8"?>
+<p:sld xmlns:a="http://schemas.openxmlformats.org/drawingml/2006/main" xmlns:r="http://schemas.openxmlformats.org/officeDocument/2006/relationships" xmlns:p="http://schemas.openxmlformats.org/presentationml/2006/main">
+  <p:cSld>
+    <p:spTree>
+      <p:nvGrpSpPr>
+        <p:cNvPr id="1" name=""/>
+        <p:cNvGrpSpPr/>
+        <p:nvPr/>
+      </p:nvGrpSpPr>
+      <p:grpSpPr>
+        <a:xfrm>
+          <a:off x="0" y="0"/>
+          <a:ext cx="0" cy="0"/>
+          <a:chOff x="0" y="0"/>
+          <a:chExt cx="0" cy="0"/>
+        </a:xfrm>
+      </p:grpSpPr>
+      <p:sp>
+        <p:nvSpPr>
+          <p:cNvPr id="2" name="Заголовок 1">
+            <a:extLst>
+              <a:ext uri="{FF2B5EF4-FFF2-40B4-BE49-F238E27FC236}">
+                <a16:creationId xmlns:a16="http://schemas.microsoft.com/office/drawing/2014/main" id="{FC5A93C0-71E3-99EB-8465-8CEC5388A283}"/>
+              </a:ext>
+            </a:extLst>
+          </p:cNvPr>
+          <p:cNvSpPr>
+            <a:spLocks noGrp="1"/>
+          </p:cNvSpPr>
+          <p:nvPr>
+            <p:ph type="title"/>
+          </p:nvPr>
+        </p:nvSpPr>
+        <p:spPr/>
+        <p:txBody>
+          <a:bodyPr/>
+          <a:lstStyle/>
+          <a:p>
+            <a:r>
+              <a:rPr lang="ru-RU" dirty="0"/>
+              <a:t>Управляющие символы в С++</a:t>
+            </a:r>
+          </a:p>
+        </p:txBody>
+      </p:sp>
+      <p:sp>
+        <p:nvSpPr>
+          <p:cNvPr id="3" name="Объект 2">
+            <a:extLst>
+              <a:ext uri="{FF2B5EF4-FFF2-40B4-BE49-F238E27FC236}">
+                <a16:creationId xmlns:a16="http://schemas.microsoft.com/office/drawing/2014/main" id="{3875CDF5-B6EC-B71B-9849-128DFE9CAB5C}"/>
+              </a:ext>
+            </a:extLst>
+          </p:cNvPr>
+          <p:cNvSpPr>
+            <a:spLocks noGrp="1"/>
+          </p:cNvSpPr>
+          <p:nvPr>
+            <p:ph idx="1"/>
+          </p:nvPr>
+        </p:nvSpPr>
+        <p:spPr/>
+        <p:txBody>
+          <a:bodyPr/>
+          <a:lstStyle/>
+          <a:p>
+            <a:r>
+              <a:rPr lang="ru-RU" dirty="0"/>
+              <a:t>\</a:t>
+            </a:r>
+            <a:r>
+              <a:rPr lang="en-US" dirty="0"/>
+              <a:t>n – </a:t>
+            </a:r>
+            <a:r>
+              <a:rPr lang="en-US" dirty="0" err="1"/>
+              <a:t>п</a:t>
+            </a:r>
+            <a:r>
+              <a:rPr lang="ru-RU" dirty="0" err="1"/>
+              <a:t>еренос</a:t>
+            </a:r>
+            <a:r>
+              <a:rPr lang="ru-RU" dirty="0"/>
+              <a:t> строки</a:t>
+            </a:r>
+            <a:r>
+              <a:rPr lang="en-US" dirty="0"/>
+              <a:t> (</a:t>
+            </a:r>
+            <a:r>
+              <a:rPr lang="ru-RU" dirty="0" err="1"/>
+              <a:t>s</a:t>
+            </a:r>
+            <a:r>
+              <a:rPr lang="en-US" dirty="0"/>
+              <a:t>td::</a:t>
+            </a:r>
+            <a:r>
+              <a:rPr lang="en-US" dirty="0" err="1"/>
+              <a:t>endl</a:t>
+            </a:r>
+            <a:r>
+              <a:rPr lang="en-US" dirty="0"/>
+              <a:t>)</a:t>
+            </a:r>
+          </a:p>
+          <a:p>
+            <a:r>
+              <a:rPr lang="en-US" dirty="0"/>
+              <a:t>\t – </a:t>
+            </a:r>
+            <a:r>
+              <a:rPr lang="ru-RU" dirty="0"/>
+              <a:t>горизонтальная табуляция</a:t>
+            </a:r>
+          </a:p>
+          <a:p>
+            <a:r>
+              <a:rPr lang="en-US" dirty="0"/>
+              <a:t>\v – </a:t>
+            </a:r>
+            <a:r>
+              <a:rPr lang="ru-RU" dirty="0"/>
+              <a:t>вертикальная табуляция</a:t>
+            </a:r>
+          </a:p>
+        </p:txBody>
+      </p:sp>
+    </p:spTree>
+    <p:extLst>
+      <p:ext uri="{BB962C8B-B14F-4D97-AF65-F5344CB8AC3E}">
+        <p14:creationId xmlns:p14="http://schemas.microsoft.com/office/powerpoint/2010/main" val="704628688"/>
+      </p:ext>
+    </p:extLst>
+  </p:cSld>
+  <p:clrMapOvr>
+    <a:masterClrMapping/>
+  </p:clrMapOvr>
+</p:sld>
+</file>
+
+<file path=ppt/slides/slide43.xml><?xml version="1.0" encoding="utf-8"?>
+<p:sld xmlns:a="http://schemas.openxmlformats.org/drawingml/2006/main" xmlns:r="http://schemas.openxmlformats.org/officeDocument/2006/relationships" xmlns:p="http://schemas.openxmlformats.org/presentationml/2006/main">
+  <p:cSld>
+    <p:spTree>
+      <p:nvGrpSpPr>
+        <p:cNvPr id="1" name=""/>
+        <p:cNvGrpSpPr/>
+        <p:nvPr/>
+      </p:nvGrpSpPr>
+      <p:grpSpPr>
+        <a:xfrm>
+          <a:off x="0" y="0"/>
+          <a:ext cx="0" cy="0"/>
+          <a:chOff x="0" y="0"/>
+          <a:chExt cx="0" cy="0"/>
+        </a:xfrm>
+      </p:grpSpPr>
+      <p:sp>
+        <p:nvSpPr>
+          <p:cNvPr id="2" name="Заголовок 1">
+            <a:extLst>
+              <a:ext uri="{FF2B5EF4-FFF2-40B4-BE49-F238E27FC236}">
+                <a16:creationId xmlns:a16="http://schemas.microsoft.com/office/drawing/2014/main" id="{FC5A93C0-71E3-99EB-8465-8CEC5388A283}"/>
+              </a:ext>
+            </a:extLst>
+          </p:cNvPr>
+          <p:cNvSpPr>
+            <a:spLocks noGrp="1"/>
+          </p:cNvSpPr>
+          <p:nvPr>
+            <p:ph type="title"/>
+          </p:nvPr>
+        </p:nvSpPr>
+        <p:spPr/>
+        <p:txBody>
+          <a:bodyPr/>
+          <a:lstStyle/>
+          <a:p>
+            <a:r>
+              <a:rPr lang="ru-RU" dirty="0"/>
+              <a:t>Управляющие символы в С++</a:t>
+            </a:r>
+          </a:p>
+        </p:txBody>
+      </p:sp>
+      <p:sp>
+        <p:nvSpPr>
+          <p:cNvPr id="3" name="Объект 2">
+            <a:extLst>
+              <a:ext uri="{FF2B5EF4-FFF2-40B4-BE49-F238E27FC236}">
+                <a16:creationId xmlns:a16="http://schemas.microsoft.com/office/drawing/2014/main" id="{3875CDF5-B6EC-B71B-9849-128DFE9CAB5C}"/>
+              </a:ext>
+            </a:extLst>
+          </p:cNvPr>
+          <p:cNvSpPr>
+            <a:spLocks noGrp="1"/>
+          </p:cNvSpPr>
+          <p:nvPr>
+            <p:ph idx="1"/>
+          </p:nvPr>
+        </p:nvSpPr>
+        <p:spPr/>
+        <p:txBody>
+          <a:bodyPr/>
+          <a:lstStyle/>
+          <a:p>
+            <a:r>
+              <a:rPr lang="ru-RU" dirty="0"/>
+              <a:t>\</a:t>
+            </a:r>
+            <a:r>
+              <a:rPr lang="en-US" dirty="0"/>
+              <a:t>n – </a:t>
+            </a:r>
+            <a:r>
+              <a:rPr lang="en-US" dirty="0" err="1"/>
+              <a:t>п</a:t>
+            </a:r>
+            <a:r>
+              <a:rPr lang="ru-RU" dirty="0" err="1"/>
+              <a:t>еренос</a:t>
+            </a:r>
+            <a:r>
+              <a:rPr lang="ru-RU" dirty="0"/>
+              <a:t> строки</a:t>
+            </a:r>
+            <a:r>
+              <a:rPr lang="en-US" dirty="0"/>
+              <a:t> (</a:t>
+            </a:r>
+            <a:r>
+              <a:rPr lang="ru-RU" dirty="0" err="1"/>
+              <a:t>s</a:t>
+            </a:r>
+            <a:r>
+              <a:rPr lang="en-US" dirty="0"/>
+              <a:t>td::</a:t>
+            </a:r>
+            <a:r>
+              <a:rPr lang="en-US" dirty="0" err="1"/>
+              <a:t>endl</a:t>
+            </a:r>
+            <a:r>
+              <a:rPr lang="en-US" dirty="0"/>
+              <a:t>)</a:t>
+            </a:r>
+          </a:p>
+          <a:p>
+            <a:r>
+              <a:rPr lang="en-US" dirty="0"/>
+              <a:t>\t – </a:t>
+            </a:r>
+            <a:r>
+              <a:rPr lang="ru-RU" dirty="0"/>
+              <a:t>горизонтальная табуляция</a:t>
+            </a:r>
+          </a:p>
+          <a:p>
+            <a:r>
+              <a:rPr lang="en-US" dirty="0"/>
+              <a:t>\v – </a:t>
+            </a:r>
+            <a:r>
+              <a:rPr lang="ru-RU" dirty="0"/>
+              <a:t>вертикальная табуляция</a:t>
+            </a:r>
+          </a:p>
+          <a:p>
+            <a:r>
+              <a:rPr lang="ru-RU" dirty="0"/>
+              <a:t>\</a:t>
+            </a:r>
+            <a:r>
+              <a:rPr lang="en-US" dirty="0"/>
+              <a:t>\</a:t>
+            </a:r>
+            <a:r>
+              <a:rPr lang="ru-RU" dirty="0"/>
+              <a:t> </a:t>
+            </a:r>
+            <a:r>
+              <a:rPr lang="en-US" dirty="0"/>
+              <a:t>–</a:t>
+            </a:r>
+            <a:r>
+              <a:rPr lang="ru-RU" dirty="0"/>
+              <a:t> обратный слэш</a:t>
+            </a:r>
+          </a:p>
+        </p:txBody>
+      </p:sp>
+    </p:spTree>
+    <p:extLst>
+      <p:ext uri="{BB962C8B-B14F-4D97-AF65-F5344CB8AC3E}">
+        <p14:creationId xmlns:p14="http://schemas.microsoft.com/office/powerpoint/2010/main" val="1886126490"/>
+      </p:ext>
+    </p:extLst>
+  </p:cSld>
+  <p:clrMapOvr>
+    <a:masterClrMapping/>
+  </p:clrMapOvr>
+</p:sld>
+</file>
+
+<file path=ppt/slides/slide44.xml><?xml version="1.0" encoding="utf-8"?>
+<p:sld xmlns:a="http://schemas.openxmlformats.org/drawingml/2006/main" xmlns:r="http://schemas.openxmlformats.org/officeDocument/2006/relationships" xmlns:p="http://schemas.openxmlformats.org/presentationml/2006/main">
+  <p:cSld>
+    <p:spTree>
+      <p:nvGrpSpPr>
+        <p:cNvPr id="1" name=""/>
+        <p:cNvGrpSpPr/>
+        <p:nvPr/>
+      </p:nvGrpSpPr>
+      <p:grpSpPr>
+        <a:xfrm>
+          <a:off x="0" y="0"/>
+          <a:ext cx="0" cy="0"/>
+          <a:chOff x="0" y="0"/>
+          <a:chExt cx="0" cy="0"/>
+        </a:xfrm>
+      </p:grpSpPr>
+      <p:sp>
+        <p:nvSpPr>
+          <p:cNvPr id="2" name="Заголовок 1">
+            <a:extLst>
+              <a:ext uri="{FF2B5EF4-FFF2-40B4-BE49-F238E27FC236}">
+                <a16:creationId xmlns:a16="http://schemas.microsoft.com/office/drawing/2014/main" id="{FC5A93C0-71E3-99EB-8465-8CEC5388A283}"/>
+              </a:ext>
+            </a:extLst>
+          </p:cNvPr>
+          <p:cNvSpPr>
+            <a:spLocks noGrp="1"/>
+          </p:cNvSpPr>
+          <p:nvPr>
+            <p:ph type="title"/>
+          </p:nvPr>
+        </p:nvSpPr>
+        <p:spPr/>
+        <p:txBody>
+          <a:bodyPr/>
+          <a:lstStyle/>
+          <a:p>
+            <a:r>
+              <a:rPr lang="ru-RU" dirty="0"/>
+              <a:t>Управляющие символы в С++</a:t>
+            </a:r>
+          </a:p>
+        </p:txBody>
+      </p:sp>
+      <p:sp>
+        <p:nvSpPr>
+          <p:cNvPr id="3" name="Объект 2">
+            <a:extLst>
+              <a:ext uri="{FF2B5EF4-FFF2-40B4-BE49-F238E27FC236}">
+                <a16:creationId xmlns:a16="http://schemas.microsoft.com/office/drawing/2014/main" id="{3875CDF5-B6EC-B71B-9849-128DFE9CAB5C}"/>
+              </a:ext>
+            </a:extLst>
+          </p:cNvPr>
+          <p:cNvSpPr>
+            <a:spLocks noGrp="1"/>
+          </p:cNvSpPr>
+          <p:nvPr>
+            <p:ph idx="1"/>
+          </p:nvPr>
+        </p:nvSpPr>
+        <p:spPr/>
+        <p:txBody>
+          <a:bodyPr/>
+          <a:lstStyle/>
+          <a:p>
+            <a:r>
+              <a:rPr lang="ru-RU" dirty="0"/>
+              <a:t>\</a:t>
+            </a:r>
+            <a:r>
+              <a:rPr lang="en-US" dirty="0"/>
+              <a:t>n – </a:t>
+            </a:r>
+            <a:r>
+              <a:rPr lang="en-US" dirty="0" err="1"/>
+              <a:t>п</a:t>
+            </a:r>
+            <a:r>
+              <a:rPr lang="ru-RU" dirty="0" err="1"/>
+              <a:t>еренос</a:t>
+            </a:r>
+            <a:r>
+              <a:rPr lang="ru-RU" dirty="0"/>
+              <a:t> строки</a:t>
+            </a:r>
+            <a:r>
+              <a:rPr lang="en-US" dirty="0"/>
+              <a:t> (</a:t>
+            </a:r>
+            <a:r>
+              <a:rPr lang="ru-RU" dirty="0" err="1"/>
+              <a:t>s</a:t>
+            </a:r>
+            <a:r>
+              <a:rPr lang="en-US" dirty="0"/>
+              <a:t>td::</a:t>
+            </a:r>
+            <a:r>
+              <a:rPr lang="en-US" dirty="0" err="1"/>
+              <a:t>endl</a:t>
+            </a:r>
+            <a:r>
+              <a:rPr lang="en-US" dirty="0"/>
+              <a:t>)</a:t>
+            </a:r>
+          </a:p>
+          <a:p>
+            <a:r>
+              <a:rPr lang="en-US" dirty="0"/>
+              <a:t>\t – </a:t>
+            </a:r>
+            <a:r>
+              <a:rPr lang="ru-RU" dirty="0"/>
+              <a:t>горизонтальная табуляция</a:t>
+            </a:r>
+          </a:p>
+          <a:p>
+            <a:r>
+              <a:rPr lang="en-US" dirty="0"/>
+              <a:t>\v – </a:t>
+            </a:r>
+            <a:r>
+              <a:rPr lang="ru-RU" dirty="0"/>
+              <a:t>вертикальная табуляция</a:t>
+            </a:r>
+          </a:p>
+          <a:p>
+            <a:r>
+              <a:rPr lang="ru-RU" dirty="0"/>
+              <a:t>\</a:t>
+            </a:r>
+            <a:r>
+              <a:rPr lang="en-US" dirty="0"/>
+              <a:t>\</a:t>
+            </a:r>
+            <a:r>
+              <a:rPr lang="ru-RU" dirty="0"/>
+              <a:t> </a:t>
+            </a:r>
+            <a:r>
+              <a:rPr lang="en-US" dirty="0"/>
+              <a:t>–</a:t>
+            </a:r>
+            <a:r>
+              <a:rPr lang="ru-RU" dirty="0"/>
+              <a:t> обратный слэш</a:t>
+            </a:r>
+          </a:p>
+          <a:p>
+            <a:r>
+              <a:rPr lang="en-US" dirty="0"/>
+              <a:t>\a – </a:t>
+            </a:r>
+            <a:r>
+              <a:rPr lang="ru-RU" dirty="0"/>
+              <a:t>сигнал </a:t>
+            </a:r>
+            <a:r>
+              <a:rPr lang="ru-RU" dirty="0" err="1"/>
+              <a:t>бипера</a:t>
+            </a:r>
+            <a:r>
+              <a:rPr lang="ru-RU" dirty="0"/>
+              <a:t> компьютера</a:t>
+            </a:r>
+          </a:p>
+        </p:txBody>
+      </p:sp>
+    </p:spTree>
+    <p:extLst>
+      <p:ext uri="{BB962C8B-B14F-4D97-AF65-F5344CB8AC3E}">
+        <p14:creationId xmlns:p14="http://schemas.microsoft.com/office/powerpoint/2010/main" val="4122577837"/>
+      </p:ext>
+    </p:extLst>
+  </p:cSld>
+  <p:clrMapOvr>
+    <a:masterClrMapping/>
+  </p:clrMapOvr>
+</p:sld>
+</file>
+
+<file path=ppt/slides/slide45.xml><?xml version="1.0" encoding="utf-8"?>
+<p:sld xmlns:a="http://schemas.openxmlformats.org/drawingml/2006/main" xmlns:r="http://schemas.openxmlformats.org/officeDocument/2006/relationships" xmlns:p="http://schemas.openxmlformats.org/presentationml/2006/main">
+  <p:cSld>
+    <p:spTree>
+      <p:nvGrpSpPr>
+        <p:cNvPr id="1" name=""/>
+        <p:cNvGrpSpPr/>
+        <p:nvPr/>
+      </p:nvGrpSpPr>
+      <p:grpSpPr>
+        <a:xfrm>
+          <a:off x="0" y="0"/>
+          <a:ext cx="0" cy="0"/>
+          <a:chOff x="0" y="0"/>
+          <a:chExt cx="0" cy="0"/>
+        </a:xfrm>
+      </p:grpSpPr>
+      <p:sp>
+        <p:nvSpPr>
+          <p:cNvPr id="2" name="Заголовок 1">
+            <a:extLst>
+              <a:ext uri="{FF2B5EF4-FFF2-40B4-BE49-F238E27FC236}">
+                <a16:creationId xmlns:a16="http://schemas.microsoft.com/office/drawing/2014/main" id="{2F7572CA-AA87-B996-0345-94062F8E621B}"/>
+              </a:ext>
+            </a:extLst>
+          </p:cNvPr>
+          <p:cNvSpPr>
+            <a:spLocks noGrp="1"/>
+          </p:cNvSpPr>
+          <p:nvPr>
+            <p:ph type="title"/>
+          </p:nvPr>
+        </p:nvSpPr>
+        <p:spPr/>
+        <p:txBody>
+          <a:bodyPr/>
+          <a:lstStyle/>
+          <a:p>
+            <a:r>
+              <a:rPr lang="ru-RU" dirty="0"/>
+              <a:t>Пример</a:t>
+            </a:r>
+          </a:p>
+        </p:txBody>
+      </p:sp>
+      <p:sp>
+        <p:nvSpPr>
+          <p:cNvPr id="3" name="Объект 2">
+            <a:extLst>
+              <a:ext uri="{FF2B5EF4-FFF2-40B4-BE49-F238E27FC236}">
+                <a16:creationId xmlns:a16="http://schemas.microsoft.com/office/drawing/2014/main" id="{E2947E67-E3D9-57FB-3451-48A3725FEBBF}"/>
+              </a:ext>
+            </a:extLst>
+          </p:cNvPr>
+          <p:cNvSpPr>
+            <a:spLocks noGrp="1"/>
+          </p:cNvSpPr>
+          <p:nvPr>
+            <p:ph idx="1"/>
+          </p:nvPr>
+        </p:nvSpPr>
+        <p:spPr>
+          <a:xfrm>
+            <a:off x="838200" y="1825625"/>
+            <a:ext cx="10515600" cy="4667250"/>
+          </a:xfrm>
+        </p:spPr>
+        <p:txBody>
+          <a:bodyPr/>
+          <a:lstStyle/>
+          <a:p>
+            <a:pPr marL="0" indent="0">
+              <a:buNone/>
+            </a:pPr>
+            <a:r>
+              <a:rPr lang="en" b="0" dirty="0">
+                <a:solidFill>
+                  <a:srgbClr val="C586C0"/>
+                </a:solidFill>
+                <a:effectLst/>
+                <a:latin typeface="Menlo" panose="020B0609030804020204" pitchFamily="49" charset="0"/>
+              </a:rPr>
+              <a:t>#include</a:t>
+            </a:r>
+            <a:r>
+              <a:rPr lang="en" b="0" dirty="0">
+                <a:solidFill>
+                  <a:srgbClr val="569CD6"/>
+                </a:solidFill>
+                <a:effectLst/>
+                <a:latin typeface="Menlo" panose="020B0609030804020204" pitchFamily="49" charset="0"/>
+              </a:rPr>
+              <a:t> </a:t>
+            </a:r>
+            <a:r>
+              <a:rPr lang="en" b="0" dirty="0">
+                <a:solidFill>
+                  <a:srgbClr val="CE9178"/>
+                </a:solidFill>
+                <a:effectLst/>
+                <a:latin typeface="Menlo" panose="020B0609030804020204" pitchFamily="49" charset="0"/>
+              </a:rPr>
+              <a:t>&lt;iostream&gt;</a:t>
+            </a:r>
+          </a:p>
+          <a:p>
+            <a:pPr marL="0" indent="0">
+              <a:buNone/>
+            </a:pPr>
+            <a:endParaRPr lang="en" b="0" dirty="0">
+              <a:solidFill>
+                <a:srgbClr val="D4D4D4"/>
+              </a:solidFill>
+              <a:effectLst/>
+              <a:latin typeface="Menlo" panose="020B0609030804020204" pitchFamily="49" charset="0"/>
+            </a:endParaRPr>
+          </a:p>
+          <a:p>
+            <a:pPr marL="0" indent="0">
+              <a:buNone/>
+            </a:pPr>
+            <a:r>
+              <a:rPr lang="en" b="0" dirty="0">
+                <a:solidFill>
+                  <a:srgbClr val="569CD6"/>
+                </a:solidFill>
+                <a:effectLst/>
+                <a:latin typeface="Menlo" panose="020B0609030804020204" pitchFamily="49" charset="0"/>
+              </a:rPr>
+              <a:t>int</a:t>
+            </a:r>
+            <a:r>
+              <a:rPr lang="en" b="0" dirty="0">
+                <a:solidFill>
+                  <a:srgbClr val="D4D4D4"/>
+                </a:solidFill>
+                <a:effectLst/>
+                <a:latin typeface="Menlo" panose="020B0609030804020204" pitchFamily="49" charset="0"/>
+              </a:rPr>
+              <a:t> </a:t>
+            </a:r>
+            <a:r>
+              <a:rPr lang="en" b="0" dirty="0">
+                <a:solidFill>
+                  <a:srgbClr val="DCDCAA"/>
+                </a:solidFill>
+                <a:effectLst/>
+                <a:latin typeface="Menlo" panose="020B0609030804020204" pitchFamily="49" charset="0"/>
+              </a:rPr>
+              <a:t>main</a:t>
+            </a:r>
+            <a:r>
+              <a:rPr lang="en" b="0" dirty="0">
+                <a:solidFill>
+                  <a:srgbClr val="D4D4D4"/>
+                </a:solidFill>
+                <a:effectLst/>
+                <a:latin typeface="Menlo" panose="020B0609030804020204" pitchFamily="49" charset="0"/>
+              </a:rPr>
+              <a:t>() {</a:t>
+            </a:r>
+          </a:p>
+          <a:p>
+            <a:pPr marL="0" indent="0">
+              <a:buNone/>
+            </a:pPr>
+            <a:r>
+              <a:rPr lang="en" b="0" dirty="0">
+                <a:solidFill>
+                  <a:srgbClr val="4EC9B0"/>
+                </a:solidFill>
+                <a:effectLst/>
+                <a:latin typeface="Menlo" panose="020B0609030804020204" pitchFamily="49" charset="0"/>
+              </a:rPr>
+              <a:t>	std</a:t>
+            </a:r>
+            <a:r>
+              <a:rPr lang="en" b="0" dirty="0">
+                <a:solidFill>
+                  <a:srgbClr val="D4D4D4"/>
+                </a:solidFill>
+                <a:effectLst/>
+                <a:latin typeface="Menlo" panose="020B0609030804020204" pitchFamily="49" charset="0"/>
+              </a:rPr>
+              <a:t>::</a:t>
+            </a:r>
+            <a:r>
+              <a:rPr lang="en" b="0" dirty="0">
+                <a:solidFill>
+                  <a:srgbClr val="9CDCFE"/>
+                </a:solidFill>
+                <a:effectLst/>
+                <a:latin typeface="Menlo" panose="020B0609030804020204" pitchFamily="49" charset="0"/>
+              </a:rPr>
+              <a:t>cout</a:t>
+            </a:r>
+            <a:r>
+              <a:rPr lang="en" b="0" dirty="0">
+                <a:solidFill>
+                  <a:srgbClr val="D4D4D4"/>
+                </a:solidFill>
+                <a:effectLst/>
+                <a:latin typeface="Menlo" panose="020B0609030804020204" pitchFamily="49" charset="0"/>
+              </a:rPr>
+              <a:t> </a:t>
+            </a:r>
+            <a:r>
+              <a:rPr lang="en" b="0" dirty="0">
+                <a:solidFill>
+                  <a:srgbClr val="DCDCAA"/>
+                </a:solidFill>
+                <a:effectLst/>
+                <a:latin typeface="Menlo" panose="020B0609030804020204" pitchFamily="49" charset="0"/>
+              </a:rPr>
+              <a:t>&lt;&lt;</a:t>
+            </a:r>
+            <a:r>
+              <a:rPr lang="en" b="0" dirty="0">
+                <a:solidFill>
+                  <a:srgbClr val="D4D4D4"/>
+                </a:solidFill>
+                <a:effectLst/>
+                <a:latin typeface="Menlo" panose="020B0609030804020204" pitchFamily="49" charset="0"/>
+              </a:rPr>
+              <a:t> </a:t>
+            </a:r>
+            <a:r>
+              <a:rPr lang="en" b="0" dirty="0">
+                <a:solidFill>
+                  <a:srgbClr val="CE9178"/>
+                </a:solidFill>
+                <a:effectLst/>
+                <a:latin typeface="Menlo" panose="020B0609030804020204" pitchFamily="49" charset="0"/>
+              </a:rPr>
+              <a:t>"</a:t>
+            </a:r>
+            <a:r>
+              <a:rPr lang="en" b="0" dirty="0">
+                <a:solidFill>
+                  <a:srgbClr val="D7BA7D"/>
+                </a:solidFill>
+                <a:effectLst/>
+                <a:latin typeface="Menlo" panose="020B0609030804020204" pitchFamily="49" charset="0"/>
+              </a:rPr>
+              <a:t>\</a:t>
+            </a:r>
+            <a:r>
+              <a:rPr lang="en" b="0" dirty="0" err="1">
+                <a:solidFill>
+                  <a:srgbClr val="D7BA7D"/>
+                </a:solidFill>
+                <a:effectLst/>
+                <a:latin typeface="Menlo" panose="020B0609030804020204" pitchFamily="49" charset="0"/>
+              </a:rPr>
+              <a:t>t</a:t>
+            </a:r>
+            <a:r>
+              <a:rPr lang="en" b="0" dirty="0" err="1">
+                <a:solidFill>
+                  <a:srgbClr val="CE9178"/>
+                </a:solidFill>
+                <a:effectLst/>
+                <a:latin typeface="Menlo" panose="020B0609030804020204" pitchFamily="49" charset="0"/>
+              </a:rPr>
+              <a:t>Hello</a:t>
+            </a:r>
+            <a:r>
+              <a:rPr lang="en" b="0" dirty="0">
+                <a:solidFill>
+                  <a:srgbClr val="D7BA7D"/>
+                </a:solidFill>
+                <a:effectLst/>
+                <a:latin typeface="Menlo" panose="020B0609030804020204" pitchFamily="49" charset="0"/>
+              </a:rPr>
+              <a:t>\\</a:t>
+            </a:r>
+            <a:r>
+              <a:rPr lang="en" b="0" dirty="0">
+                <a:solidFill>
+                  <a:srgbClr val="CE9178"/>
+                </a:solidFill>
+                <a:effectLst/>
+                <a:latin typeface="Menlo" panose="020B0609030804020204" pitchFamily="49" charset="0"/>
+              </a:rPr>
+              <a:t>Hi?</a:t>
+            </a:r>
+            <a:r>
+              <a:rPr lang="en" b="0" dirty="0">
+                <a:solidFill>
+                  <a:srgbClr val="D7BA7D"/>
+                </a:solidFill>
+                <a:effectLst/>
+                <a:latin typeface="Menlo" panose="020B0609030804020204" pitchFamily="49" charset="0"/>
+              </a:rPr>
+              <a:t>\a</a:t>
+            </a:r>
+            <a:r>
+              <a:rPr lang="en" b="0" dirty="0">
+                <a:solidFill>
+                  <a:srgbClr val="CE9178"/>
+                </a:solidFill>
+                <a:effectLst/>
+                <a:latin typeface="Menlo" panose="020B0609030804020204" pitchFamily="49" charset="0"/>
+              </a:rPr>
+              <a:t>"</a:t>
+            </a:r>
+            <a:r>
+              <a:rPr lang="en" b="0" dirty="0">
+                <a:solidFill>
+                  <a:srgbClr val="D4D4D4"/>
+                </a:solidFill>
+                <a:effectLst/>
+                <a:latin typeface="Menlo" panose="020B0609030804020204" pitchFamily="49" charset="0"/>
+              </a:rPr>
+              <a:t> </a:t>
+            </a:r>
+            <a:r>
+              <a:rPr lang="en" b="0" dirty="0">
+                <a:solidFill>
+                  <a:srgbClr val="DCDCAA"/>
+                </a:solidFill>
+                <a:effectLst/>
+                <a:latin typeface="Menlo" panose="020B0609030804020204" pitchFamily="49" charset="0"/>
+              </a:rPr>
+              <a:t>&lt;&lt;</a:t>
+            </a:r>
+            <a:r>
+              <a:rPr lang="en" b="0" dirty="0">
+                <a:solidFill>
+                  <a:srgbClr val="D4D4D4"/>
+                </a:solidFill>
+                <a:effectLst/>
+                <a:latin typeface="Menlo" panose="020B0609030804020204" pitchFamily="49" charset="0"/>
+              </a:rPr>
+              <a:t> </a:t>
+            </a:r>
+            <a:r>
+              <a:rPr lang="en" b="0" dirty="0">
+                <a:solidFill>
+                  <a:srgbClr val="CE9178"/>
+                </a:solidFill>
+                <a:effectLst/>
+                <a:latin typeface="Menlo" panose="020B0609030804020204" pitchFamily="49" charset="0"/>
+              </a:rPr>
+              <a:t>"</a:t>
+            </a:r>
+            <a:r>
+              <a:rPr lang="en" b="0" dirty="0">
+                <a:solidFill>
+                  <a:srgbClr val="D7BA7D"/>
+                </a:solidFill>
+                <a:effectLst/>
+                <a:latin typeface="Menlo" panose="020B0609030804020204" pitchFamily="49" charset="0"/>
+              </a:rPr>
+              <a:t>\</a:t>
+            </a:r>
+            <a:r>
+              <a:rPr lang="en" b="0" dirty="0" err="1">
+                <a:solidFill>
+                  <a:srgbClr val="D7BA7D"/>
+                </a:solidFill>
+                <a:effectLst/>
+                <a:latin typeface="Menlo" panose="020B0609030804020204" pitchFamily="49" charset="0"/>
+              </a:rPr>
+              <a:t>n</a:t>
+            </a:r>
+            <a:r>
+              <a:rPr lang="en" b="0" dirty="0" err="1">
+                <a:solidFill>
+                  <a:srgbClr val="CE9178"/>
+                </a:solidFill>
+                <a:effectLst/>
+                <a:latin typeface="Menlo" panose="020B0609030804020204" pitchFamily="49" charset="0"/>
+              </a:rPr>
+              <a:t>World</a:t>
+            </a:r>
+            <a:r>
+              <a:rPr lang="en" b="0" dirty="0">
+                <a:solidFill>
+                  <a:srgbClr val="CE9178"/>
+                </a:solidFill>
+                <a:effectLst/>
+                <a:latin typeface="Menlo" panose="020B0609030804020204" pitchFamily="49" charset="0"/>
+              </a:rPr>
+              <a:t>"</a:t>
+            </a:r>
+            <a:r>
+              <a:rPr lang="en" b="0" dirty="0">
+                <a:solidFill>
+                  <a:srgbClr val="D4D4D4"/>
+                </a:solidFill>
+                <a:effectLst/>
+                <a:latin typeface="Menlo" panose="020B0609030804020204" pitchFamily="49" charset="0"/>
+              </a:rPr>
+              <a:t>;</a:t>
+            </a:r>
+          </a:p>
+          <a:p>
+            <a:pPr marL="0" indent="0">
+              <a:buNone/>
+            </a:pPr>
+            <a:r>
+              <a:rPr lang="en" b="0" dirty="0">
+                <a:solidFill>
+                  <a:srgbClr val="C586C0"/>
+                </a:solidFill>
+                <a:effectLst/>
+                <a:latin typeface="Menlo" panose="020B0609030804020204" pitchFamily="49" charset="0"/>
+              </a:rPr>
+              <a:t>	return</a:t>
+            </a:r>
+            <a:r>
+              <a:rPr lang="en" b="0" dirty="0">
+                <a:solidFill>
+                  <a:srgbClr val="D4D4D4"/>
+                </a:solidFill>
+                <a:effectLst/>
+                <a:latin typeface="Menlo" panose="020B0609030804020204" pitchFamily="49" charset="0"/>
+              </a:rPr>
+              <a:t> </a:t>
+            </a:r>
+            <a:r>
+              <a:rPr lang="en" b="0" dirty="0">
+                <a:solidFill>
+                  <a:srgbClr val="B5CEA8"/>
+                </a:solidFill>
+                <a:effectLst/>
+                <a:latin typeface="Menlo" panose="020B0609030804020204" pitchFamily="49" charset="0"/>
+              </a:rPr>
+              <a:t>0</a:t>
+            </a:r>
+            <a:r>
+              <a:rPr lang="en" b="0" dirty="0">
+                <a:solidFill>
+                  <a:srgbClr val="D4D4D4"/>
+                </a:solidFill>
+                <a:effectLst/>
+                <a:latin typeface="Menlo" panose="020B0609030804020204" pitchFamily="49" charset="0"/>
+              </a:rPr>
+              <a:t>;</a:t>
+            </a:r>
+          </a:p>
+          <a:p>
+            <a:pPr marL="0" indent="0">
+              <a:buNone/>
+            </a:pPr>
+            <a:r>
+              <a:rPr lang="en" b="0" dirty="0">
+                <a:solidFill>
+                  <a:srgbClr val="D4D4D4"/>
+                </a:solidFill>
+                <a:effectLst/>
+                <a:latin typeface="Menlo" panose="020B0609030804020204" pitchFamily="49" charset="0"/>
+              </a:rPr>
+              <a:t>}</a:t>
+            </a:r>
+          </a:p>
+          <a:p>
+            <a:endParaRPr lang="en-US" dirty="0"/>
+          </a:p>
+          <a:p>
+            <a:pPr marL="0" indent="0">
+              <a:buNone/>
+            </a:pPr>
+            <a:r>
+              <a:rPr lang="ru-RU" dirty="0"/>
+              <a:t>Табуляция, обратный слэш,</a:t>
+            </a:r>
+            <a:r>
+              <a:rPr lang="en-US" dirty="0"/>
+              <a:t> </a:t>
+            </a:r>
+            <a:r>
+              <a:rPr lang="ru-RU" dirty="0" err="1"/>
+              <a:t>бипер</a:t>
+            </a:r>
+            <a:r>
+              <a:rPr lang="ru-RU" dirty="0"/>
+              <a:t>,</a:t>
+            </a:r>
+            <a:r>
+              <a:rPr lang="en-US" dirty="0"/>
+              <a:t> </a:t>
+            </a:r>
+            <a:r>
+              <a:rPr lang="ru-RU" dirty="0"/>
+              <a:t>перенос строки.</a:t>
+            </a:r>
+            <a:endParaRPr lang="en-US" dirty="0"/>
+          </a:p>
+        </p:txBody>
+      </p:sp>
+    </p:spTree>
+    <p:extLst>
+      <p:ext uri="{BB962C8B-B14F-4D97-AF65-F5344CB8AC3E}">
+        <p14:creationId xmlns:p14="http://schemas.microsoft.com/office/powerpoint/2010/main" val="1365909432"/>
+      </p:ext>
+    </p:extLst>
+  </p:cSld>
+  <p:clrMapOvr>
+    <a:masterClrMapping/>
+  </p:clrMapOvr>
+</p:sld>
+</file>
+
+<file path=ppt/slides/slide46.xml><?xml version="1.0" encoding="utf-8"?>
+<p:sld xmlns:a="http://schemas.openxmlformats.org/drawingml/2006/main" xmlns:r="http://schemas.openxmlformats.org/officeDocument/2006/relationships" xmlns:p="http://schemas.openxmlformats.org/presentationml/2006/main">
+  <p:cSld>
+    <p:spTree>
+      <p:nvGrpSpPr>
+        <p:cNvPr id="1" name=""/>
+        <p:cNvGrpSpPr/>
+        <p:nvPr/>
+      </p:nvGrpSpPr>
+      <p:grpSpPr>
+        <a:xfrm>
+          <a:off x="0" y="0"/>
+          <a:ext cx="0" cy="0"/>
+          <a:chOff x="0" y="0"/>
+          <a:chExt cx="0" cy="0"/>
+        </a:xfrm>
+      </p:grpSpPr>
+      <p:sp>
+        <p:nvSpPr>
+          <p:cNvPr id="2" name="Заголовок 1">
+            <a:extLst>
+              <a:ext uri="{FF2B5EF4-FFF2-40B4-BE49-F238E27FC236}">
+                <a16:creationId xmlns:a16="http://schemas.microsoft.com/office/drawing/2014/main" id="{3DFA727C-5293-8EFC-51C8-C6C200E88134}"/>
+              </a:ext>
+            </a:extLst>
+          </p:cNvPr>
+          <p:cNvSpPr>
+            <a:spLocks noGrp="1"/>
+          </p:cNvSpPr>
+          <p:nvPr>
+            <p:ph type="title"/>
+          </p:nvPr>
+        </p:nvSpPr>
+        <p:spPr/>
+        <p:txBody>
+          <a:bodyPr/>
+          <a:lstStyle/>
+          <a:p>
+            <a:r>
+              <a:rPr lang="en-US" dirty="0" err="1"/>
+              <a:t>П</a:t>
+            </a:r>
+            <a:r>
+              <a:rPr lang="ru-RU" dirty="0" err="1"/>
+              <a:t>рактика</a:t>
+            </a:r>
+            <a:endParaRPr lang="ru-RU" dirty="0"/>
+          </a:p>
+        </p:txBody>
+      </p:sp>
+      <p:sp>
+        <p:nvSpPr>
+          <p:cNvPr id="3" name="Объект 2">
+            <a:extLst>
+              <a:ext uri="{FF2B5EF4-FFF2-40B4-BE49-F238E27FC236}">
+                <a16:creationId xmlns:a16="http://schemas.microsoft.com/office/drawing/2014/main" id="{804FD552-B600-6F26-BCB4-FD6E6BEB4F7C}"/>
+              </a:ext>
+            </a:extLst>
+          </p:cNvPr>
+          <p:cNvSpPr>
+            <a:spLocks noGrp="1"/>
+          </p:cNvSpPr>
+          <p:nvPr>
+            <p:ph idx="1"/>
+          </p:nvPr>
+        </p:nvSpPr>
+        <p:spPr/>
+        <p:txBody>
+          <a:bodyPr/>
+          <a:lstStyle/>
+          <a:p>
+            <a:endParaRPr lang="ru-RU"/>
+          </a:p>
+        </p:txBody>
+      </p:sp>
+    </p:spTree>
+    <p:extLst>
+      <p:ext uri="{BB962C8B-B14F-4D97-AF65-F5344CB8AC3E}">
+        <p14:creationId xmlns:p14="http://schemas.microsoft.com/office/powerpoint/2010/main" val="212878112"/>
+      </p:ext>
+    </p:extLst>
+  </p:cSld>
+  <p:clrMapOvr>
+    <a:masterClrMapping/>
+  </p:clrMapOvr>
+</p:sld>
+</file>
+
+<file path=ppt/slides/slide47.xml><?xml version="1.0" encoding="utf-8"?>
+<p:sld xmlns:a="http://schemas.openxmlformats.org/drawingml/2006/main" xmlns:r="http://schemas.openxmlformats.org/officeDocument/2006/relationships" xmlns:p="http://schemas.openxmlformats.org/presentationml/2006/main">
+  <p:cSld>
+    <p:spTree>
+      <p:nvGrpSpPr>
+        <p:cNvPr id="1" name=""/>
+        <p:cNvGrpSpPr/>
+        <p:nvPr/>
+      </p:nvGrpSpPr>
+      <p:grpSpPr>
+        <a:xfrm>
+          <a:off x="0" y="0"/>
+          <a:ext cx="0" cy="0"/>
+          <a:chOff x="0" y="0"/>
+          <a:chExt cx="0" cy="0"/>
+        </a:xfrm>
+      </p:grpSpPr>
+      <p:sp>
+        <p:nvSpPr>
+          <p:cNvPr id="2" name="Заголовок 1">
+            <a:extLst>
+              <a:ext uri="{FF2B5EF4-FFF2-40B4-BE49-F238E27FC236}">
+                <a16:creationId xmlns:a16="http://schemas.microsoft.com/office/drawing/2014/main" id="{F9589655-F3D0-102D-6F53-9D5ED1BC4674}"/>
+              </a:ext>
+            </a:extLst>
+          </p:cNvPr>
+          <p:cNvSpPr>
+            <a:spLocks noGrp="1"/>
+          </p:cNvSpPr>
+          <p:nvPr>
+            <p:ph type="title"/>
+          </p:nvPr>
+        </p:nvSpPr>
+        <p:spPr/>
+        <p:txBody>
+          <a:bodyPr/>
+          <a:lstStyle/>
+          <a:p>
+            <a:r>
+              <a:rPr lang="ru-RU" dirty="0"/>
+              <a:t>Практика</a:t>
+            </a:r>
+          </a:p>
+        </p:txBody>
+      </p:sp>
+      <p:sp>
+        <p:nvSpPr>
+          <p:cNvPr id="3" name="Объект 2">
+            <a:extLst>
+              <a:ext uri="{FF2B5EF4-FFF2-40B4-BE49-F238E27FC236}">
+                <a16:creationId xmlns:a16="http://schemas.microsoft.com/office/drawing/2014/main" id="{F40E71F1-2BEA-BF79-812A-29706FA86C51}"/>
+              </a:ext>
+            </a:extLst>
+          </p:cNvPr>
+          <p:cNvSpPr>
+            <a:spLocks noGrp="1"/>
+          </p:cNvSpPr>
+          <p:nvPr>
+            <p:ph idx="1"/>
+          </p:nvPr>
+        </p:nvSpPr>
+        <p:spPr/>
+        <p:txBody>
+          <a:bodyPr>
+            <a:normAutofit/>
+          </a:bodyPr>
+          <a:lstStyle/>
+          <a:p>
+            <a:pPr marL="0" indent="0">
+              <a:buNone/>
+            </a:pPr>
+            <a:r>
+              <a:rPr lang="ru-RU" dirty="0"/>
+              <a:t>Задача</a:t>
+            </a:r>
+            <a:r>
+              <a:rPr lang="en-US" dirty="0"/>
+              <a:t>: </a:t>
+            </a:r>
+            <a:r>
+              <a:rPr lang="ru-RU" dirty="0"/>
+              <a:t>Вывести робота в консоль в отформатированном виде</a:t>
+            </a:r>
+            <a:r>
+              <a:rPr lang="en-US" dirty="0"/>
+              <a:t>.</a:t>
+            </a:r>
+          </a:p>
+          <a:p>
+            <a:pPr marL="0" indent="0">
+              <a:buNone/>
+            </a:pPr>
+            <a:endParaRPr lang="ru-RU" dirty="0"/>
+          </a:p>
+          <a:p>
+            <a:pPr marL="0" indent="0">
+              <a:buNone/>
+            </a:pPr>
+            <a:r>
+              <a:rPr lang="ru-RU" dirty="0"/>
+              <a:t>   </a:t>
+            </a:r>
+            <a:r>
+              <a:rPr lang="en" dirty="0"/>
+              <a:t>-----  </a:t>
+            </a:r>
+          </a:p>
+          <a:p>
+            <a:pPr marL="0" indent="0">
+              <a:buNone/>
+            </a:pPr>
+            <a:r>
+              <a:rPr lang="en" dirty="0"/>
+              <a:t> /       </a:t>
+            </a:r>
+            <a:r>
+              <a:rPr lang="ru-RU" dirty="0"/>
+              <a:t> </a:t>
+            </a:r>
+            <a:r>
+              <a:rPr lang="en" dirty="0"/>
+              <a:t>\</a:t>
+            </a:r>
+          </a:p>
+          <a:p>
+            <a:pPr marL="0" indent="0">
+              <a:buNone/>
+            </a:pPr>
+            <a:r>
+              <a:rPr lang="en" dirty="0"/>
+              <a:t>|  o   o|</a:t>
+            </a:r>
+          </a:p>
+          <a:p>
+            <a:pPr marL="0" indent="0">
+              <a:buNone/>
+            </a:pPr>
+            <a:r>
+              <a:rPr lang="en" dirty="0"/>
+              <a:t>|    ∆   |</a:t>
+            </a:r>
+          </a:p>
+          <a:p>
+            <a:pPr marL="0" indent="0">
+              <a:buNone/>
+            </a:pPr>
+            <a:r>
+              <a:rPr lang="en" dirty="0"/>
+              <a:t> \  ---  /</a:t>
+            </a:r>
+          </a:p>
+          <a:p>
+            <a:pPr marL="0" indent="0">
+              <a:buNone/>
+            </a:pPr>
+            <a:r>
+              <a:rPr lang="en" dirty="0"/>
+              <a:t>  -------</a:t>
+            </a:r>
+            <a:endParaRPr lang="ru-RU" dirty="0"/>
+          </a:p>
+        </p:txBody>
+      </p:sp>
+    </p:spTree>
+    <p:extLst>
+      <p:ext uri="{BB962C8B-B14F-4D97-AF65-F5344CB8AC3E}">
+        <p14:creationId xmlns:p14="http://schemas.microsoft.com/office/powerpoint/2010/main" val="388866269"/>
+      </p:ext>
+    </p:extLst>
+  </p:cSld>
+  <p:clrMapOvr>
+    <a:masterClrMapping/>
+  </p:clrMapOvr>
+</p:sld>
+</file>
+
+<file path=ppt/slides/slide48.xml><?xml version="1.0" encoding="utf-8"?>
+<p:sld xmlns:a="http://schemas.openxmlformats.org/drawingml/2006/main" xmlns:r="http://schemas.openxmlformats.org/officeDocument/2006/relationships" xmlns:p="http://schemas.openxmlformats.org/presentationml/2006/main">
+  <p:cSld>
+    <p:spTree>
+      <p:nvGrpSpPr>
+        <p:cNvPr id="1" name=""/>
+        <p:cNvGrpSpPr/>
+        <p:nvPr/>
+      </p:nvGrpSpPr>
+      <p:grpSpPr>
+        <a:xfrm>
+          <a:off x="0" y="0"/>
+          <a:ext cx="0" cy="0"/>
+          <a:chOff x="0" y="0"/>
+          <a:chExt cx="0" cy="0"/>
+        </a:xfrm>
+      </p:grpSpPr>
+      <p:sp>
+        <p:nvSpPr>
+          <p:cNvPr id="2" name="Заголовок 1">
+            <a:extLst>
+              <a:ext uri="{FF2B5EF4-FFF2-40B4-BE49-F238E27FC236}">
+                <a16:creationId xmlns:a16="http://schemas.microsoft.com/office/drawing/2014/main" id="{F9589655-F3D0-102D-6F53-9D5ED1BC4674}"/>
+              </a:ext>
+            </a:extLst>
+          </p:cNvPr>
+          <p:cNvSpPr>
+            <a:spLocks noGrp="1"/>
+          </p:cNvSpPr>
+          <p:nvPr>
+            <p:ph type="title"/>
+          </p:nvPr>
+        </p:nvSpPr>
+        <p:spPr/>
+        <p:txBody>
+          <a:bodyPr/>
+          <a:lstStyle/>
+          <a:p>
+            <a:r>
+              <a:rPr lang="ru-RU" dirty="0"/>
+              <a:t>Практика</a:t>
+            </a:r>
+          </a:p>
+        </p:txBody>
+      </p:sp>
+      <p:sp>
+        <p:nvSpPr>
+          <p:cNvPr id="3" name="Объект 2">
+            <a:extLst>
+              <a:ext uri="{FF2B5EF4-FFF2-40B4-BE49-F238E27FC236}">
+                <a16:creationId xmlns:a16="http://schemas.microsoft.com/office/drawing/2014/main" id="{F40E71F1-2BEA-BF79-812A-29706FA86C51}"/>
+              </a:ext>
+            </a:extLst>
+          </p:cNvPr>
+          <p:cNvSpPr>
+            <a:spLocks noGrp="1"/>
+          </p:cNvSpPr>
+          <p:nvPr>
+            <p:ph idx="1"/>
+          </p:nvPr>
+        </p:nvSpPr>
+        <p:spPr/>
+        <p:txBody>
+          <a:bodyPr>
+            <a:normAutofit fontScale="92500" lnSpcReduction="10000"/>
+          </a:bodyPr>
+          <a:lstStyle/>
+          <a:p>
+            <a:pPr marL="0" indent="0">
+              <a:buNone/>
+            </a:pPr>
+            <a:r>
+              <a:rPr lang="ru-RU" dirty="0"/>
+              <a:t>Задача</a:t>
+            </a:r>
+            <a:r>
+              <a:rPr lang="en-US" dirty="0"/>
+              <a:t>: </a:t>
+            </a:r>
+            <a:r>
+              <a:rPr lang="ru-RU" dirty="0"/>
+              <a:t>Вывести робота в консоль в отформатированном виде</a:t>
+            </a:r>
+            <a:r>
+              <a:rPr lang="en-US" dirty="0"/>
+              <a:t>.</a:t>
+            </a:r>
+          </a:p>
+          <a:p>
+            <a:pPr marL="0" indent="0">
+              <a:buNone/>
+            </a:pPr>
+            <a:r>
+              <a:rPr lang="en-US" dirty="0" err="1"/>
+              <a:t>С</a:t>
+            </a:r>
+            <a:r>
+              <a:rPr lang="ru-RU" dirty="0" err="1"/>
+              <a:t>сылка</a:t>
+            </a:r>
+            <a:r>
+              <a:rPr lang="ru-RU" dirty="0"/>
+              <a:t> для копирования:</a:t>
+            </a:r>
+            <a:r>
+              <a:rPr lang="en-US" dirty="0"/>
+              <a:t> </a:t>
+            </a:r>
+            <a:r>
+              <a:rPr lang="en-US" dirty="0">
+                <a:solidFill>
+                  <a:schemeClr val="accent1"/>
+                </a:solidFill>
+              </a:rPr>
+              <a:t>https://</a:t>
+            </a:r>
+            <a:r>
+              <a:rPr lang="en-US" dirty="0" err="1">
+                <a:solidFill>
+                  <a:schemeClr val="accent1"/>
+                </a:solidFill>
+              </a:rPr>
+              <a:t>docs.google.com</a:t>
+            </a:r>
+            <a:r>
+              <a:rPr lang="en-US" dirty="0">
+                <a:solidFill>
+                  <a:schemeClr val="accent1"/>
+                </a:solidFill>
+              </a:rPr>
+              <a:t>/document/d/1prVm-YRIJ_Fynoe-S2R4ad_dvzxMtMbtbI6jpnlWuqA/</a:t>
+            </a:r>
+            <a:r>
+              <a:rPr lang="en-US" dirty="0" err="1">
+                <a:solidFill>
+                  <a:schemeClr val="accent1"/>
+                </a:solidFill>
+              </a:rPr>
+              <a:t>edit?usp</a:t>
+            </a:r>
+            <a:r>
+              <a:rPr lang="en-US" dirty="0">
+                <a:solidFill>
+                  <a:schemeClr val="accent1"/>
+                </a:solidFill>
+              </a:rPr>
+              <a:t>=sharing</a:t>
+            </a:r>
+            <a:endParaRPr lang="ru-RU" dirty="0">
+              <a:solidFill>
+                <a:schemeClr val="accent1"/>
+              </a:solidFill>
+            </a:endParaRPr>
+          </a:p>
+          <a:p>
+            <a:pPr marL="0" indent="0">
+              <a:buNone/>
+            </a:pPr>
+            <a:endParaRPr lang="ru-RU" dirty="0"/>
+          </a:p>
+          <a:p>
+            <a:pPr marL="0" indent="0">
+              <a:buNone/>
+            </a:pPr>
+            <a:r>
+              <a:rPr lang="ru-RU" dirty="0"/>
+              <a:t>   </a:t>
+            </a:r>
+            <a:r>
+              <a:rPr lang="en" dirty="0"/>
+              <a:t>-----  </a:t>
+            </a:r>
+          </a:p>
+          <a:p>
+            <a:pPr marL="0" indent="0">
+              <a:buNone/>
+            </a:pPr>
+            <a:r>
+              <a:rPr lang="en" dirty="0"/>
+              <a:t> /       </a:t>
+            </a:r>
+            <a:r>
+              <a:rPr lang="ru-RU" dirty="0"/>
+              <a:t> </a:t>
+            </a:r>
+            <a:r>
+              <a:rPr lang="en" dirty="0"/>
+              <a:t>\</a:t>
+            </a:r>
+          </a:p>
+          <a:p>
+            <a:pPr marL="0" indent="0">
+              <a:buNone/>
+            </a:pPr>
+            <a:r>
+              <a:rPr lang="en" dirty="0"/>
+              <a:t>|  o   o|</a:t>
+            </a:r>
+          </a:p>
+          <a:p>
+            <a:pPr marL="0" indent="0">
+              <a:buNone/>
+            </a:pPr>
+            <a:r>
+              <a:rPr lang="en" dirty="0"/>
+              <a:t>|    ∆   |</a:t>
+            </a:r>
+          </a:p>
+          <a:p>
+            <a:pPr marL="0" indent="0">
+              <a:buNone/>
+            </a:pPr>
+            <a:r>
+              <a:rPr lang="en" dirty="0"/>
+              <a:t> \  ---  /</a:t>
+            </a:r>
+          </a:p>
+          <a:p>
+            <a:pPr marL="0" indent="0">
+              <a:buNone/>
+            </a:pPr>
+            <a:r>
+              <a:rPr lang="en" dirty="0"/>
+              <a:t>  -------</a:t>
+            </a:r>
+            <a:endParaRPr lang="ru-RU" dirty="0"/>
+          </a:p>
+        </p:txBody>
+      </p:sp>
+    </p:spTree>
+    <p:extLst>
+      <p:ext uri="{BB962C8B-B14F-4D97-AF65-F5344CB8AC3E}">
+        <p14:creationId xmlns:p14="http://schemas.microsoft.com/office/powerpoint/2010/main" val="1055780626"/>
+      </p:ext>
+    </p:extLst>
+  </p:cSld>
+  <p:clrMapOvr>
+    <a:masterClrMapping/>
+  </p:clrMapOvr>
+</p:sld>
+</file>
+
+<file path=ppt/slides/slide49.xml><?xml version="1.0" encoding="utf-8"?>
+<p:sld xmlns:a="http://schemas.openxmlformats.org/drawingml/2006/main" xmlns:r="http://schemas.openxmlformats.org/officeDocument/2006/relationships" xmlns:p="http://schemas.openxmlformats.org/presentationml/2006/main">
+  <p:cSld>
+    <p:spTree>
+      <p:nvGrpSpPr>
+        <p:cNvPr id="1" name=""/>
+        <p:cNvGrpSpPr/>
+        <p:nvPr/>
+      </p:nvGrpSpPr>
+      <p:grpSpPr>
+        <a:xfrm>
+          <a:off x="0" y="0"/>
+          <a:ext cx="0" cy="0"/>
+          <a:chOff x="0" y="0"/>
+          <a:chExt cx="0" cy="0"/>
+        </a:xfrm>
+      </p:grpSpPr>
+      <p:sp>
+        <p:nvSpPr>
+          <p:cNvPr id="2" name="Заголовок 1">
+            <a:extLst>
+              <a:ext uri="{FF2B5EF4-FFF2-40B4-BE49-F238E27FC236}">
+                <a16:creationId xmlns:a16="http://schemas.microsoft.com/office/drawing/2014/main" id="{F9589655-F3D0-102D-6F53-9D5ED1BC4674}"/>
+              </a:ext>
+            </a:extLst>
+          </p:cNvPr>
+          <p:cNvSpPr>
+            <a:spLocks noGrp="1"/>
+          </p:cNvSpPr>
+          <p:nvPr>
+            <p:ph type="title"/>
+          </p:nvPr>
+        </p:nvSpPr>
+        <p:spPr/>
+        <p:txBody>
+          <a:bodyPr/>
+          <a:lstStyle/>
+          <a:p>
+            <a:r>
+              <a:rPr lang="ru-RU" dirty="0"/>
+              <a:t>Практика</a:t>
+            </a:r>
+          </a:p>
+        </p:txBody>
+      </p:sp>
+      <p:sp>
+        <p:nvSpPr>
+          <p:cNvPr id="3" name="Объект 2">
+            <a:extLst>
+              <a:ext uri="{FF2B5EF4-FFF2-40B4-BE49-F238E27FC236}">
+                <a16:creationId xmlns:a16="http://schemas.microsoft.com/office/drawing/2014/main" id="{F40E71F1-2BEA-BF79-812A-29706FA86C51}"/>
+              </a:ext>
+            </a:extLst>
+          </p:cNvPr>
+          <p:cNvSpPr>
+            <a:spLocks noGrp="1"/>
+          </p:cNvSpPr>
+          <p:nvPr>
+            <p:ph idx="1"/>
+          </p:nvPr>
+        </p:nvSpPr>
+        <p:spPr/>
+        <p:txBody>
+          <a:bodyPr>
+            <a:normAutofit fontScale="92500" lnSpcReduction="10000"/>
+          </a:bodyPr>
+          <a:lstStyle/>
+          <a:p>
+            <a:pPr marL="0" indent="0">
+              <a:buNone/>
+            </a:pPr>
+            <a:r>
+              <a:rPr lang="ru-RU" dirty="0"/>
+              <a:t>Задача</a:t>
+            </a:r>
+            <a:r>
+              <a:rPr lang="en-US" dirty="0"/>
+              <a:t>: </a:t>
+            </a:r>
+            <a:r>
+              <a:rPr lang="ru-RU" dirty="0"/>
+              <a:t>Вывести робота в консоль в отформатированном виде</a:t>
+            </a:r>
+            <a:r>
+              <a:rPr lang="en-US" dirty="0"/>
+              <a:t>.</a:t>
+            </a:r>
+          </a:p>
+          <a:p>
+            <a:pPr marL="0" indent="0">
+              <a:buNone/>
+            </a:pPr>
+            <a:r>
+              <a:rPr lang="en-US" dirty="0" err="1"/>
+              <a:t>С</a:t>
+            </a:r>
+            <a:r>
+              <a:rPr lang="ru-RU" dirty="0" err="1"/>
+              <a:t>сылка</a:t>
+            </a:r>
+            <a:r>
+              <a:rPr lang="ru-RU" dirty="0"/>
+              <a:t> для копирования:</a:t>
+            </a:r>
+            <a:r>
+              <a:rPr lang="en-US" dirty="0"/>
+              <a:t> </a:t>
+            </a:r>
+            <a:r>
+              <a:rPr lang="en-US" dirty="0">
+                <a:solidFill>
+                  <a:schemeClr val="accent1"/>
+                </a:solidFill>
+              </a:rPr>
+              <a:t>https://</a:t>
+            </a:r>
+            <a:r>
+              <a:rPr lang="en-US" dirty="0" err="1">
+                <a:solidFill>
+                  <a:schemeClr val="accent1"/>
+                </a:solidFill>
+              </a:rPr>
+              <a:t>docs.google.com</a:t>
+            </a:r>
+            <a:r>
+              <a:rPr lang="en-US" dirty="0">
+                <a:solidFill>
+                  <a:schemeClr val="accent1"/>
+                </a:solidFill>
+              </a:rPr>
+              <a:t>/document/d/1prVm-YRIJ_Fynoe-S2R4ad_dvzxMtMbtbI6jpnlWuqA/</a:t>
+            </a:r>
+            <a:r>
+              <a:rPr lang="en-US" dirty="0" err="1">
+                <a:solidFill>
+                  <a:schemeClr val="accent1"/>
+                </a:solidFill>
+              </a:rPr>
+              <a:t>edit?usp</a:t>
+            </a:r>
+            <a:r>
+              <a:rPr lang="en-US" dirty="0">
+                <a:solidFill>
+                  <a:schemeClr val="accent1"/>
+                </a:solidFill>
+              </a:rPr>
+              <a:t>=sharing</a:t>
+            </a:r>
+            <a:endParaRPr lang="ru-RU" dirty="0">
+              <a:solidFill>
+                <a:schemeClr val="accent1"/>
+              </a:solidFill>
+            </a:endParaRPr>
+          </a:p>
+          <a:p>
+            <a:pPr marL="0" indent="0">
+              <a:buNone/>
+            </a:pPr>
+            <a:endParaRPr lang="ru-RU" dirty="0"/>
+          </a:p>
+          <a:p>
+            <a:pPr marL="0" indent="0">
+              <a:buNone/>
+            </a:pPr>
+            <a:r>
+              <a:rPr lang="ru-RU" dirty="0"/>
+              <a:t>   </a:t>
+            </a:r>
+            <a:r>
+              <a:rPr lang="en" dirty="0"/>
+              <a:t>-----  </a:t>
+            </a:r>
+          </a:p>
+          <a:p>
+            <a:pPr marL="0" indent="0">
+              <a:buNone/>
+            </a:pPr>
+            <a:r>
+              <a:rPr lang="en" dirty="0"/>
+              <a:t> /       </a:t>
+            </a:r>
+            <a:r>
+              <a:rPr lang="ru-RU" dirty="0"/>
+              <a:t> </a:t>
+            </a:r>
+            <a:r>
+              <a:rPr lang="en" dirty="0"/>
+              <a:t>\</a:t>
+            </a:r>
+          </a:p>
+          <a:p>
+            <a:pPr marL="0" indent="0">
+              <a:buNone/>
+            </a:pPr>
+            <a:r>
+              <a:rPr lang="en" dirty="0"/>
+              <a:t>|  o   o|</a:t>
+            </a:r>
+          </a:p>
+          <a:p>
+            <a:pPr marL="0" indent="0">
+              <a:buNone/>
+            </a:pPr>
+            <a:r>
+              <a:rPr lang="en" dirty="0"/>
+              <a:t>|    ∆   |</a:t>
+            </a:r>
+          </a:p>
+          <a:p>
+            <a:pPr marL="0" indent="0">
+              <a:buNone/>
+            </a:pPr>
+            <a:r>
+              <a:rPr lang="en" dirty="0"/>
+              <a:t> \  ---  /</a:t>
+            </a:r>
+          </a:p>
+          <a:p>
+            <a:pPr marL="0" indent="0">
+              <a:buNone/>
+            </a:pPr>
+            <a:r>
+              <a:rPr lang="en" dirty="0"/>
+              <a:t>  -------</a:t>
+            </a:r>
+            <a:endParaRPr lang="ru-RU" dirty="0"/>
+          </a:p>
+        </p:txBody>
+      </p:sp>
+      <p:pic>
+        <p:nvPicPr>
+          <p:cNvPr id="5" name="Рисунок 4">
+            <a:extLst>
+              <a:ext uri="{FF2B5EF4-FFF2-40B4-BE49-F238E27FC236}">
+                <a16:creationId xmlns:a16="http://schemas.microsoft.com/office/drawing/2014/main" id="{4E048AE4-FCAC-6E05-741F-02E5253817A5}"/>
+              </a:ext>
+            </a:extLst>
+          </p:cNvPr>
+          <p:cNvPicPr>
+            <a:picLocks noChangeAspect="1"/>
+          </p:cNvPicPr>
+          <p:nvPr/>
+        </p:nvPicPr>
+        <p:blipFill>
+          <a:blip r:embed="rId2"/>
+          <a:stretch>
+            <a:fillRect/>
+          </a:stretch>
+        </p:blipFill>
+        <p:spPr>
+          <a:xfrm>
+            <a:off x="3038475" y="3105149"/>
+            <a:ext cx="3514725" cy="3514725"/>
+          </a:xfrm>
+          <a:prstGeom prst="rect">
+            <a:avLst/>
+          </a:prstGeom>
+        </p:spPr>
+      </p:pic>
+    </p:spTree>
+    <p:extLst>
+      <p:ext uri="{BB962C8B-B14F-4D97-AF65-F5344CB8AC3E}">
+        <p14:creationId xmlns:p14="http://schemas.microsoft.com/office/powerpoint/2010/main" val="1799660417"/>
+      </p:ext>
+    </p:extLst>
+  </p:cSld>
+  <p:clrMapOvr>
+    <a:masterClrMapping/>
+  </p:clrMapOvr>
+</p:sld>
+</file>
+
+<file path=ppt/slides/slide5.xml><?xml version="1.0" encoding="utf-8"?>
+<p:sld xmlns:a="http://schemas.openxmlformats.org/drawingml/2006/main" xmlns:r="http://schemas.openxmlformats.org/officeDocument/2006/relationships" xmlns:p="http://schemas.openxmlformats.org/presentationml/2006/main">
+  <p:cSld>
+    <p:spTree>
+      <p:nvGrpSpPr>
+        <p:cNvPr id="1" name=""/>
+        <p:cNvGrpSpPr/>
+        <p:nvPr/>
+      </p:nvGrpSpPr>
+      <p:grpSpPr>
+        <a:xfrm>
+          <a:off x="0" y="0"/>
+          <a:ext cx="0" cy="0"/>
+          <a:chOff x="0" y="0"/>
+          <a:chExt cx="0" cy="0"/>
+        </a:xfrm>
+      </p:grpSpPr>
+      <p:sp>
+        <p:nvSpPr>
+          <p:cNvPr id="2" name="Заголовок 1">
+            <a:extLst>
+              <a:ext uri="{FF2B5EF4-FFF2-40B4-BE49-F238E27FC236}">
+                <a16:creationId xmlns:a16="http://schemas.microsoft.com/office/drawing/2014/main" id="{0C8A4686-D922-AA82-B045-219284CB5EA5}"/>
+              </a:ext>
+            </a:extLst>
+          </p:cNvPr>
+          <p:cNvSpPr>
+            <a:spLocks noGrp="1"/>
+          </p:cNvSpPr>
+          <p:nvPr>
+            <p:ph type="title"/>
+          </p:nvPr>
+        </p:nvSpPr>
+        <p:spPr/>
+        <p:txBody>
+          <a:bodyPr/>
+          <a:lstStyle/>
+          <a:p>
+            <a:r>
+              <a:rPr lang="ru-RU" dirty="0"/>
+              <a:t>Что пишут на С++?</a:t>
+            </a:r>
+          </a:p>
+        </p:txBody>
+      </p:sp>
+      <p:sp>
+        <p:nvSpPr>
+          <p:cNvPr id="3" name="Объект 2">
+            <a:extLst>
+              <a:ext uri="{FF2B5EF4-FFF2-40B4-BE49-F238E27FC236}">
+                <a16:creationId xmlns:a16="http://schemas.microsoft.com/office/drawing/2014/main" id="{B7AA3B04-5D4F-9ACE-4AD2-2963BB477C35}"/>
+              </a:ext>
+            </a:extLst>
+          </p:cNvPr>
+          <p:cNvSpPr>
+            <a:spLocks noGrp="1"/>
+          </p:cNvSpPr>
+          <p:nvPr>
+            <p:ph idx="1"/>
+          </p:nvPr>
+        </p:nvSpPr>
+        <p:spPr/>
+        <p:txBody>
+          <a:bodyPr/>
+          <a:lstStyle/>
+          <a:p>
+            <a:r>
+              <a:rPr lang="ru-RU" dirty="0"/>
+              <a:t>Поисковые движки</a:t>
+            </a:r>
+          </a:p>
+        </p:txBody>
+      </p:sp>
+    </p:spTree>
+    <p:extLst>
+      <p:ext uri="{BB962C8B-B14F-4D97-AF65-F5344CB8AC3E}">
+        <p14:creationId xmlns:p14="http://schemas.microsoft.com/office/powerpoint/2010/main" val="1174694532"/>
+      </p:ext>
+    </p:extLst>
+  </p:cSld>
+  <p:clrMapOvr>
+    <a:masterClrMapping/>
+  </p:clrMapOvr>
+</p:sld>
+</file>
+
+<file path=ppt/slides/slide50.xml><?xml version="1.0" encoding="utf-8"?>
+<p:sld xmlns:a="http://schemas.openxmlformats.org/drawingml/2006/main" xmlns:r="http://schemas.openxmlformats.org/officeDocument/2006/relationships" xmlns:p="http://schemas.openxmlformats.org/presentationml/2006/main">
+  <p:cSld>
+    <p:spTree>
+      <p:nvGrpSpPr>
+        <p:cNvPr id="1" name=""/>
+        <p:cNvGrpSpPr/>
+        <p:nvPr/>
+      </p:nvGrpSpPr>
+      <p:grpSpPr>
+        <a:xfrm>
+          <a:off x="0" y="0"/>
+          <a:ext cx="0" cy="0"/>
+          <a:chOff x="0" y="0"/>
+          <a:chExt cx="0" cy="0"/>
+        </a:xfrm>
+      </p:grpSpPr>
+      <p:sp>
+        <p:nvSpPr>
+          <p:cNvPr id="2" name="Заголовок 1">
+            <a:extLst>
+              <a:ext uri="{FF2B5EF4-FFF2-40B4-BE49-F238E27FC236}">
+                <a16:creationId xmlns:a16="http://schemas.microsoft.com/office/drawing/2014/main" id="{BD121502-5CAA-F651-10AB-C83DB55A4819}"/>
+              </a:ext>
+            </a:extLst>
+          </p:cNvPr>
+          <p:cNvSpPr>
+            <a:spLocks noGrp="1"/>
+          </p:cNvSpPr>
+          <p:nvPr>
+            <p:ph type="title"/>
+          </p:nvPr>
+        </p:nvSpPr>
+        <p:spPr/>
+        <p:txBody>
+          <a:bodyPr/>
+          <a:lstStyle/>
+          <a:p>
+            <a:r>
+              <a:rPr lang="ru-RU" dirty="0"/>
+              <a:t>Рекомендуемая литература</a:t>
+            </a:r>
+          </a:p>
+        </p:txBody>
+      </p:sp>
+      <p:sp>
+        <p:nvSpPr>
+          <p:cNvPr id="3" name="Объект 2">
+            <a:extLst>
+              <a:ext uri="{FF2B5EF4-FFF2-40B4-BE49-F238E27FC236}">
+                <a16:creationId xmlns:a16="http://schemas.microsoft.com/office/drawing/2014/main" id="{1778916B-9AF0-343D-7338-15F57BA0C629}"/>
+              </a:ext>
+            </a:extLst>
+          </p:cNvPr>
+          <p:cNvSpPr>
+            <a:spLocks noGrp="1"/>
+          </p:cNvSpPr>
+          <p:nvPr>
+            <p:ph idx="1"/>
+          </p:nvPr>
+        </p:nvSpPr>
+        <p:spPr/>
+        <p:txBody>
+          <a:bodyPr>
+            <a:normAutofit/>
+          </a:bodyPr>
+          <a:lstStyle/>
+          <a:p>
+            <a:pPr>
+              <a:buFont typeface="Arial" panose="020B0604020202020204" pitchFamily="34" charset="0"/>
+              <a:buChar char="•"/>
+            </a:pPr>
+            <a:r>
+              <a:rPr lang="en" dirty="0">
+                <a:effectLst/>
+                <a:latin typeface="Helvetica" pitchFamily="2" charset="0"/>
+              </a:rPr>
+              <a:t>Programming languages -C++", 2020</a:t>
+            </a:r>
+          </a:p>
+          <a:p>
+            <a:pPr>
+              <a:buFont typeface="Arial" panose="020B0604020202020204" pitchFamily="34" charset="0"/>
+              <a:buChar char="•"/>
+            </a:pPr>
+            <a:r>
+              <a:rPr lang="en" dirty="0">
+                <a:effectLst/>
+                <a:latin typeface="Helvetica" pitchFamily="2" charset="0"/>
+              </a:rPr>
+              <a:t>﻿﻿[SB] Bjarne </a:t>
+            </a:r>
+            <a:r>
+              <a:rPr lang="en" dirty="0" err="1">
+                <a:effectLst/>
+                <a:latin typeface="Helvetica" pitchFamily="2" charset="0"/>
+              </a:rPr>
+              <a:t>Stroustrup</a:t>
+            </a:r>
+            <a:r>
+              <a:rPr lang="en" dirty="0">
+                <a:effectLst/>
+                <a:latin typeface="Helvetica" pitchFamily="2" charset="0"/>
+              </a:rPr>
+              <a:t>, The C++ Programming Language (4th Edition), 2013</a:t>
+            </a:r>
+          </a:p>
+          <a:p>
+            <a:pPr>
+              <a:buFont typeface="Arial" panose="020B0604020202020204" pitchFamily="34" charset="0"/>
+              <a:buChar char="•"/>
+            </a:pPr>
+            <a:r>
+              <a:rPr lang="en" dirty="0">
+                <a:effectLst/>
+                <a:latin typeface="Helvetica" pitchFamily="2" charset="0"/>
+              </a:rPr>
+              <a:t>﻿﻿[C11] ISO/EC 9899 - "Information technology -</a:t>
+            </a:r>
+          </a:p>
+          <a:p>
+            <a:pPr>
+              <a:buFont typeface="Arial" panose="020B0604020202020204" pitchFamily="34" charset="0"/>
+              <a:buChar char="•"/>
+            </a:pPr>
+            <a:r>
+              <a:rPr lang="en" dirty="0">
+                <a:effectLst/>
+                <a:latin typeface="Helvetica" pitchFamily="2" charset="0"/>
+              </a:rPr>
+              <a:t>Programming languages -C", 2011</a:t>
+            </a:r>
+          </a:p>
+          <a:p>
+            <a:pPr>
+              <a:buFont typeface="Arial" panose="020B0604020202020204" pitchFamily="34" charset="0"/>
+              <a:buChar char="•"/>
+            </a:pPr>
+            <a:r>
+              <a:rPr lang="en" dirty="0">
+                <a:effectLst/>
+                <a:latin typeface="Helvetica" pitchFamily="2" charset="0"/>
+              </a:rPr>
+              <a:t>﻿﻿[K&amp;R] Brian W. Kernighan, Dennis Ritchie - The C programming language, 1988</a:t>
+            </a:r>
+          </a:p>
+          <a:p>
+            <a:pPr>
+              <a:buFont typeface="Arial" panose="020B0604020202020204" pitchFamily="34" charset="0"/>
+              <a:buChar char="•"/>
+            </a:pPr>
+            <a:r>
+              <a:rPr lang="en" dirty="0">
+                <a:effectLst/>
+                <a:latin typeface="Helvetica" pitchFamily="2" charset="0"/>
+              </a:rPr>
+              <a:t>﻿﻿[LS] Stanley Lippman, The C++ Primer (5th Edition),</a:t>
+            </a:r>
+            <a:br>
+              <a:rPr lang="en" dirty="0">
+                <a:effectLst/>
+                <a:latin typeface="Helvetica" pitchFamily="2" charset="0"/>
+              </a:rPr>
+            </a:br>
+            <a:r>
+              <a:rPr lang="en" dirty="0">
+                <a:effectLst/>
+                <a:latin typeface="Helvetica" pitchFamily="2" charset="0"/>
+              </a:rPr>
+              <a:t>2012</a:t>
+            </a:r>
+          </a:p>
+          <a:p>
+            <a:endParaRPr lang="ru-RU" dirty="0"/>
+          </a:p>
+        </p:txBody>
+      </p:sp>
+    </p:spTree>
+    <p:extLst>
+      <p:ext uri="{BB962C8B-B14F-4D97-AF65-F5344CB8AC3E}">
+        <p14:creationId xmlns:p14="http://schemas.microsoft.com/office/powerpoint/2010/main" val="2885906385"/>
+      </p:ext>
+    </p:extLst>
+  </p:cSld>
+  <p:clrMapOvr>
+    <a:masterClrMapping/>
+  </p:clrMapOvr>
+</p:sld>
+</file>
+
+<file path=ppt/slides/slide51.xml><?xml version="1.0" encoding="utf-8"?>
+<p:sld xmlns:a="http://schemas.openxmlformats.org/drawingml/2006/main" xmlns:r="http://schemas.openxmlformats.org/officeDocument/2006/relationships" xmlns:p="http://schemas.openxmlformats.org/presentationml/2006/main">
+  <p:cSld>
+    <p:spTree>
+      <p:nvGrpSpPr>
+        <p:cNvPr id="1" name=""/>
+        <p:cNvGrpSpPr/>
+        <p:nvPr/>
+      </p:nvGrpSpPr>
+      <p:grpSpPr>
+        <a:xfrm>
+          <a:off x="0" y="0"/>
+          <a:ext cx="0" cy="0"/>
+          <a:chOff x="0" y="0"/>
+          <a:chExt cx="0" cy="0"/>
+        </a:xfrm>
+      </p:grpSpPr>
+      <p:sp>
+        <p:nvSpPr>
+          <p:cNvPr id="2" name="Заголовок 1">
+            <a:extLst>
+              <a:ext uri="{FF2B5EF4-FFF2-40B4-BE49-F238E27FC236}">
+                <a16:creationId xmlns:a16="http://schemas.microsoft.com/office/drawing/2014/main" id="{5E854F68-8DB3-EBE4-290E-11CF6D743EAE}"/>
+              </a:ext>
+            </a:extLst>
+          </p:cNvPr>
+          <p:cNvSpPr>
+            <a:spLocks noGrp="1"/>
+          </p:cNvSpPr>
+          <p:nvPr>
+            <p:ph type="title"/>
+          </p:nvPr>
+        </p:nvSpPr>
+        <p:spPr/>
+        <p:txBody>
+          <a:bodyPr/>
+          <a:lstStyle/>
+          <a:p>
+            <a:r>
+              <a:rPr lang="ru-RU" dirty="0"/>
+              <a:t>Все лекции будут доступны на </a:t>
+            </a:r>
+            <a:r>
+              <a:rPr lang="en-US" dirty="0"/>
+              <a:t>GitHub</a:t>
+            </a:r>
+            <a:endParaRPr lang="ru-RU" dirty="0"/>
+          </a:p>
+        </p:txBody>
+      </p:sp>
+      <p:pic>
+        <p:nvPicPr>
+          <p:cNvPr id="4" name="Рисунок 3">
+            <a:extLst>
+              <a:ext uri="{FF2B5EF4-FFF2-40B4-BE49-F238E27FC236}">
+                <a16:creationId xmlns:a16="http://schemas.microsoft.com/office/drawing/2014/main" id="{630C41E8-F17A-467F-3D87-09C9C115928F}"/>
+              </a:ext>
+            </a:extLst>
+          </p:cNvPr>
+          <p:cNvPicPr>
+            <a:picLocks noChangeAspect="1"/>
+          </p:cNvPicPr>
+          <p:nvPr/>
+        </p:nvPicPr>
+        <p:blipFill>
+          <a:blip r:embed="rId2"/>
+          <a:stretch>
+            <a:fillRect/>
+          </a:stretch>
+        </p:blipFill>
+        <p:spPr>
+          <a:xfrm>
+            <a:off x="3117272" y="2739669"/>
+            <a:ext cx="1664268" cy="1664268"/>
+          </a:xfrm>
+          <a:prstGeom prst="rect">
+            <a:avLst/>
+          </a:prstGeom>
+        </p:spPr>
+      </p:pic>
+      <p:sp>
+        <p:nvSpPr>
+          <p:cNvPr id="5" name="Подзаголовок 2">
+            <a:extLst>
+              <a:ext uri="{FF2B5EF4-FFF2-40B4-BE49-F238E27FC236}">
+                <a16:creationId xmlns:a16="http://schemas.microsoft.com/office/drawing/2014/main" id="{4F93F195-0C01-BFDC-6D6B-9FFB30880DA2}"/>
+              </a:ext>
+            </a:extLst>
+          </p:cNvPr>
+          <p:cNvSpPr txBox="1">
+            <a:spLocks/>
+          </p:cNvSpPr>
+          <p:nvPr/>
+        </p:nvSpPr>
+        <p:spPr>
+          <a:xfrm>
+            <a:off x="3630468" y="3173018"/>
+            <a:ext cx="6186699" cy="797569"/>
+          </a:xfrm>
+          <a:prstGeom prst="rect">
+            <a:avLst/>
+          </a:prstGeom>
+        </p:spPr>
+        <p:txBody>
+          <a:bodyPr vert="horz" lIns="91440" tIns="45720" rIns="91440" bIns="45720" rtlCol="0">
+            <a:noAutofit/>
+          </a:bodyPr>
+          <a:lstStyle>
+            <a:lvl1pPr marL="0" indent="0" algn="ctr" defTabSz="914400" rtl="0" eaLnBrk="1" latinLnBrk="0" hangingPunct="1">
+              <a:lnSpc>
+                <a:spcPct val="90000"/>
+              </a:lnSpc>
+              <a:spcBef>
+                <a:spcPts val="1000"/>
+              </a:spcBef>
+              <a:buFont typeface="Arial" panose="020B0604020202020204" pitchFamily="34" charset="0"/>
+              <a:buNone/>
+              <a:defRPr sz="2400" kern="1200">
+                <a:solidFill>
+                  <a:schemeClr val="tx1"/>
+                </a:solidFill>
+                <a:latin typeface="+mn-lt"/>
+                <a:ea typeface="+mn-ea"/>
+                <a:cs typeface="+mn-cs"/>
+              </a:defRPr>
+            </a:lvl1pPr>
+            <a:lvl2pPr marL="457200" indent="0" algn="ctr" defTabSz="914400" rtl="0" eaLnBrk="1" latinLnBrk="0" hangingPunct="1">
+              <a:lnSpc>
+                <a:spcPct val="90000"/>
+              </a:lnSpc>
+              <a:spcBef>
+                <a:spcPts val="500"/>
+              </a:spcBef>
+              <a:buFont typeface="Arial" panose="020B0604020202020204" pitchFamily="34" charset="0"/>
+              <a:buNone/>
+              <a:defRPr sz="2000" kern="1200">
+                <a:solidFill>
+                  <a:schemeClr val="tx1"/>
+                </a:solidFill>
+                <a:latin typeface="+mn-lt"/>
+                <a:ea typeface="+mn-ea"/>
+                <a:cs typeface="+mn-cs"/>
+              </a:defRPr>
+            </a:lvl2pPr>
+            <a:lvl3pPr marL="914400" indent="0" algn="ctr" defTabSz="914400" rtl="0" eaLnBrk="1" latinLnBrk="0" hangingPunct="1">
+              <a:lnSpc>
+                <a:spcPct val="90000"/>
+              </a:lnSpc>
+              <a:spcBef>
+                <a:spcPts val="500"/>
+              </a:spcBef>
+              <a:buFont typeface="Arial" panose="020B0604020202020204" pitchFamily="34" charset="0"/>
+              <a:buNone/>
+              <a:defRPr sz="1800" kern="1200">
+                <a:solidFill>
+                  <a:schemeClr val="tx1"/>
+                </a:solidFill>
+                <a:latin typeface="+mn-lt"/>
+                <a:ea typeface="+mn-ea"/>
+                <a:cs typeface="+mn-cs"/>
+              </a:defRPr>
+            </a:lvl3pPr>
+            <a:lvl4pPr marL="1371600" indent="0" algn="ctr" defTabSz="914400" rtl="0" eaLnBrk="1" latinLnBrk="0" hangingPunct="1">
+              <a:lnSpc>
+                <a:spcPct val="90000"/>
+              </a:lnSpc>
+              <a:spcBef>
+                <a:spcPts val="500"/>
+              </a:spcBef>
+              <a:buFont typeface="Arial" panose="020B0604020202020204" pitchFamily="34" charset="0"/>
+              <a:buNone/>
+              <a:defRPr sz="1600" kern="1200">
+                <a:solidFill>
+                  <a:schemeClr val="tx1"/>
+                </a:solidFill>
+                <a:latin typeface="+mn-lt"/>
+                <a:ea typeface="+mn-ea"/>
+                <a:cs typeface="+mn-cs"/>
+              </a:defRPr>
+            </a:lvl4pPr>
+            <a:lvl5pPr marL="1828800" indent="0" algn="ctr" defTabSz="914400" rtl="0" eaLnBrk="1" latinLnBrk="0" hangingPunct="1">
+              <a:lnSpc>
+                <a:spcPct val="90000"/>
+              </a:lnSpc>
+              <a:spcBef>
+                <a:spcPts val="500"/>
+              </a:spcBef>
+              <a:buFont typeface="Arial" panose="020B0604020202020204" pitchFamily="34" charset="0"/>
+              <a:buNone/>
+              <a:defRPr sz="1600" kern="1200">
+                <a:solidFill>
+                  <a:schemeClr val="tx1"/>
+                </a:solidFill>
+                <a:latin typeface="+mn-lt"/>
+                <a:ea typeface="+mn-ea"/>
+                <a:cs typeface="+mn-cs"/>
+              </a:defRPr>
+            </a:lvl5pPr>
+            <a:lvl6pPr marL="2286000" indent="0" algn="ctr" defTabSz="914400" rtl="0" eaLnBrk="1" latinLnBrk="0" hangingPunct="1">
+              <a:lnSpc>
+                <a:spcPct val="90000"/>
+              </a:lnSpc>
+              <a:spcBef>
+                <a:spcPts val="500"/>
+              </a:spcBef>
+              <a:buFont typeface="Arial" panose="020B0604020202020204" pitchFamily="34" charset="0"/>
+              <a:buNone/>
+              <a:defRPr sz="1600" kern="1200">
+                <a:solidFill>
+                  <a:schemeClr val="tx1"/>
+                </a:solidFill>
+                <a:latin typeface="+mn-lt"/>
+                <a:ea typeface="+mn-ea"/>
+                <a:cs typeface="+mn-cs"/>
+              </a:defRPr>
+            </a:lvl6pPr>
+            <a:lvl7pPr marL="2743200" indent="0" algn="ctr" defTabSz="914400" rtl="0" eaLnBrk="1" latinLnBrk="0" hangingPunct="1">
+              <a:lnSpc>
+                <a:spcPct val="90000"/>
+              </a:lnSpc>
+              <a:spcBef>
+                <a:spcPts val="500"/>
+              </a:spcBef>
+              <a:buFont typeface="Arial" panose="020B0604020202020204" pitchFamily="34" charset="0"/>
+              <a:buNone/>
+              <a:defRPr sz="1600" kern="1200">
+                <a:solidFill>
+                  <a:schemeClr val="tx1"/>
+                </a:solidFill>
+                <a:latin typeface="+mn-lt"/>
+                <a:ea typeface="+mn-ea"/>
+                <a:cs typeface="+mn-cs"/>
+              </a:defRPr>
+            </a:lvl7pPr>
+            <a:lvl8pPr marL="3200400" indent="0" algn="ctr" defTabSz="914400" rtl="0" eaLnBrk="1" latinLnBrk="0" hangingPunct="1">
+              <a:lnSpc>
+                <a:spcPct val="90000"/>
+              </a:lnSpc>
+              <a:spcBef>
+                <a:spcPts val="500"/>
+              </a:spcBef>
+              <a:buFont typeface="Arial" panose="020B0604020202020204" pitchFamily="34" charset="0"/>
+              <a:buNone/>
+              <a:defRPr sz="1600" kern="1200">
+                <a:solidFill>
+                  <a:schemeClr val="tx1"/>
+                </a:solidFill>
+                <a:latin typeface="+mn-lt"/>
+                <a:ea typeface="+mn-ea"/>
+                <a:cs typeface="+mn-cs"/>
+              </a:defRPr>
+            </a:lvl8pPr>
+            <a:lvl9pPr marL="3657600" indent="0" algn="ctr" defTabSz="914400" rtl="0" eaLnBrk="1" latinLnBrk="0" hangingPunct="1">
+              <a:lnSpc>
+                <a:spcPct val="90000"/>
+              </a:lnSpc>
+              <a:spcBef>
+                <a:spcPts val="500"/>
+              </a:spcBef>
+              <a:buFont typeface="Arial" panose="020B0604020202020204" pitchFamily="34" charset="0"/>
+              <a:buNone/>
+              <a:defRPr sz="1600" kern="1200">
+                <a:solidFill>
+                  <a:schemeClr val="tx1"/>
+                </a:solidFill>
+                <a:latin typeface="+mn-lt"/>
+                <a:ea typeface="+mn-ea"/>
+                <a:cs typeface="+mn-cs"/>
+              </a:defRPr>
+            </a:lvl9pPr>
+          </a:lstStyle>
+          <a:p>
+            <a:r>
+              <a:rPr lang="ru-RU" sz="5400" b="1" dirty="0"/>
+              <a:t>F</a:t>
+            </a:r>
+            <a:r>
+              <a:rPr lang="en-US" sz="5400" b="1" dirty="0"/>
+              <a:t>loyzenCode</a:t>
+            </a:r>
+            <a:endParaRPr lang="ru-RU" sz="5400" b="1" dirty="0"/>
+          </a:p>
+        </p:txBody>
+      </p:sp>
+    </p:spTree>
+    <p:extLst>
+      <p:ext uri="{BB962C8B-B14F-4D97-AF65-F5344CB8AC3E}">
+        <p14:creationId xmlns:p14="http://schemas.microsoft.com/office/powerpoint/2010/main" val="1538576645"/>
+      </p:ext>
+    </p:extLst>
+  </p:cSld>
+  <p:clrMapOvr>
+    <a:masterClrMapping/>
+  </p:clrMapOvr>
+</p:sld>
+</file>
+
+<file path=ppt/slides/slide6.xml><?xml version="1.0" encoding="utf-8"?>
+<p:sld xmlns:a="http://schemas.openxmlformats.org/drawingml/2006/main" xmlns:r="http://schemas.openxmlformats.org/officeDocument/2006/relationships" xmlns:p="http://schemas.openxmlformats.org/presentationml/2006/main">
+  <p:cSld>
+    <p:spTree>
+      <p:nvGrpSpPr>
+        <p:cNvPr id="1" name=""/>
+        <p:cNvGrpSpPr/>
+        <p:nvPr/>
+      </p:nvGrpSpPr>
+      <p:grpSpPr>
+        <a:xfrm>
+          <a:off x="0" y="0"/>
+          <a:ext cx="0" cy="0"/>
+          <a:chOff x="0" y="0"/>
+          <a:chExt cx="0" cy="0"/>
+        </a:xfrm>
+      </p:grpSpPr>
+      <p:sp>
+        <p:nvSpPr>
+          <p:cNvPr id="2" name="Заголовок 1">
+            <a:extLst>
+              <a:ext uri="{FF2B5EF4-FFF2-40B4-BE49-F238E27FC236}">
+                <a16:creationId xmlns:a16="http://schemas.microsoft.com/office/drawing/2014/main" id="{0C8A4686-D922-AA82-B045-219284CB5EA5}"/>
+              </a:ext>
+            </a:extLst>
+          </p:cNvPr>
+          <p:cNvSpPr>
+            <a:spLocks noGrp="1"/>
+          </p:cNvSpPr>
+          <p:nvPr>
+            <p:ph type="title"/>
+          </p:nvPr>
+        </p:nvSpPr>
+        <p:spPr/>
+        <p:txBody>
+          <a:bodyPr/>
+          <a:lstStyle/>
+          <a:p>
+            <a:r>
+              <a:rPr lang="ru-RU" dirty="0"/>
+              <a:t>Что пишут на С++?</a:t>
+            </a:r>
+          </a:p>
+        </p:txBody>
+      </p:sp>
+      <p:sp>
+        <p:nvSpPr>
+          <p:cNvPr id="3" name="Объект 2">
+            <a:extLst>
+              <a:ext uri="{FF2B5EF4-FFF2-40B4-BE49-F238E27FC236}">
+                <a16:creationId xmlns:a16="http://schemas.microsoft.com/office/drawing/2014/main" id="{B7AA3B04-5D4F-9ACE-4AD2-2963BB477C35}"/>
+              </a:ext>
+            </a:extLst>
+          </p:cNvPr>
+          <p:cNvSpPr>
+            <a:spLocks noGrp="1"/>
+          </p:cNvSpPr>
+          <p:nvPr>
+            <p:ph idx="1"/>
+          </p:nvPr>
+        </p:nvSpPr>
+        <p:spPr/>
+        <p:txBody>
+          <a:bodyPr/>
+          <a:lstStyle/>
+          <a:p>
+            <a:r>
+              <a:rPr lang="ru-RU" dirty="0"/>
+              <a:t>Поисковые движки</a:t>
+            </a:r>
+          </a:p>
+          <a:p>
+            <a:r>
+              <a:rPr lang="ru-RU" dirty="0"/>
+              <a:t>Игры</a:t>
+            </a:r>
+          </a:p>
+        </p:txBody>
+      </p:sp>
+    </p:spTree>
+    <p:extLst>
+      <p:ext uri="{BB962C8B-B14F-4D97-AF65-F5344CB8AC3E}">
+        <p14:creationId xmlns:p14="http://schemas.microsoft.com/office/powerpoint/2010/main" val="829447187"/>
+      </p:ext>
+    </p:extLst>
+  </p:cSld>
+  <p:clrMapOvr>
+    <a:masterClrMapping/>
+  </p:clrMapOvr>
+</p:sld>
+</file>
+
+<file path=ppt/slides/slide7.xml><?xml version="1.0" encoding="utf-8"?>
+<p:sld xmlns:a="http://schemas.openxmlformats.org/drawingml/2006/main" xmlns:r="http://schemas.openxmlformats.org/officeDocument/2006/relationships" xmlns:p="http://schemas.openxmlformats.org/presentationml/2006/main">
+  <p:cSld>
+    <p:spTree>
+      <p:nvGrpSpPr>
+        <p:cNvPr id="1" name=""/>
+        <p:cNvGrpSpPr/>
+        <p:nvPr/>
+      </p:nvGrpSpPr>
+      <p:grpSpPr>
+        <a:xfrm>
+          <a:off x="0" y="0"/>
+          <a:ext cx="0" cy="0"/>
+          <a:chOff x="0" y="0"/>
+          <a:chExt cx="0" cy="0"/>
+        </a:xfrm>
+      </p:grpSpPr>
+      <p:sp>
+        <p:nvSpPr>
+          <p:cNvPr id="2" name="Заголовок 1">
+            <a:extLst>
+              <a:ext uri="{FF2B5EF4-FFF2-40B4-BE49-F238E27FC236}">
+                <a16:creationId xmlns:a16="http://schemas.microsoft.com/office/drawing/2014/main" id="{0C8A4686-D922-AA82-B045-219284CB5EA5}"/>
+              </a:ext>
+            </a:extLst>
+          </p:cNvPr>
+          <p:cNvSpPr>
+            <a:spLocks noGrp="1"/>
+          </p:cNvSpPr>
+          <p:nvPr>
+            <p:ph type="title"/>
+          </p:nvPr>
+        </p:nvSpPr>
+        <p:spPr/>
+        <p:txBody>
+          <a:bodyPr/>
+          <a:lstStyle/>
+          <a:p>
+            <a:r>
+              <a:rPr lang="ru-RU" dirty="0"/>
+              <a:t>Что пишут на С++?</a:t>
+            </a:r>
+          </a:p>
+        </p:txBody>
+      </p:sp>
+      <p:sp>
+        <p:nvSpPr>
+          <p:cNvPr id="3" name="Объект 2">
+            <a:extLst>
+              <a:ext uri="{FF2B5EF4-FFF2-40B4-BE49-F238E27FC236}">
+                <a16:creationId xmlns:a16="http://schemas.microsoft.com/office/drawing/2014/main" id="{B7AA3B04-5D4F-9ACE-4AD2-2963BB477C35}"/>
+              </a:ext>
+            </a:extLst>
+          </p:cNvPr>
+          <p:cNvSpPr>
+            <a:spLocks noGrp="1"/>
+          </p:cNvSpPr>
+          <p:nvPr>
+            <p:ph idx="1"/>
+          </p:nvPr>
+        </p:nvSpPr>
+        <p:spPr/>
+        <p:txBody>
+          <a:bodyPr/>
+          <a:lstStyle/>
+          <a:p>
+            <a:r>
+              <a:rPr lang="ru-RU" dirty="0"/>
+              <a:t>Поисковые движки</a:t>
+            </a:r>
+          </a:p>
+          <a:p>
+            <a:r>
+              <a:rPr lang="ru-RU" dirty="0"/>
+              <a:t>Игры</a:t>
+            </a:r>
+          </a:p>
+          <a:p>
+            <a:r>
+              <a:rPr lang="ru-RU" dirty="0"/>
+              <a:t>Браузеры</a:t>
+            </a:r>
+          </a:p>
+        </p:txBody>
+      </p:sp>
+    </p:spTree>
+    <p:extLst>
+      <p:ext uri="{BB962C8B-B14F-4D97-AF65-F5344CB8AC3E}">
+        <p14:creationId xmlns:p14="http://schemas.microsoft.com/office/powerpoint/2010/main" val="3876280359"/>
+      </p:ext>
+    </p:extLst>
+  </p:cSld>
+  <p:clrMapOvr>
+    <a:masterClrMapping/>
+  </p:clrMapOvr>
+</p:sld>
+</file>
+
+<file path=ppt/slides/slide8.xml><?xml version="1.0" encoding="utf-8"?>
+<p:sld xmlns:a="http://schemas.openxmlformats.org/drawingml/2006/main" xmlns:r="http://schemas.openxmlformats.org/officeDocument/2006/relationships" xmlns:p="http://schemas.openxmlformats.org/presentationml/2006/main">
+  <p:cSld>
+    <p:spTree>
+      <p:nvGrpSpPr>
+        <p:cNvPr id="1" name=""/>
+        <p:cNvGrpSpPr/>
+        <p:nvPr/>
+      </p:nvGrpSpPr>
+      <p:grpSpPr>
+        <a:xfrm>
+          <a:off x="0" y="0"/>
+          <a:ext cx="0" cy="0"/>
+          <a:chOff x="0" y="0"/>
+          <a:chExt cx="0" cy="0"/>
+        </a:xfrm>
+      </p:grpSpPr>
+      <p:sp>
+        <p:nvSpPr>
+          <p:cNvPr id="2" name="Заголовок 1">
+            <a:extLst>
+              <a:ext uri="{FF2B5EF4-FFF2-40B4-BE49-F238E27FC236}">
+                <a16:creationId xmlns:a16="http://schemas.microsoft.com/office/drawing/2014/main" id="{0C8A4686-D922-AA82-B045-219284CB5EA5}"/>
+              </a:ext>
+            </a:extLst>
+          </p:cNvPr>
+          <p:cNvSpPr>
+            <a:spLocks noGrp="1"/>
+          </p:cNvSpPr>
+          <p:nvPr>
+            <p:ph type="title"/>
+          </p:nvPr>
+        </p:nvSpPr>
+        <p:spPr/>
+        <p:txBody>
+          <a:bodyPr/>
+          <a:lstStyle/>
+          <a:p>
+            <a:r>
+              <a:rPr lang="ru-RU" dirty="0"/>
+              <a:t>Что пишут на С++?</a:t>
+            </a:r>
+          </a:p>
+        </p:txBody>
+      </p:sp>
+      <p:sp>
+        <p:nvSpPr>
+          <p:cNvPr id="3" name="Объект 2">
+            <a:extLst>
+              <a:ext uri="{FF2B5EF4-FFF2-40B4-BE49-F238E27FC236}">
+                <a16:creationId xmlns:a16="http://schemas.microsoft.com/office/drawing/2014/main" id="{B7AA3B04-5D4F-9ACE-4AD2-2963BB477C35}"/>
+              </a:ext>
+            </a:extLst>
+          </p:cNvPr>
+          <p:cNvSpPr>
+            <a:spLocks noGrp="1"/>
+          </p:cNvSpPr>
+          <p:nvPr>
+            <p:ph idx="1"/>
+          </p:nvPr>
+        </p:nvSpPr>
+        <p:spPr/>
+        <p:txBody>
+          <a:bodyPr/>
+          <a:lstStyle/>
+          <a:p>
+            <a:r>
+              <a:rPr lang="ru-RU" dirty="0"/>
+              <a:t>Поисковые движки</a:t>
+            </a:r>
+          </a:p>
+          <a:p>
+            <a:r>
+              <a:rPr lang="ru-RU" dirty="0"/>
+              <a:t>Игры</a:t>
+            </a:r>
+          </a:p>
+          <a:p>
+            <a:r>
+              <a:rPr lang="ru-RU" dirty="0"/>
+              <a:t>Браузеры</a:t>
+            </a:r>
+          </a:p>
+          <a:p>
+            <a:r>
+              <a:rPr lang="ru-RU" dirty="0"/>
+              <a:t>Компиляторы</a:t>
+            </a:r>
+          </a:p>
+        </p:txBody>
+      </p:sp>
+    </p:spTree>
+    <p:extLst>
+      <p:ext uri="{BB962C8B-B14F-4D97-AF65-F5344CB8AC3E}">
+        <p14:creationId xmlns:p14="http://schemas.microsoft.com/office/powerpoint/2010/main" val="1060816504"/>
+      </p:ext>
+    </p:extLst>
+  </p:cSld>
+  <p:clrMapOvr>
+    <a:masterClrMapping/>
+  </p:clrMapOvr>
+</p:sld>
+</file>
+
+<file path=ppt/slides/slide9.xml><?xml version="1.0" encoding="utf-8"?>
+<p:sld xmlns:a="http://schemas.openxmlformats.org/drawingml/2006/main" xmlns:r="http://schemas.openxmlformats.org/officeDocument/2006/relationships" xmlns:p="http://schemas.openxmlformats.org/presentationml/2006/main">
+  <p:cSld>
+    <p:spTree>
+      <p:nvGrpSpPr>
+        <p:cNvPr id="1" name=""/>
+        <p:cNvGrpSpPr/>
+        <p:nvPr/>
+      </p:nvGrpSpPr>
+      <p:grpSpPr>
+        <a:xfrm>
+          <a:off x="0" y="0"/>
+          <a:ext cx="0" cy="0"/>
+          <a:chOff x="0" y="0"/>
+          <a:chExt cx="0" cy="0"/>
+        </a:xfrm>
+      </p:grpSpPr>
+      <p:sp>
+        <p:nvSpPr>
+          <p:cNvPr id="2" name="Заголовок 1">
+            <a:extLst>
+              <a:ext uri="{FF2B5EF4-FFF2-40B4-BE49-F238E27FC236}">
+                <a16:creationId xmlns:a16="http://schemas.microsoft.com/office/drawing/2014/main" id="{0C8A4686-D922-AA82-B045-219284CB5EA5}"/>
+              </a:ext>
+            </a:extLst>
+          </p:cNvPr>
+          <p:cNvSpPr>
+            <a:spLocks noGrp="1"/>
+          </p:cNvSpPr>
+          <p:nvPr>
+            <p:ph type="title"/>
+          </p:nvPr>
+        </p:nvSpPr>
+        <p:spPr/>
+        <p:txBody>
+          <a:bodyPr/>
+          <a:lstStyle/>
+          <a:p>
+            <a:r>
+              <a:rPr lang="ru-RU" dirty="0"/>
+              <a:t>Что пишут на С++?</a:t>
+            </a:r>
+          </a:p>
+        </p:txBody>
+      </p:sp>
+      <p:sp>
+        <p:nvSpPr>
+          <p:cNvPr id="3" name="Объект 2">
+            <a:extLst>
+              <a:ext uri="{FF2B5EF4-FFF2-40B4-BE49-F238E27FC236}">
+                <a16:creationId xmlns:a16="http://schemas.microsoft.com/office/drawing/2014/main" id="{B7AA3B04-5D4F-9ACE-4AD2-2963BB477C35}"/>
+              </a:ext>
+            </a:extLst>
+          </p:cNvPr>
+          <p:cNvSpPr>
+            <a:spLocks noGrp="1"/>
+          </p:cNvSpPr>
+          <p:nvPr>
+            <p:ph idx="1"/>
+          </p:nvPr>
+        </p:nvSpPr>
+        <p:spPr/>
+        <p:txBody>
+          <a:bodyPr/>
+          <a:lstStyle/>
+          <a:p>
+            <a:r>
+              <a:rPr lang="ru-RU" dirty="0"/>
+              <a:t>Поисковые движки</a:t>
+            </a:r>
+          </a:p>
+          <a:p>
+            <a:r>
+              <a:rPr lang="ru-RU" dirty="0"/>
+              <a:t>Игры</a:t>
+            </a:r>
+          </a:p>
+          <a:p>
+            <a:r>
+              <a:rPr lang="ru-RU" dirty="0"/>
+              <a:t>Браузеры</a:t>
+            </a:r>
+          </a:p>
+          <a:p>
+            <a:r>
+              <a:rPr lang="ru-RU" dirty="0"/>
+              <a:t>Компиляторы</a:t>
+            </a:r>
+          </a:p>
+          <a:p>
+            <a:r>
+              <a:rPr lang="ru-RU" dirty="0"/>
+              <a:t>Высоконагруженные программы</a:t>
+            </a:r>
+          </a:p>
+        </p:txBody>
+      </p:sp>
+    </p:spTree>
+    <p:extLst>
+      <p:ext uri="{BB962C8B-B14F-4D97-AF65-F5344CB8AC3E}">
+        <p14:creationId xmlns:p14="http://schemas.microsoft.com/office/powerpoint/2010/main" val="268119266"/>
       </p:ext>
     </p:extLst>
   </p:cSld>
@@ -4021,4 +11546,299 @@
     </a:ext>
   </a:extLst>
 </a:theme>
+</file>
+
+<file path=ppt/theme/theme2.xml><?xml version="1.0" encoding="utf-8"?>
+<a:theme xmlns:a="http://schemas.openxmlformats.org/drawingml/2006/main" name="Тема Office">
+  <a:themeElements>
+    <a:clrScheme name="Стандартная">
+      <a:dk1>
+        <a:sysClr val="windowText" lastClr="000000"/>
+      </a:dk1>
+      <a:lt1>
+        <a:sysClr val="window" lastClr="FFFFFF"/>
+      </a:lt1>
+      <a:dk2>
+        <a:srgbClr val="44546A"/>
+      </a:dk2>
+      <a:lt2>
+        <a:srgbClr val="E7E6E6"/>
+      </a:lt2>
+      <a:accent1>
+        <a:srgbClr val="4472C4"/>
+      </a:accent1>
+      <a:accent2>
+        <a:srgbClr val="ED7D31"/>
+      </a:accent2>
+      <a:accent3>
+        <a:srgbClr val="A5A5A5"/>
+      </a:accent3>
+      <a:accent4>
+        <a:srgbClr val="FFC000"/>
+      </a:accent4>
+      <a:accent5>
+        <a:srgbClr val="5B9BD5"/>
+      </a:accent5>
+      <a:accent6>
+        <a:srgbClr val="70AD47"/>
+      </a:accent6>
+      <a:hlink>
+        <a:srgbClr val="0563C1"/>
+      </a:hlink>
+      <a:folHlink>
+        <a:srgbClr val="954F72"/>
+      </a:folHlink>
+    </a:clrScheme>
+    <a:fontScheme name="Стандартная">
+      <a:majorFont>
+        <a:latin typeface="Calibri Light" panose="020F0302020204030204"/>
+        <a:ea typeface=""/>
+        <a:cs typeface=""/>
+        <a:font script="Jpan" typeface="游ゴシック Light"/>
+        <a:font script="Hang" typeface="맑은 고딕"/>
+        <a:font script="Hans" typeface="等线 Light"/>
+        <a:font script="Hant" typeface="新細明體"/>
+        <a:font script="Arab" typeface="Times New Roman"/>
+        <a:font script="Hebr" typeface="Times New Roman"/>
+        <a:font script="Thai" typeface="Angsana New"/>
+        <a:font script="Ethi" typeface="Nyala"/>
+        <a:font script="Beng" typeface="Vrinda"/>
+        <a:font script="Gujr" typeface="Shruti"/>
+        <a:font script="Khmr" typeface="MoolBoran"/>
+        <a:font script="Knda" typeface="Tunga"/>
+        <a:font script="Guru" typeface="Raavi"/>
+        <a:font script="Cans" typeface="Euphemia"/>
+        <a:font script="Cher" typeface="Plantagenet Cherokee"/>
+        <a:font script="Yiii" typeface="Microsoft Yi Baiti"/>
+        <a:font script="Tibt" typeface="Microsoft Himalaya"/>
+        <a:font script="Thaa" typeface="MV Boli"/>
+        <a:font script="Deva" typeface="Mangal"/>
+        <a:font script="Telu" typeface="Gautami"/>
+        <a:font script="Taml" typeface="Latha"/>
+        <a:font script="Syrc" typeface="Estrangelo Edessa"/>
+        <a:font script="Orya" typeface="Kalinga"/>
+        <a:font script="Mlym" typeface="Kartika"/>
+        <a:font script="Laoo" typeface="DokChampa"/>
+        <a:font script="Sinh" typeface="Iskoola Pota"/>
+        <a:font script="Mong" typeface="Mongolian Baiti"/>
+        <a:font script="Viet" typeface="Times New Roman"/>
+        <a:font script="Uigh" typeface="Microsoft Uighur"/>
+        <a:font script="Geor" typeface="Sylfaen"/>
+        <a:font script="Armn" typeface="Arial"/>
+        <a:font script="Bugi" typeface="Leelawadee UI"/>
+        <a:font script="Bopo" typeface="Microsoft JhengHei"/>
+        <a:font script="Java" typeface="Javanese Text"/>
+        <a:font script="Lisu" typeface="Segoe UI"/>
+        <a:font script="Mymr" typeface="Myanmar Text"/>
+        <a:font script="Nkoo" typeface="Ebrima"/>
+        <a:font script="Olck" typeface="Nirmala UI"/>
+        <a:font script="Osma" typeface="Ebrima"/>
+        <a:font script="Phag" typeface="Phagspa"/>
+        <a:font script="Syrn" typeface="Estrangelo Edessa"/>
+        <a:font script="Syrj" typeface="Estrangelo Edessa"/>
+        <a:font script="Syre" typeface="Estrangelo Edessa"/>
+        <a:font script="Sora" typeface="Nirmala UI"/>
+        <a:font script="Tale" typeface="Microsoft Tai Le"/>
+        <a:font script="Talu" typeface="Microsoft New Tai Lue"/>
+        <a:font script="Tfng" typeface="Ebrima"/>
+      </a:majorFont>
+      <a:minorFont>
+        <a:latin typeface="Calibri" panose="020F0502020204030204"/>
+        <a:ea typeface=""/>
+        <a:cs typeface=""/>
+        <a:font script="Jpan" typeface="游ゴシック"/>
+        <a:font script="Hang" typeface="맑은 고딕"/>
+        <a:font script="Hans" typeface="等线"/>
+        <a:font script="Hant" typeface="新細明體"/>
+        <a:font script="Arab" typeface="Arial"/>
+        <a:font script="Hebr" typeface="Arial"/>
+        <a:font script="Thai" typeface="Cordia New"/>
+        <a:font script="Ethi" typeface="Nyala"/>
+        <a:font script="Beng" typeface="Vrinda"/>
+        <a:font script="Gujr" typeface="Shruti"/>
+        <a:font script="Khmr" typeface="DaunPenh"/>
+        <a:font script="Knda" typeface="Tunga"/>
+        <a:font script="Guru" typeface="Raavi"/>
+        <a:font script="Cans" typeface="Euphemia"/>
+        <a:font script="Cher" typeface="Plantagenet Cherokee"/>
+        <a:font script="Yiii" typeface="Microsoft Yi Baiti"/>
+        <a:font script="Tibt" typeface="Microsoft Himalaya"/>
+        <a:font script="Thaa" typeface="MV Boli"/>
+        <a:font script="Deva" typeface="Mangal"/>
+        <a:font script="Telu" typeface="Gautami"/>
+        <a:font script="Taml" typeface="Latha"/>
+        <a:font script="Syrc" typeface="Estrangelo Edessa"/>
+        <a:font script="Orya" typeface="Kalinga"/>
+        <a:font script="Mlym" typeface="Kartika"/>
+        <a:font script="Laoo" typeface="DokChampa"/>
+        <a:font script="Sinh" typeface="Iskoola Pota"/>
+        <a:font script="Mong" typeface="Mongolian Baiti"/>
+        <a:font script="Viet" typeface="Arial"/>
+        <a:font script="Uigh" typeface="Microsoft Uighur"/>
+        <a:font script="Geor" typeface="Sylfaen"/>
+        <a:font script="Armn" typeface="Arial"/>
+        <a:font script="Bugi" typeface="Leelawadee UI"/>
+        <a:font script="Bopo" typeface="Microsoft JhengHei"/>
+        <a:font script="Java" typeface="Javanese Text"/>
+        <a:font script="Lisu" typeface="Segoe UI"/>
+        <a:font script="Mymr" typeface="Myanmar Text"/>
+        <a:font script="Nkoo" typeface="Ebrima"/>
+        <a:font script="Olck" typeface="Nirmala UI"/>
+        <a:font script="Osma" typeface="Ebrima"/>
+        <a:font script="Phag" typeface="Phagspa"/>
+        <a:font script="Syrn" typeface="Estrangelo Edessa"/>
+        <a:font script="Syrj" typeface="Estrangelo Edessa"/>
+        <a:font script="Syre" typeface="Estrangelo Edessa"/>
+        <a:font script="Sora" typeface="Nirmala UI"/>
+        <a:font script="Tale" typeface="Microsoft Tai Le"/>
+        <a:font script="Talu" typeface="Microsoft New Tai Lue"/>
+        <a:font script="Tfng" typeface="Ebrima"/>
+      </a:minorFont>
+    </a:fontScheme>
+    <a:fmtScheme name="Стандартная">
+      <a:fillStyleLst>
+        <a:solidFill>
+          <a:schemeClr val="phClr"/>
+        </a:solidFill>
+        <a:gradFill rotWithShape="1">
+          <a:gsLst>
+            <a:gs pos="0">
+              <a:schemeClr val="phClr">
+                <a:lumMod val="110000"/>
+                <a:satMod val="105000"/>
+                <a:tint val="67000"/>
+              </a:schemeClr>
+            </a:gs>
+            <a:gs pos="50000">
+              <a:schemeClr val="phClr">
+                <a:lumMod val="105000"/>
+                <a:satMod val="103000"/>
+                <a:tint val="73000"/>
+              </a:schemeClr>
+            </a:gs>
+            <a:gs pos="100000">
+              <a:schemeClr val="phClr">
+                <a:lumMod val="105000"/>
+                <a:satMod val="109000"/>
+                <a:tint val="81000"/>
+              </a:schemeClr>
+            </a:gs>
+          </a:gsLst>
+          <a:lin ang="5400000" scaled="0"/>
+        </a:gradFill>
+        <a:gradFill rotWithShape="1">
+          <a:gsLst>
+            <a:gs pos="0">
+              <a:schemeClr val="phClr">
+                <a:satMod val="103000"/>
+                <a:lumMod val="102000"/>
+                <a:tint val="94000"/>
+              </a:schemeClr>
+            </a:gs>
+            <a:gs pos="50000">
+              <a:schemeClr val="phClr">
+                <a:satMod val="110000"/>
+                <a:lumMod val="100000"/>
+                <a:shade val="100000"/>
+              </a:schemeClr>
+            </a:gs>
+            <a:gs pos="100000">
+              <a:schemeClr val="phClr">
+                <a:lumMod val="99000"/>
+                <a:satMod val="120000"/>
+                <a:shade val="78000"/>
+              </a:schemeClr>
+            </a:gs>
+          </a:gsLst>
+          <a:lin ang="5400000" scaled="0"/>
+        </a:gradFill>
+      </a:fillStyleLst>
+      <a:lnStyleLst>
+        <a:ln w="6350" cap="flat" cmpd="sng" algn="ctr">
+          <a:solidFill>
+            <a:schemeClr val="phClr"/>
+          </a:solidFill>
+          <a:prstDash val="solid"/>
+          <a:miter lim="800000"/>
+        </a:ln>
+        <a:ln w="12700" cap="flat" cmpd="sng" algn="ctr">
+          <a:solidFill>
+            <a:schemeClr val="phClr"/>
+          </a:solidFill>
+          <a:prstDash val="solid"/>
+          <a:miter lim="800000"/>
+        </a:ln>
+        <a:ln w="19050" cap="flat" cmpd="sng" algn="ctr">
+          <a:solidFill>
+            <a:schemeClr val="phClr"/>
+          </a:solidFill>
+          <a:prstDash val="solid"/>
+          <a:miter lim="800000"/>
+        </a:ln>
+      </a:lnStyleLst>
+      <a:effectStyleLst>
+        <a:effectStyle>
+          <a:effectLst/>
+        </a:effectStyle>
+        <a:effectStyle>
+          <a:effectLst/>
+        </a:effectStyle>
+        <a:effectStyle>
+          <a:effectLst>
+            <a:outerShdw blurRad="57150" dist="19050" dir="5400000" algn="ctr" rotWithShape="0">
+              <a:srgbClr val="000000">
+                <a:alpha val="63000"/>
+              </a:srgbClr>
+            </a:outerShdw>
+          </a:effectLst>
+        </a:effectStyle>
+      </a:effectStyleLst>
+      <a:bgFillStyleLst>
+        <a:solidFill>
+          <a:schemeClr val="phClr"/>
+        </a:solidFill>
+        <a:solidFill>
+          <a:schemeClr val="phClr">
+            <a:tint val="95000"/>
+            <a:satMod val="170000"/>
+          </a:schemeClr>
+        </a:solidFill>
+        <a:gradFill rotWithShape="1">
+          <a:gsLst>
+            <a:gs pos="0">
+              <a:schemeClr val="phClr">
+                <a:tint val="93000"/>
+                <a:satMod val="150000"/>
+                <a:shade val="98000"/>
+                <a:lumMod val="102000"/>
+              </a:schemeClr>
+            </a:gs>
+            <a:gs pos="50000">
+              <a:schemeClr val="phClr">
+                <a:tint val="98000"/>
+                <a:satMod val="130000"/>
+                <a:shade val="90000"/>
+                <a:lumMod val="103000"/>
+              </a:schemeClr>
+            </a:gs>
+            <a:gs pos="100000">
+              <a:schemeClr val="phClr">
+                <a:shade val="63000"/>
+                <a:satMod val="120000"/>
+              </a:schemeClr>
+            </a:gs>
+          </a:gsLst>
+          <a:lin ang="5400000" scaled="0"/>
+        </a:gradFill>
+      </a:bgFillStyleLst>
+    </a:fmtScheme>
+  </a:themeElements>
+  <a:objectDefaults/>
+  <a:extraClrSchemeLst/>
+  <a:extLst>
+    <a:ext uri="{05A4C25C-085E-4340-85A3-A5531E510DB2}">
+      <thm15:themeFamily xmlns:thm15="http://schemas.microsoft.com/office/thememl/2012/main" name="Office Theme" id="{62F939B6-93AF-4DB8-9C6B-D6C7DFDC589F}" vid="{4A3C46E8-61CC-4603-A589-7422A47A8E4A}"/>
+    </a:ext>
+  </a:extLst>
+</a:theme>
 </file>